--- a/content/docs/theory-analysis/kafka-replication-failover/images/images.pptx
+++ b/content/docs/theory-analysis/kafka-replication-failover/images/images.pptx
@@ -5,12 +5,14 @@
     <p:sldMasterId id="2147483648" r:id="rId1"/>
   </p:sldMasterIdLst>
   <p:notesMasterIdLst>
-    <p:notesMasterId r:id="rId5"/>
+    <p:notesMasterId r:id="rId7"/>
   </p:notesMasterIdLst>
   <p:sldIdLst>
     <p:sldId id="368" r:id="rId2"/>
     <p:sldId id="367" r:id="rId3"/>
-    <p:sldId id="366" r:id="rId4"/>
+    <p:sldId id="369" r:id="rId4"/>
+    <p:sldId id="366" r:id="rId5"/>
+    <p:sldId id="370" r:id="rId6"/>
   </p:sldIdLst>
   <p:sldSz cx="9144000" cy="5143500" type="screen16x9"/>
   <p:notesSz cx="6858000" cy="9144000"/>
@@ -227,7 +229,7 @@
           <a:p>
             <a:fld id="{6CD5550B-26C4-49A9-A5BA-636EF7BE6CE9}" type="datetimeFigureOut">
               <a:rPr lang="ko-KR" altLang="en-US" smtClean="0"/>
-              <a:t>2019-04-16</a:t>
+              <a:t>2025. 10. 12.</a:t>
             </a:fld>
             <a:endParaRPr lang="ko-KR" altLang="en-US"/>
           </a:p>
@@ -662,6 +664,174 @@
 </p:notes>
 </file>
 
+<file path=ppt/notesSlides/notesSlide3.xml><?xml version="1.0" encoding="utf-8"?>
+<p:notes xmlns:a="http://schemas.openxmlformats.org/drawingml/2006/main" xmlns:r="http://schemas.openxmlformats.org/officeDocument/2006/relationships" xmlns:p="http://schemas.openxmlformats.org/presentationml/2006/main">
+  <p:cSld>
+    <p:spTree>
+      <p:nvGrpSpPr>
+        <p:cNvPr id="1" name=""/>
+        <p:cNvGrpSpPr/>
+        <p:nvPr/>
+      </p:nvGrpSpPr>
+      <p:grpSpPr>
+        <a:xfrm>
+          <a:off x="0" y="0"/>
+          <a:ext cx="0" cy="0"/>
+          <a:chOff x="0" y="0"/>
+          <a:chExt cx="0" cy="0"/>
+        </a:xfrm>
+      </p:grpSpPr>
+      <p:sp>
+        <p:nvSpPr>
+          <p:cNvPr id="2" name="슬라이드 이미지 개체 틀 1"/>
+          <p:cNvSpPr>
+            <a:spLocks noGrp="1" noRot="1" noChangeAspect="1"/>
+          </p:cNvSpPr>
+          <p:nvPr>
+            <p:ph type="sldImg"/>
+          </p:nvPr>
+        </p:nvSpPr>
+        <p:spPr/>
+      </p:sp>
+      <p:sp>
+        <p:nvSpPr>
+          <p:cNvPr id="3" name="슬라이드 노트 개체 틀 2"/>
+          <p:cNvSpPr>
+            <a:spLocks noGrp="1"/>
+          </p:cNvSpPr>
+          <p:nvPr>
+            <p:ph type="body" idx="1"/>
+          </p:nvPr>
+        </p:nvSpPr>
+        <p:spPr/>
+        <p:txBody>
+          <a:bodyPr/>
+          <a:lstStyle/>
+          <a:p>
+            <a:endParaRPr lang="ko-KR" altLang="en-US" dirty="0"/>
+          </a:p>
+        </p:txBody>
+      </p:sp>
+      <p:sp>
+        <p:nvSpPr>
+          <p:cNvPr id="4" name="슬라이드 번호 개체 틀 3"/>
+          <p:cNvSpPr>
+            <a:spLocks noGrp="1"/>
+          </p:cNvSpPr>
+          <p:nvPr>
+            <p:ph type="sldNum" sz="quarter" idx="10"/>
+          </p:nvPr>
+        </p:nvSpPr>
+        <p:spPr/>
+        <p:txBody>
+          <a:bodyPr/>
+          <a:lstStyle/>
+          <a:p>
+            <a:fld id="{BA5DFA43-8D57-47FB-BC46-057616015C3B}" type="slidenum">
+              <a:rPr lang="ko-KR" altLang="en-US" smtClean="0"/>
+              <a:t>3</a:t>
+            </a:fld>
+            <a:endParaRPr lang="ko-KR" altLang="en-US"/>
+          </a:p>
+        </p:txBody>
+      </p:sp>
+    </p:spTree>
+    <p:extLst>
+      <p:ext uri="{BB962C8B-B14F-4D97-AF65-F5344CB8AC3E}">
+        <p14:creationId xmlns:p14="http://schemas.microsoft.com/office/powerpoint/2010/main" val="4183112973"/>
+      </p:ext>
+    </p:extLst>
+  </p:cSld>
+  <p:clrMapOvr>
+    <a:masterClrMapping/>
+  </p:clrMapOvr>
+</p:notes>
+</file>
+
+<file path=ppt/notesSlides/notesSlide4.xml><?xml version="1.0" encoding="utf-8"?>
+<p:notes xmlns:a="http://schemas.openxmlformats.org/drawingml/2006/main" xmlns:r="http://schemas.openxmlformats.org/officeDocument/2006/relationships" xmlns:p="http://schemas.openxmlformats.org/presentationml/2006/main">
+  <p:cSld>
+    <p:spTree>
+      <p:nvGrpSpPr>
+        <p:cNvPr id="1" name=""/>
+        <p:cNvGrpSpPr/>
+        <p:nvPr/>
+      </p:nvGrpSpPr>
+      <p:grpSpPr>
+        <a:xfrm>
+          <a:off x="0" y="0"/>
+          <a:ext cx="0" cy="0"/>
+          <a:chOff x="0" y="0"/>
+          <a:chExt cx="0" cy="0"/>
+        </a:xfrm>
+      </p:grpSpPr>
+      <p:sp>
+        <p:nvSpPr>
+          <p:cNvPr id="2" name="슬라이드 이미지 개체 틀 1"/>
+          <p:cNvSpPr>
+            <a:spLocks noGrp="1" noRot="1" noChangeAspect="1"/>
+          </p:cNvSpPr>
+          <p:nvPr>
+            <p:ph type="sldImg"/>
+          </p:nvPr>
+        </p:nvSpPr>
+        <p:spPr/>
+      </p:sp>
+      <p:sp>
+        <p:nvSpPr>
+          <p:cNvPr id="3" name="슬라이드 노트 개체 틀 2"/>
+          <p:cNvSpPr>
+            <a:spLocks noGrp="1"/>
+          </p:cNvSpPr>
+          <p:nvPr>
+            <p:ph type="body" idx="1"/>
+          </p:nvPr>
+        </p:nvSpPr>
+        <p:spPr/>
+        <p:txBody>
+          <a:bodyPr/>
+          <a:lstStyle/>
+          <a:p>
+            <a:endParaRPr lang="ko-KR" altLang="en-US" dirty="0"/>
+          </a:p>
+        </p:txBody>
+      </p:sp>
+      <p:sp>
+        <p:nvSpPr>
+          <p:cNvPr id="4" name="슬라이드 번호 개체 틀 3"/>
+          <p:cNvSpPr>
+            <a:spLocks noGrp="1"/>
+          </p:cNvSpPr>
+          <p:nvPr>
+            <p:ph type="sldNum" sz="quarter" idx="10"/>
+          </p:nvPr>
+        </p:nvSpPr>
+        <p:spPr/>
+        <p:txBody>
+          <a:bodyPr/>
+          <a:lstStyle/>
+          <a:p>
+            <a:fld id="{BA5DFA43-8D57-47FB-BC46-057616015C3B}" type="slidenum">
+              <a:rPr lang="ko-KR" altLang="en-US" smtClean="0"/>
+              <a:t>5</a:t>
+            </a:fld>
+            <a:endParaRPr lang="ko-KR" altLang="en-US"/>
+          </a:p>
+        </p:txBody>
+      </p:sp>
+    </p:spTree>
+    <p:extLst>
+      <p:ext uri="{BB962C8B-B14F-4D97-AF65-F5344CB8AC3E}">
+        <p14:creationId xmlns:p14="http://schemas.microsoft.com/office/powerpoint/2010/main" val="2207718884"/>
+      </p:ext>
+    </p:extLst>
+  </p:cSld>
+  <p:clrMapOvr>
+    <a:masterClrMapping/>
+  </p:clrMapOvr>
+</p:notes>
+</file>
+
 <file path=ppt/slideLayouts/slideLayout1.xml><?xml version="1.0" encoding="utf-8"?>
 <p:sldLayout xmlns:a="http://schemas.openxmlformats.org/drawingml/2006/main" xmlns:r="http://schemas.openxmlformats.org/officeDocument/2006/relationships" xmlns:p="http://schemas.openxmlformats.org/presentationml/2006/main" type="title" preserve="1">
   <p:cSld name="제목 슬라이드">
@@ -841,7 +1011,7 @@
           <a:p>
             <a:fld id="{FB30EDBD-1C2D-4C1E-B459-B60219FAB484}" type="datetimeFigureOut">
               <a:rPr lang="ko-KR" altLang="en-US" smtClean="0"/>
-              <a:t>2019-04-16</a:t>
+              <a:t>2025. 10. 12.</a:t>
             </a:fld>
             <a:endParaRPr lang="ko-KR" altLang="en-US"/>
           </a:p>
@@ -1004,7 +1174,7 @@
           <a:p>
             <a:fld id="{FB30EDBD-1C2D-4C1E-B459-B60219FAB484}" type="datetimeFigureOut">
               <a:rPr lang="ko-KR" altLang="en-US" smtClean="0"/>
-              <a:t>2019-04-16</a:t>
+              <a:t>2025. 10. 12.</a:t>
             </a:fld>
             <a:endParaRPr lang="ko-KR" altLang="en-US"/>
           </a:p>
@@ -1177,7 +1347,7 @@
           <a:p>
             <a:fld id="{FB30EDBD-1C2D-4C1E-B459-B60219FAB484}" type="datetimeFigureOut">
               <a:rPr lang="ko-KR" altLang="en-US" smtClean="0"/>
-              <a:t>2019-04-16</a:t>
+              <a:t>2025. 10. 12.</a:t>
             </a:fld>
             <a:endParaRPr lang="ko-KR" altLang="en-US"/>
           </a:p>
@@ -1340,7 +1510,7 @@
           <a:p>
             <a:fld id="{FB30EDBD-1C2D-4C1E-B459-B60219FAB484}" type="datetimeFigureOut">
               <a:rPr lang="ko-KR" altLang="en-US" smtClean="0"/>
-              <a:t>2019-04-16</a:t>
+              <a:t>2025. 10. 12.</a:t>
             </a:fld>
             <a:endParaRPr lang="ko-KR" altLang="en-US"/>
           </a:p>
@@ -1580,7 +1750,7 @@
           <a:p>
             <a:fld id="{FB30EDBD-1C2D-4C1E-B459-B60219FAB484}" type="datetimeFigureOut">
               <a:rPr lang="ko-KR" altLang="en-US" smtClean="0"/>
-              <a:t>2019-04-16</a:t>
+              <a:t>2025. 10. 12.</a:t>
             </a:fld>
             <a:endParaRPr lang="ko-KR" altLang="en-US"/>
           </a:p>
@@ -1860,7 +2030,7 @@
           <a:p>
             <a:fld id="{FB30EDBD-1C2D-4C1E-B459-B60219FAB484}" type="datetimeFigureOut">
               <a:rPr lang="ko-KR" altLang="en-US" smtClean="0"/>
-              <a:t>2019-04-16</a:t>
+              <a:t>2025. 10. 12.</a:t>
             </a:fld>
             <a:endParaRPr lang="ko-KR" altLang="en-US"/>
           </a:p>
@@ -2274,7 +2444,7 @@
           <a:p>
             <a:fld id="{FB30EDBD-1C2D-4C1E-B459-B60219FAB484}" type="datetimeFigureOut">
               <a:rPr lang="ko-KR" altLang="en-US" smtClean="0"/>
-              <a:t>2019-04-16</a:t>
+              <a:t>2025. 10. 12.</a:t>
             </a:fld>
             <a:endParaRPr lang="ko-KR" altLang="en-US"/>
           </a:p>
@@ -2386,7 +2556,7 @@
           <a:p>
             <a:fld id="{FB30EDBD-1C2D-4C1E-B459-B60219FAB484}" type="datetimeFigureOut">
               <a:rPr lang="ko-KR" altLang="en-US" smtClean="0"/>
-              <a:t>2019-04-16</a:t>
+              <a:t>2025. 10. 12.</a:t>
             </a:fld>
             <a:endParaRPr lang="ko-KR" altLang="en-US"/>
           </a:p>
@@ -2476,7 +2646,7 @@
           <a:p>
             <a:fld id="{FB30EDBD-1C2D-4C1E-B459-B60219FAB484}" type="datetimeFigureOut">
               <a:rPr lang="ko-KR" altLang="en-US" smtClean="0"/>
-              <a:t>2019-04-16</a:t>
+              <a:t>2025. 10. 12.</a:t>
             </a:fld>
             <a:endParaRPr lang="ko-KR" altLang="en-US"/>
           </a:p>
@@ -2746,7 +2916,7 @@
           <a:p>
             <a:fld id="{FB30EDBD-1C2D-4C1E-B459-B60219FAB484}" type="datetimeFigureOut">
               <a:rPr lang="ko-KR" altLang="en-US" smtClean="0"/>
-              <a:t>2019-04-16</a:t>
+              <a:t>2025. 10. 12.</a:t>
             </a:fld>
             <a:endParaRPr lang="ko-KR" altLang="en-US"/>
           </a:p>
@@ -2993,7 +3163,7 @@
           <a:p>
             <a:fld id="{FB30EDBD-1C2D-4C1E-B459-B60219FAB484}" type="datetimeFigureOut">
               <a:rPr lang="ko-KR" altLang="en-US" smtClean="0"/>
-              <a:t>2019-04-16</a:t>
+              <a:t>2025. 10. 12.</a:t>
             </a:fld>
             <a:endParaRPr lang="ko-KR" altLang="en-US"/>
           </a:p>
@@ -3199,7 +3369,7 @@
           <a:p>
             <a:fld id="{FB30EDBD-1C2D-4C1E-B459-B60219FAB484}" type="datetimeFigureOut">
               <a:rPr lang="ko-KR" altLang="en-US" smtClean="0"/>
-              <a:t>2019-04-16</a:t>
+              <a:t>2025. 10. 12.</a:t>
             </a:fld>
             <a:endParaRPr lang="ko-KR" altLang="en-US"/>
           </a:p>
@@ -3908,7 +4078,7 @@
           <a:p>
             <a:r>
               <a:rPr lang="en-US" altLang="ko-KR"/>
-              <a:t>Cluster</a:t>
+              <a:t>Before Replication</a:t>
             </a:r>
             <a:endParaRPr lang="ko-KR" altLang="en-US" dirty="0"/>
           </a:p>
@@ -8379,13 +8549,324 @@
       </p:grpSpPr>
       <p:sp>
         <p:nvSpPr>
-          <p:cNvPr id="2" name="제목 1">
-            <a:extLst>
-              <a:ext uri="{FF2B5EF4-FFF2-40B4-BE49-F238E27FC236}">
-                <a16:creationId xmlns:a16="http://schemas.microsoft.com/office/drawing/2014/main" id="{22E8B363-F2B6-40BD-B3C0-2DE050DE8B83}"/>
-              </a:ext>
-            </a:extLst>
-          </p:cNvPr>
+          <p:cNvPr id="94" name="사각형: 둥근 모서리 93">
+            <a:extLst>
+              <a:ext uri="{FF2B5EF4-FFF2-40B4-BE49-F238E27FC236}">
+                <a16:creationId xmlns:a16="http://schemas.microsoft.com/office/drawing/2014/main" id="{BF102B77-80E1-470A-864F-4A3D5DED6D2C}"/>
+              </a:ext>
+            </a:extLst>
+          </p:cNvPr>
+          <p:cNvSpPr/>
+          <p:nvPr/>
+        </p:nvSpPr>
+        <p:spPr>
+          <a:xfrm>
+            <a:off x="7647338" y="2835283"/>
+            <a:ext cx="1321402" cy="1508117"/>
+          </a:xfrm>
+          <a:prstGeom prst="roundRect">
+            <a:avLst>
+              <a:gd name="adj" fmla="val 8229"/>
+            </a:avLst>
+          </a:prstGeom>
+          <a:ln>
+            <a:prstDash val="dash"/>
+          </a:ln>
+        </p:spPr>
+        <p:style>
+          <a:lnRef idx="2">
+            <a:schemeClr val="dk1"/>
+          </a:lnRef>
+          <a:fillRef idx="1">
+            <a:schemeClr val="lt1"/>
+          </a:fillRef>
+          <a:effectRef idx="0">
+            <a:schemeClr val="dk1"/>
+          </a:effectRef>
+          <a:fontRef idx="minor">
+            <a:schemeClr val="dk1"/>
+          </a:fontRef>
+        </p:style>
+        <p:txBody>
+          <a:bodyPr rtlCol="0" anchor="b"/>
+          <a:lstStyle/>
+          <a:p>
+            <a:pPr algn="ctr"/>
+            <a:r>
+              <a:rPr lang="en-US" altLang="ko-KR" sz="1200" dirty="0"/>
+              <a:t>Consumer </a:t>
+            </a:r>
+            <a:r>
+              <a:rPr lang="en-US" altLang="ko-KR" sz="1200"/>
+              <a:t>Group C</a:t>
+            </a:r>
+            <a:endParaRPr lang="ko-KR" altLang="en-US" sz="1200" dirty="0"/>
+          </a:p>
+        </p:txBody>
+      </p:sp>
+      <p:sp>
+        <p:nvSpPr>
+          <p:cNvPr id="93" name="사각형: 둥근 모서리 92">
+            <a:extLst>
+              <a:ext uri="{FF2B5EF4-FFF2-40B4-BE49-F238E27FC236}">
+                <a16:creationId xmlns:a16="http://schemas.microsoft.com/office/drawing/2014/main" id="{563C859A-DBF8-4424-941C-3B4279BE759E}"/>
+              </a:ext>
+            </a:extLst>
+          </p:cNvPr>
+          <p:cNvSpPr/>
+          <p:nvPr/>
+        </p:nvSpPr>
+        <p:spPr>
+          <a:xfrm>
+            <a:off x="7647338" y="1762629"/>
+            <a:ext cx="1321402" cy="996450"/>
+          </a:xfrm>
+          <a:prstGeom prst="roundRect">
+            <a:avLst>
+              <a:gd name="adj" fmla="val 12843"/>
+            </a:avLst>
+          </a:prstGeom>
+          <a:ln>
+            <a:prstDash val="dash"/>
+          </a:ln>
+        </p:spPr>
+        <p:style>
+          <a:lnRef idx="2">
+            <a:schemeClr val="dk1"/>
+          </a:lnRef>
+          <a:fillRef idx="1">
+            <a:schemeClr val="lt1"/>
+          </a:fillRef>
+          <a:effectRef idx="0">
+            <a:schemeClr val="dk1"/>
+          </a:effectRef>
+          <a:fontRef idx="minor">
+            <a:schemeClr val="dk1"/>
+          </a:fontRef>
+        </p:style>
+        <p:txBody>
+          <a:bodyPr rtlCol="0" anchor="b"/>
+          <a:lstStyle/>
+          <a:p>
+            <a:pPr algn="ctr"/>
+            <a:r>
+              <a:rPr lang="en-US" altLang="ko-KR" sz="1200" dirty="0"/>
+              <a:t>Consumer </a:t>
+            </a:r>
+            <a:r>
+              <a:rPr lang="en-US" altLang="ko-KR" sz="1200"/>
+              <a:t>Group B</a:t>
+            </a:r>
+            <a:endParaRPr lang="ko-KR" altLang="en-US" sz="1200" dirty="0"/>
+          </a:p>
+        </p:txBody>
+      </p:sp>
+      <p:sp>
+        <p:nvSpPr>
+          <p:cNvPr id="92" name="사각형: 둥근 모서리 91">
+            <a:extLst>
+              <a:ext uri="{FF2B5EF4-FFF2-40B4-BE49-F238E27FC236}">
+                <a16:creationId xmlns:a16="http://schemas.microsoft.com/office/drawing/2014/main" id="{CF2B3B12-DFBC-4126-BD35-F2B269976506}"/>
+              </a:ext>
+            </a:extLst>
+          </p:cNvPr>
+          <p:cNvSpPr/>
+          <p:nvPr/>
+        </p:nvSpPr>
+        <p:spPr>
+          <a:xfrm>
+            <a:off x="7647338" y="680492"/>
+            <a:ext cx="1321402" cy="996450"/>
+          </a:xfrm>
+          <a:prstGeom prst="roundRect">
+            <a:avLst>
+              <a:gd name="adj" fmla="val 12843"/>
+            </a:avLst>
+          </a:prstGeom>
+          <a:ln>
+            <a:prstDash val="dash"/>
+          </a:ln>
+        </p:spPr>
+        <p:style>
+          <a:lnRef idx="2">
+            <a:schemeClr val="dk1"/>
+          </a:lnRef>
+          <a:fillRef idx="1">
+            <a:schemeClr val="lt1"/>
+          </a:fillRef>
+          <a:effectRef idx="0">
+            <a:schemeClr val="dk1"/>
+          </a:effectRef>
+          <a:fontRef idx="minor">
+            <a:schemeClr val="dk1"/>
+          </a:fontRef>
+        </p:style>
+        <p:txBody>
+          <a:bodyPr rtlCol="0" anchor="b"/>
+          <a:lstStyle/>
+          <a:p>
+            <a:pPr algn="ctr"/>
+            <a:r>
+              <a:rPr lang="en-US" altLang="ko-KR" sz="1200" dirty="0"/>
+              <a:t>Consumer Group A</a:t>
+            </a:r>
+            <a:endParaRPr lang="ko-KR" altLang="en-US" sz="1200" dirty="0"/>
+          </a:p>
+        </p:txBody>
+      </p:sp>
+      <p:sp>
+        <p:nvSpPr>
+          <p:cNvPr id="7" name="사각형: 둥근 모서리 6">
+            <a:extLst>
+              <a:ext uri="{FF2B5EF4-FFF2-40B4-BE49-F238E27FC236}">
+                <a16:creationId xmlns:a16="http://schemas.microsoft.com/office/drawing/2014/main" id="{43605E7C-158D-49F1-8506-CEF09E8CC589}"/>
+              </a:ext>
+            </a:extLst>
+          </p:cNvPr>
+          <p:cNvSpPr/>
+          <p:nvPr/>
+        </p:nvSpPr>
+        <p:spPr>
+          <a:xfrm>
+            <a:off x="1460210" y="605910"/>
+            <a:ext cx="1872208" cy="3761469"/>
+          </a:xfrm>
+          <a:prstGeom prst="roundRect">
+            <a:avLst>
+              <a:gd name="adj" fmla="val 4353"/>
+            </a:avLst>
+          </a:prstGeom>
+        </p:spPr>
+        <p:style>
+          <a:lnRef idx="2">
+            <a:schemeClr val="dk1"/>
+          </a:lnRef>
+          <a:fillRef idx="1">
+            <a:schemeClr val="lt1"/>
+          </a:fillRef>
+          <a:effectRef idx="0">
+            <a:schemeClr val="dk1"/>
+          </a:effectRef>
+          <a:fontRef idx="minor">
+            <a:schemeClr val="dk1"/>
+          </a:fontRef>
+        </p:style>
+        <p:txBody>
+          <a:bodyPr rtlCol="0" anchor="b"/>
+          <a:lstStyle/>
+          <a:p>
+            <a:pPr algn="ctr"/>
+            <a:r>
+              <a:rPr lang="en-US" altLang="ko-KR" sz="1400" dirty="0"/>
+              <a:t>Kafka Broker A</a:t>
+            </a:r>
+            <a:endParaRPr lang="ko-KR" altLang="en-US" sz="1400" dirty="0"/>
+          </a:p>
+        </p:txBody>
+      </p:sp>
+      <p:sp>
+        <p:nvSpPr>
+          <p:cNvPr id="58" name="사각형: 둥근 모서리 57">
+            <a:extLst>
+              <a:ext uri="{FF2B5EF4-FFF2-40B4-BE49-F238E27FC236}">
+                <a16:creationId xmlns:a16="http://schemas.microsoft.com/office/drawing/2014/main" id="{364F566C-AAA1-4C72-9FB2-52671A2E3589}"/>
+              </a:ext>
+            </a:extLst>
+          </p:cNvPr>
+          <p:cNvSpPr/>
+          <p:nvPr/>
+        </p:nvSpPr>
+        <p:spPr>
+          <a:xfrm>
+            <a:off x="3563888" y="592091"/>
+            <a:ext cx="1872208" cy="3775288"/>
+          </a:xfrm>
+          <a:prstGeom prst="roundRect">
+            <a:avLst>
+              <a:gd name="adj" fmla="val 5697"/>
+            </a:avLst>
+          </a:prstGeom>
+        </p:spPr>
+        <p:style>
+          <a:lnRef idx="2">
+            <a:schemeClr val="dk1"/>
+          </a:lnRef>
+          <a:fillRef idx="1">
+            <a:schemeClr val="lt1"/>
+          </a:fillRef>
+          <a:effectRef idx="0">
+            <a:schemeClr val="dk1"/>
+          </a:effectRef>
+          <a:fontRef idx="minor">
+            <a:schemeClr val="dk1"/>
+          </a:fontRef>
+        </p:style>
+        <p:txBody>
+          <a:bodyPr rtlCol="0" anchor="b"/>
+          <a:lstStyle/>
+          <a:p>
+            <a:pPr algn="ctr"/>
+            <a:r>
+              <a:rPr lang="en-US" altLang="ko-KR" sz="1400" dirty="0"/>
+              <a:t>Kafka Broker B</a:t>
+            </a:r>
+            <a:endParaRPr lang="ko-KR" altLang="en-US" sz="1400" dirty="0"/>
+          </a:p>
+        </p:txBody>
+      </p:sp>
+      <p:sp>
+        <p:nvSpPr>
+          <p:cNvPr id="67" name="사각형: 둥근 모서리 66">
+            <a:extLst>
+              <a:ext uri="{FF2B5EF4-FFF2-40B4-BE49-F238E27FC236}">
+                <a16:creationId xmlns:a16="http://schemas.microsoft.com/office/drawing/2014/main" id="{10A8E561-0D52-48A1-A8B6-9F42DD083DD7}"/>
+              </a:ext>
+            </a:extLst>
+          </p:cNvPr>
+          <p:cNvSpPr/>
+          <p:nvPr/>
+        </p:nvSpPr>
+        <p:spPr>
+          <a:xfrm>
+            <a:off x="5652120" y="592091"/>
+            <a:ext cx="1872208" cy="3775288"/>
+          </a:xfrm>
+          <a:prstGeom prst="roundRect">
+            <a:avLst>
+              <a:gd name="adj" fmla="val 5249"/>
+            </a:avLst>
+          </a:prstGeom>
+        </p:spPr>
+        <p:style>
+          <a:lnRef idx="2">
+            <a:schemeClr val="dk1"/>
+          </a:lnRef>
+          <a:fillRef idx="1">
+            <a:schemeClr val="lt1"/>
+          </a:fillRef>
+          <a:effectRef idx="0">
+            <a:schemeClr val="dk1"/>
+          </a:effectRef>
+          <a:fontRef idx="minor">
+            <a:schemeClr val="dk1"/>
+          </a:fontRef>
+        </p:style>
+        <p:txBody>
+          <a:bodyPr rtlCol="0" anchor="b"/>
+          <a:lstStyle/>
+          <a:p>
+            <a:pPr algn="ctr"/>
+            <a:r>
+              <a:rPr lang="en-US" altLang="ko-KR" sz="1400" dirty="0"/>
+              <a:t>Kafka Broker C</a:t>
+            </a:r>
+            <a:endParaRPr lang="ko-KR" altLang="en-US" sz="1400" dirty="0"/>
+          </a:p>
+        </p:txBody>
+      </p:sp>
+      <p:sp>
+        <p:nvSpPr>
+          <p:cNvPr id="2" name="제목 1"/>
           <p:cNvSpPr>
             <a:spLocks noGrp="1"/>
           </p:cNvSpPr>
@@ -8393,6 +8874,2465 @@
             <p:ph type="title"/>
           </p:nvPr>
         </p:nvSpPr>
+        <p:spPr>
+          <a:xfrm>
+            <a:off x="377332" y="-236562"/>
+            <a:ext cx="8229600" cy="857250"/>
+          </a:xfrm>
+        </p:spPr>
+        <p:txBody>
+          <a:bodyPr/>
+          <a:lstStyle/>
+          <a:p>
+            <a:r>
+              <a:rPr lang="en-US" altLang="ko-KR"/>
+              <a:t>Replication Failover</a:t>
+            </a:r>
+            <a:endParaRPr lang="ko-KR" altLang="en-US" dirty="0"/>
+          </a:p>
+        </p:txBody>
+      </p:sp>
+      <p:sp>
+        <p:nvSpPr>
+          <p:cNvPr id="55" name="사각형: 둥근 모서리 54">
+            <a:extLst>
+              <a:ext uri="{FF2B5EF4-FFF2-40B4-BE49-F238E27FC236}">
+                <a16:creationId xmlns:a16="http://schemas.microsoft.com/office/drawing/2014/main" id="{9B510882-3AD7-4A8A-ACA7-B7996494A18E}"/>
+              </a:ext>
+            </a:extLst>
+          </p:cNvPr>
+          <p:cNvSpPr/>
+          <p:nvPr/>
+        </p:nvSpPr>
+        <p:spPr>
+          <a:xfrm>
+            <a:off x="1691680" y="2658135"/>
+            <a:ext cx="1440160" cy="268948"/>
+          </a:xfrm>
+          <a:prstGeom prst="roundRect">
+            <a:avLst>
+              <a:gd name="adj" fmla="val 14105"/>
+            </a:avLst>
+          </a:prstGeom>
+          <a:solidFill>
+            <a:schemeClr val="accent2">
+              <a:lumMod val="20000"/>
+              <a:lumOff val="80000"/>
+            </a:schemeClr>
+          </a:solidFill>
+        </p:spPr>
+        <p:style>
+          <a:lnRef idx="2">
+            <a:schemeClr val="dk1"/>
+          </a:lnRef>
+          <a:fillRef idx="1">
+            <a:schemeClr val="lt1"/>
+          </a:fillRef>
+          <a:effectRef idx="0">
+            <a:schemeClr val="dk1"/>
+          </a:effectRef>
+          <a:fontRef idx="minor">
+            <a:schemeClr val="dk1"/>
+          </a:fontRef>
+        </p:style>
+        <p:txBody>
+          <a:bodyPr rtlCol="0" anchor="ctr"/>
+          <a:lstStyle/>
+          <a:p>
+            <a:pPr algn="ctr"/>
+            <a:r>
+              <a:rPr lang="en-US" altLang="ko-KR" sz="1100"/>
+              <a:t>Partition </a:t>
+            </a:r>
+            <a:r>
+              <a:rPr lang="en-US" altLang="ko-KR" sz="1100" dirty="0"/>
+              <a:t>0</a:t>
+            </a:r>
+            <a:endParaRPr lang="ko-KR" altLang="en-US" sz="1100" dirty="0"/>
+          </a:p>
+        </p:txBody>
+      </p:sp>
+      <p:sp>
+        <p:nvSpPr>
+          <p:cNvPr id="56" name="사각형: 둥근 모서리 55">
+            <a:extLst>
+              <a:ext uri="{FF2B5EF4-FFF2-40B4-BE49-F238E27FC236}">
+                <a16:creationId xmlns:a16="http://schemas.microsoft.com/office/drawing/2014/main" id="{F8EDAA14-A89A-489B-B003-40355A4D2500}"/>
+              </a:ext>
+            </a:extLst>
+          </p:cNvPr>
+          <p:cNvSpPr/>
+          <p:nvPr/>
+        </p:nvSpPr>
+        <p:spPr>
+          <a:xfrm>
+            <a:off x="1691680" y="3024347"/>
+            <a:ext cx="1440160" cy="268948"/>
+          </a:xfrm>
+          <a:prstGeom prst="roundRect">
+            <a:avLst>
+              <a:gd name="adj" fmla="val 14105"/>
+            </a:avLst>
+          </a:prstGeom>
+          <a:solidFill>
+            <a:schemeClr val="accent1">
+              <a:lumMod val="20000"/>
+              <a:lumOff val="80000"/>
+            </a:schemeClr>
+          </a:solidFill>
+        </p:spPr>
+        <p:style>
+          <a:lnRef idx="2">
+            <a:schemeClr val="dk1"/>
+          </a:lnRef>
+          <a:fillRef idx="1">
+            <a:schemeClr val="lt1"/>
+          </a:fillRef>
+          <a:effectRef idx="0">
+            <a:schemeClr val="dk1"/>
+          </a:effectRef>
+          <a:fontRef idx="minor">
+            <a:schemeClr val="dk1"/>
+          </a:fontRef>
+        </p:style>
+        <p:txBody>
+          <a:bodyPr rtlCol="0" anchor="ctr"/>
+          <a:lstStyle/>
+          <a:p>
+            <a:pPr algn="ctr"/>
+            <a:r>
+              <a:rPr lang="en-US" altLang="ko-KR" sz="1100"/>
+              <a:t>Partition </a:t>
+            </a:r>
+            <a:r>
+              <a:rPr lang="en-US" altLang="ko-KR" sz="1100" dirty="0"/>
+              <a:t>1</a:t>
+            </a:r>
+            <a:endParaRPr lang="ko-KR" altLang="en-US" sz="1100" dirty="0"/>
+          </a:p>
+        </p:txBody>
+      </p:sp>
+      <p:sp>
+        <p:nvSpPr>
+          <p:cNvPr id="57" name="사각형: 둥근 모서리 56">
+            <a:extLst>
+              <a:ext uri="{FF2B5EF4-FFF2-40B4-BE49-F238E27FC236}">
+                <a16:creationId xmlns:a16="http://schemas.microsoft.com/office/drawing/2014/main" id="{D0081DD2-33FA-46B1-8ABB-C5E63737BABF}"/>
+              </a:ext>
+            </a:extLst>
+          </p:cNvPr>
+          <p:cNvSpPr/>
+          <p:nvPr/>
+        </p:nvSpPr>
+        <p:spPr>
+          <a:xfrm>
+            <a:off x="1691680" y="3390559"/>
+            <a:ext cx="1440160" cy="268948"/>
+          </a:xfrm>
+          <a:prstGeom prst="roundRect">
+            <a:avLst>
+              <a:gd name="adj" fmla="val 14105"/>
+            </a:avLst>
+          </a:prstGeom>
+          <a:solidFill>
+            <a:schemeClr val="accent2">
+              <a:lumMod val="20000"/>
+              <a:lumOff val="80000"/>
+            </a:schemeClr>
+          </a:solidFill>
+        </p:spPr>
+        <p:style>
+          <a:lnRef idx="2">
+            <a:schemeClr val="dk1"/>
+          </a:lnRef>
+          <a:fillRef idx="1">
+            <a:schemeClr val="lt1"/>
+          </a:fillRef>
+          <a:effectRef idx="0">
+            <a:schemeClr val="dk1"/>
+          </a:effectRef>
+          <a:fontRef idx="minor">
+            <a:schemeClr val="dk1"/>
+          </a:fontRef>
+        </p:style>
+        <p:txBody>
+          <a:bodyPr rtlCol="0" anchor="ctr"/>
+          <a:lstStyle/>
+          <a:p>
+            <a:pPr algn="ctr"/>
+            <a:r>
+              <a:rPr lang="en-US" altLang="ko-KR" sz="1100"/>
+              <a:t>Partition </a:t>
+            </a:r>
+            <a:r>
+              <a:rPr lang="en-US" altLang="ko-KR" sz="1100" dirty="0"/>
+              <a:t>2</a:t>
+            </a:r>
+            <a:endParaRPr lang="ko-KR" altLang="en-US" sz="1100" dirty="0"/>
+          </a:p>
+        </p:txBody>
+      </p:sp>
+      <p:sp>
+        <p:nvSpPr>
+          <p:cNvPr id="63" name="사각형: 둥근 모서리 62">
+            <a:extLst>
+              <a:ext uri="{FF2B5EF4-FFF2-40B4-BE49-F238E27FC236}">
+                <a16:creationId xmlns:a16="http://schemas.microsoft.com/office/drawing/2014/main" id="{1D930AF3-C251-4D74-827F-DC86C862B00C}"/>
+              </a:ext>
+            </a:extLst>
+          </p:cNvPr>
+          <p:cNvSpPr/>
+          <p:nvPr/>
+        </p:nvSpPr>
+        <p:spPr>
+          <a:xfrm>
+            <a:off x="3779912" y="1901607"/>
+            <a:ext cx="1440160" cy="268948"/>
+          </a:xfrm>
+          <a:prstGeom prst="roundRect">
+            <a:avLst>
+              <a:gd name="adj" fmla="val 14105"/>
+            </a:avLst>
+          </a:prstGeom>
+          <a:solidFill>
+            <a:schemeClr val="accent2">
+              <a:lumMod val="20000"/>
+              <a:lumOff val="80000"/>
+            </a:schemeClr>
+          </a:solidFill>
+        </p:spPr>
+        <p:style>
+          <a:lnRef idx="2">
+            <a:schemeClr val="dk1"/>
+          </a:lnRef>
+          <a:fillRef idx="1">
+            <a:schemeClr val="lt1"/>
+          </a:fillRef>
+          <a:effectRef idx="0">
+            <a:schemeClr val="dk1"/>
+          </a:effectRef>
+          <a:fontRef idx="minor">
+            <a:schemeClr val="dk1"/>
+          </a:fontRef>
+        </p:style>
+        <p:txBody>
+          <a:bodyPr rtlCol="0" anchor="ctr"/>
+          <a:lstStyle/>
+          <a:p>
+            <a:pPr algn="ctr"/>
+            <a:r>
+              <a:rPr lang="en-US" altLang="ko-KR" sz="1100"/>
+              <a:t>Partition </a:t>
+            </a:r>
+            <a:r>
+              <a:rPr lang="en-US" altLang="ko-KR" sz="1100" dirty="0"/>
+              <a:t>0</a:t>
+            </a:r>
+            <a:endParaRPr lang="ko-KR" altLang="en-US" sz="1100" dirty="0"/>
+          </a:p>
+        </p:txBody>
+      </p:sp>
+      <p:sp>
+        <p:nvSpPr>
+          <p:cNvPr id="64" name="사각형: 둥근 모서리 63">
+            <a:extLst>
+              <a:ext uri="{FF2B5EF4-FFF2-40B4-BE49-F238E27FC236}">
+                <a16:creationId xmlns:a16="http://schemas.microsoft.com/office/drawing/2014/main" id="{C093F3AF-A4D5-42A7-93F0-6BCBA9A55EF7}"/>
+              </a:ext>
+            </a:extLst>
+          </p:cNvPr>
+          <p:cNvSpPr/>
+          <p:nvPr/>
+        </p:nvSpPr>
+        <p:spPr>
+          <a:xfrm>
+            <a:off x="3779912" y="2658135"/>
+            <a:ext cx="1440160" cy="268948"/>
+          </a:xfrm>
+          <a:prstGeom prst="roundRect">
+            <a:avLst>
+              <a:gd name="adj" fmla="val 14105"/>
+            </a:avLst>
+          </a:prstGeom>
+          <a:solidFill>
+            <a:schemeClr val="accent1">
+              <a:lumMod val="20000"/>
+              <a:lumOff val="80000"/>
+            </a:schemeClr>
+          </a:solidFill>
+        </p:spPr>
+        <p:style>
+          <a:lnRef idx="2">
+            <a:schemeClr val="dk1"/>
+          </a:lnRef>
+          <a:fillRef idx="1">
+            <a:schemeClr val="lt1"/>
+          </a:fillRef>
+          <a:effectRef idx="0">
+            <a:schemeClr val="dk1"/>
+          </a:effectRef>
+          <a:fontRef idx="minor">
+            <a:schemeClr val="dk1"/>
+          </a:fontRef>
+        </p:style>
+        <p:txBody>
+          <a:bodyPr rtlCol="0" anchor="ctr"/>
+          <a:lstStyle/>
+          <a:p>
+            <a:pPr algn="ctr"/>
+            <a:r>
+              <a:rPr lang="en-US" altLang="ko-KR" sz="1100"/>
+              <a:t>Partition 0</a:t>
+            </a:r>
+            <a:endParaRPr lang="ko-KR" altLang="en-US" sz="1100" dirty="0"/>
+          </a:p>
+        </p:txBody>
+      </p:sp>
+      <p:sp>
+        <p:nvSpPr>
+          <p:cNvPr id="65" name="사각형: 둥근 모서리 64">
+            <a:extLst>
+              <a:ext uri="{FF2B5EF4-FFF2-40B4-BE49-F238E27FC236}">
+                <a16:creationId xmlns:a16="http://schemas.microsoft.com/office/drawing/2014/main" id="{CE7BAF05-2759-4F3B-9CFD-1F237A1F8B70}"/>
+              </a:ext>
+            </a:extLst>
+          </p:cNvPr>
+          <p:cNvSpPr/>
+          <p:nvPr/>
+        </p:nvSpPr>
+        <p:spPr>
+          <a:xfrm>
+            <a:off x="3779912" y="3024347"/>
+            <a:ext cx="1440160" cy="268948"/>
+          </a:xfrm>
+          <a:prstGeom prst="roundRect">
+            <a:avLst>
+              <a:gd name="adj" fmla="val 14105"/>
+            </a:avLst>
+          </a:prstGeom>
+          <a:solidFill>
+            <a:schemeClr val="accent2">
+              <a:lumMod val="20000"/>
+              <a:lumOff val="80000"/>
+            </a:schemeClr>
+          </a:solidFill>
+        </p:spPr>
+        <p:style>
+          <a:lnRef idx="2">
+            <a:schemeClr val="dk1"/>
+          </a:lnRef>
+          <a:fillRef idx="1">
+            <a:schemeClr val="lt1"/>
+          </a:fillRef>
+          <a:effectRef idx="0">
+            <a:schemeClr val="dk1"/>
+          </a:effectRef>
+          <a:fontRef idx="minor">
+            <a:schemeClr val="dk1"/>
+          </a:fontRef>
+        </p:style>
+        <p:txBody>
+          <a:bodyPr rtlCol="0" anchor="ctr"/>
+          <a:lstStyle/>
+          <a:p>
+            <a:pPr algn="ctr"/>
+            <a:r>
+              <a:rPr lang="en-US" altLang="ko-KR" sz="1100"/>
+              <a:t>Partition 1</a:t>
+            </a:r>
+            <a:endParaRPr lang="ko-KR" altLang="en-US" sz="1100" dirty="0"/>
+          </a:p>
+        </p:txBody>
+      </p:sp>
+      <p:sp>
+        <p:nvSpPr>
+          <p:cNvPr id="66" name="사각형: 둥근 모서리 65">
+            <a:extLst>
+              <a:ext uri="{FF2B5EF4-FFF2-40B4-BE49-F238E27FC236}">
+                <a16:creationId xmlns:a16="http://schemas.microsoft.com/office/drawing/2014/main" id="{1CA0F0DF-F771-45A7-AE6F-EA0C6999E419}"/>
+              </a:ext>
+            </a:extLst>
+          </p:cNvPr>
+          <p:cNvSpPr/>
+          <p:nvPr/>
+        </p:nvSpPr>
+        <p:spPr>
+          <a:xfrm>
+            <a:off x="3779912" y="3390559"/>
+            <a:ext cx="1440160" cy="268948"/>
+          </a:xfrm>
+          <a:prstGeom prst="roundRect">
+            <a:avLst>
+              <a:gd name="adj" fmla="val 14105"/>
+            </a:avLst>
+          </a:prstGeom>
+          <a:solidFill>
+            <a:schemeClr val="accent1">
+              <a:lumMod val="20000"/>
+              <a:lumOff val="80000"/>
+            </a:schemeClr>
+          </a:solidFill>
+        </p:spPr>
+        <p:style>
+          <a:lnRef idx="2">
+            <a:schemeClr val="dk1"/>
+          </a:lnRef>
+          <a:fillRef idx="1">
+            <a:schemeClr val="lt1"/>
+          </a:fillRef>
+          <a:effectRef idx="0">
+            <a:schemeClr val="dk1"/>
+          </a:effectRef>
+          <a:fontRef idx="minor">
+            <a:schemeClr val="dk1"/>
+          </a:fontRef>
+        </p:style>
+        <p:txBody>
+          <a:bodyPr rtlCol="0" anchor="ctr"/>
+          <a:lstStyle/>
+          <a:p>
+            <a:pPr algn="ctr"/>
+            <a:r>
+              <a:rPr lang="en-US" altLang="ko-KR" sz="1100"/>
+              <a:t>Partition </a:t>
+            </a:r>
+            <a:r>
+              <a:rPr lang="en-US" altLang="ko-KR" sz="1100" dirty="0"/>
+              <a:t>2</a:t>
+            </a:r>
+            <a:endParaRPr lang="ko-KR" altLang="en-US" sz="1100" dirty="0"/>
+          </a:p>
+        </p:txBody>
+      </p:sp>
+      <p:sp>
+        <p:nvSpPr>
+          <p:cNvPr id="70" name="사각형: 둥근 모서리 69">
+            <a:extLst>
+              <a:ext uri="{FF2B5EF4-FFF2-40B4-BE49-F238E27FC236}">
+                <a16:creationId xmlns:a16="http://schemas.microsoft.com/office/drawing/2014/main" id="{84D930EB-BC46-471C-A7B6-A6B0BC36B737}"/>
+              </a:ext>
+            </a:extLst>
+          </p:cNvPr>
+          <p:cNvSpPr/>
+          <p:nvPr/>
+        </p:nvSpPr>
+        <p:spPr>
+          <a:xfrm>
+            <a:off x="5868144" y="1901607"/>
+            <a:ext cx="1440160" cy="268948"/>
+          </a:xfrm>
+          <a:prstGeom prst="roundRect">
+            <a:avLst>
+              <a:gd name="adj" fmla="val 14105"/>
+            </a:avLst>
+          </a:prstGeom>
+          <a:solidFill>
+            <a:schemeClr val="bg1">
+              <a:lumMod val="85000"/>
+            </a:schemeClr>
+          </a:solidFill>
+        </p:spPr>
+        <p:style>
+          <a:lnRef idx="2">
+            <a:schemeClr val="dk1"/>
+          </a:lnRef>
+          <a:fillRef idx="1">
+            <a:schemeClr val="lt1"/>
+          </a:fillRef>
+          <a:effectRef idx="0">
+            <a:schemeClr val="dk1"/>
+          </a:effectRef>
+          <a:fontRef idx="minor">
+            <a:schemeClr val="dk1"/>
+          </a:fontRef>
+        </p:style>
+        <p:txBody>
+          <a:bodyPr rtlCol="0" anchor="ctr"/>
+          <a:lstStyle/>
+          <a:p>
+            <a:pPr algn="ctr"/>
+            <a:r>
+              <a:rPr lang="en-US" altLang="ko-KR" sz="1100"/>
+              <a:t>Partition </a:t>
+            </a:r>
+            <a:r>
+              <a:rPr lang="en-US" altLang="ko-KR" sz="1100" dirty="0"/>
+              <a:t>0</a:t>
+            </a:r>
+            <a:endParaRPr lang="ko-KR" altLang="en-US" sz="1100" dirty="0"/>
+          </a:p>
+        </p:txBody>
+      </p:sp>
+      <p:sp>
+        <p:nvSpPr>
+          <p:cNvPr id="71" name="사각형: 둥근 모서리 70">
+            <a:extLst>
+              <a:ext uri="{FF2B5EF4-FFF2-40B4-BE49-F238E27FC236}">
+                <a16:creationId xmlns:a16="http://schemas.microsoft.com/office/drawing/2014/main" id="{8CB55B9F-1769-4742-9626-EA91B55F9CD0}"/>
+              </a:ext>
+            </a:extLst>
+          </p:cNvPr>
+          <p:cNvSpPr/>
+          <p:nvPr/>
+        </p:nvSpPr>
+        <p:spPr>
+          <a:xfrm>
+            <a:off x="5868144" y="2658135"/>
+            <a:ext cx="1440160" cy="268948"/>
+          </a:xfrm>
+          <a:prstGeom prst="roundRect">
+            <a:avLst>
+              <a:gd name="adj" fmla="val 14105"/>
+            </a:avLst>
+          </a:prstGeom>
+          <a:solidFill>
+            <a:schemeClr val="bg1">
+              <a:lumMod val="85000"/>
+            </a:schemeClr>
+          </a:solidFill>
+        </p:spPr>
+        <p:style>
+          <a:lnRef idx="2">
+            <a:schemeClr val="dk1"/>
+          </a:lnRef>
+          <a:fillRef idx="1">
+            <a:schemeClr val="lt1"/>
+          </a:fillRef>
+          <a:effectRef idx="0">
+            <a:schemeClr val="dk1"/>
+          </a:effectRef>
+          <a:fontRef idx="minor">
+            <a:schemeClr val="dk1"/>
+          </a:fontRef>
+        </p:style>
+        <p:txBody>
+          <a:bodyPr rtlCol="0" anchor="ctr"/>
+          <a:lstStyle/>
+          <a:p>
+            <a:pPr algn="ctr"/>
+            <a:r>
+              <a:rPr lang="en-US" altLang="ko-KR" sz="1100"/>
+              <a:t>Partition 0</a:t>
+            </a:r>
+            <a:endParaRPr lang="ko-KR" altLang="en-US" sz="1100" dirty="0"/>
+          </a:p>
+        </p:txBody>
+      </p:sp>
+      <p:sp>
+        <p:nvSpPr>
+          <p:cNvPr id="72" name="사각형: 둥근 모서리 71">
+            <a:extLst>
+              <a:ext uri="{FF2B5EF4-FFF2-40B4-BE49-F238E27FC236}">
+                <a16:creationId xmlns:a16="http://schemas.microsoft.com/office/drawing/2014/main" id="{E617FFBB-A175-4D87-8F62-AFE2F1679458}"/>
+              </a:ext>
+            </a:extLst>
+          </p:cNvPr>
+          <p:cNvSpPr/>
+          <p:nvPr/>
+        </p:nvSpPr>
+        <p:spPr>
+          <a:xfrm>
+            <a:off x="5868144" y="3024347"/>
+            <a:ext cx="1440160" cy="268948"/>
+          </a:xfrm>
+          <a:prstGeom prst="roundRect">
+            <a:avLst>
+              <a:gd name="adj" fmla="val 14105"/>
+            </a:avLst>
+          </a:prstGeom>
+          <a:solidFill>
+            <a:schemeClr val="bg1">
+              <a:lumMod val="85000"/>
+            </a:schemeClr>
+          </a:solidFill>
+        </p:spPr>
+        <p:style>
+          <a:lnRef idx="2">
+            <a:schemeClr val="dk1"/>
+          </a:lnRef>
+          <a:fillRef idx="1">
+            <a:schemeClr val="lt1"/>
+          </a:fillRef>
+          <a:effectRef idx="0">
+            <a:schemeClr val="dk1"/>
+          </a:effectRef>
+          <a:fontRef idx="minor">
+            <a:schemeClr val="dk1"/>
+          </a:fontRef>
+        </p:style>
+        <p:txBody>
+          <a:bodyPr rtlCol="0" anchor="ctr"/>
+          <a:lstStyle/>
+          <a:p>
+            <a:pPr algn="ctr"/>
+            <a:r>
+              <a:rPr lang="en-US" altLang="ko-KR" sz="1100"/>
+              <a:t>Partition </a:t>
+            </a:r>
+            <a:r>
+              <a:rPr lang="en-US" altLang="ko-KR" sz="1100" dirty="0"/>
+              <a:t>1</a:t>
+            </a:r>
+            <a:endParaRPr lang="ko-KR" altLang="en-US" sz="1100" dirty="0"/>
+          </a:p>
+        </p:txBody>
+      </p:sp>
+      <p:sp>
+        <p:nvSpPr>
+          <p:cNvPr id="73" name="사각형: 둥근 모서리 72">
+            <a:extLst>
+              <a:ext uri="{FF2B5EF4-FFF2-40B4-BE49-F238E27FC236}">
+                <a16:creationId xmlns:a16="http://schemas.microsoft.com/office/drawing/2014/main" id="{050D8438-7982-4C6D-A88B-7801CD2300FE}"/>
+              </a:ext>
+            </a:extLst>
+          </p:cNvPr>
+          <p:cNvSpPr/>
+          <p:nvPr/>
+        </p:nvSpPr>
+        <p:spPr>
+          <a:xfrm>
+            <a:off x="5868144" y="3390559"/>
+            <a:ext cx="1440160" cy="268948"/>
+          </a:xfrm>
+          <a:prstGeom prst="roundRect">
+            <a:avLst>
+              <a:gd name="adj" fmla="val 14105"/>
+            </a:avLst>
+          </a:prstGeom>
+          <a:solidFill>
+            <a:schemeClr val="bg1">
+              <a:lumMod val="85000"/>
+            </a:schemeClr>
+          </a:solidFill>
+        </p:spPr>
+        <p:style>
+          <a:lnRef idx="2">
+            <a:schemeClr val="dk1"/>
+          </a:lnRef>
+          <a:fillRef idx="1">
+            <a:schemeClr val="lt1"/>
+          </a:fillRef>
+          <a:effectRef idx="0">
+            <a:schemeClr val="dk1"/>
+          </a:effectRef>
+          <a:fontRef idx="minor">
+            <a:schemeClr val="dk1"/>
+          </a:fontRef>
+        </p:style>
+        <p:txBody>
+          <a:bodyPr rtlCol="0" anchor="ctr"/>
+          <a:lstStyle/>
+          <a:p>
+            <a:pPr algn="ctr"/>
+            <a:r>
+              <a:rPr lang="en-US" altLang="ko-KR" sz="1100"/>
+              <a:t>Partition </a:t>
+            </a:r>
+            <a:r>
+              <a:rPr lang="en-US" altLang="ko-KR" sz="1100" dirty="0"/>
+              <a:t>2</a:t>
+            </a:r>
+            <a:endParaRPr lang="ko-KR" altLang="en-US" sz="1100" dirty="0"/>
+          </a:p>
+        </p:txBody>
+      </p:sp>
+      <p:sp>
+        <p:nvSpPr>
+          <p:cNvPr id="74" name="사각형: 둥근 모서리 73">
+            <a:extLst>
+              <a:ext uri="{FF2B5EF4-FFF2-40B4-BE49-F238E27FC236}">
+                <a16:creationId xmlns:a16="http://schemas.microsoft.com/office/drawing/2014/main" id="{310FF450-E455-4CDD-9246-557B0E07B241}"/>
+              </a:ext>
+            </a:extLst>
+          </p:cNvPr>
+          <p:cNvSpPr/>
+          <p:nvPr/>
+        </p:nvSpPr>
+        <p:spPr>
+          <a:xfrm>
+            <a:off x="1460210" y="4367379"/>
+            <a:ext cx="1872208" cy="307777"/>
+          </a:xfrm>
+          <a:prstGeom prst="roundRect">
+            <a:avLst>
+              <a:gd name="adj" fmla="val 25008"/>
+            </a:avLst>
+          </a:prstGeom>
+          <a:noFill/>
+        </p:spPr>
+        <p:style>
+          <a:lnRef idx="2">
+            <a:schemeClr val="dk1"/>
+          </a:lnRef>
+          <a:fillRef idx="1">
+            <a:schemeClr val="lt1"/>
+          </a:fillRef>
+          <a:effectRef idx="0">
+            <a:schemeClr val="dk1"/>
+          </a:effectRef>
+          <a:fontRef idx="minor">
+            <a:schemeClr val="dk1"/>
+          </a:fontRef>
+        </p:style>
+        <p:txBody>
+          <a:bodyPr rtlCol="0" anchor="ctr"/>
+          <a:lstStyle/>
+          <a:p>
+            <a:pPr algn="ctr"/>
+            <a:r>
+              <a:rPr lang="en-US" altLang="ko-KR" sz="1400"/>
+              <a:t>Zookeeper</a:t>
+            </a:r>
+            <a:endParaRPr lang="ko-KR" altLang="en-US" sz="1400" dirty="0"/>
+          </a:p>
+        </p:txBody>
+      </p:sp>
+      <p:cxnSp>
+        <p:nvCxnSpPr>
+          <p:cNvPr id="79" name="직선 화살표 연결선 78">
+            <a:extLst>
+              <a:ext uri="{FF2B5EF4-FFF2-40B4-BE49-F238E27FC236}">
+                <a16:creationId xmlns:a16="http://schemas.microsoft.com/office/drawing/2014/main" id="{2A1AECB2-35D2-425D-A059-8CED21029DBB}"/>
+              </a:ext>
+            </a:extLst>
+          </p:cNvPr>
+          <p:cNvCxnSpPr>
+            <a:cxnSpLocks/>
+            <a:stCxn id="45" idx="1"/>
+            <a:endCxn id="42" idx="3"/>
+          </p:cNvCxnSpPr>
+          <p:nvPr/>
+        </p:nvCxnSpPr>
+        <p:spPr>
+          <a:xfrm flipH="1">
+            <a:off x="5436096" y="4521268"/>
+            <a:ext cx="216025" cy="0"/>
+          </a:xfrm>
+          <a:prstGeom prst="straightConnector1">
+            <a:avLst/>
+          </a:prstGeom>
+          <a:ln w="19050">
+            <a:solidFill>
+              <a:schemeClr val="tx1"/>
+            </a:solidFill>
+            <a:headEnd type="arrow" w="med" len="med"/>
+            <a:tailEnd type="arrow" w="med" len="med"/>
+          </a:ln>
+        </p:spPr>
+        <p:style>
+          <a:lnRef idx="1">
+            <a:schemeClr val="accent1"/>
+          </a:lnRef>
+          <a:fillRef idx="0">
+            <a:schemeClr val="accent1"/>
+          </a:fillRef>
+          <a:effectRef idx="0">
+            <a:schemeClr val="accent1"/>
+          </a:effectRef>
+          <a:fontRef idx="minor">
+            <a:schemeClr val="tx1"/>
+          </a:fontRef>
+        </p:style>
+      </p:cxnSp>
+      <p:sp>
+        <p:nvSpPr>
+          <p:cNvPr id="3" name="사각형: 둥근 모서리 2">
+            <a:extLst>
+              <a:ext uri="{FF2B5EF4-FFF2-40B4-BE49-F238E27FC236}">
+                <a16:creationId xmlns:a16="http://schemas.microsoft.com/office/drawing/2014/main" id="{A0251F74-49B2-4DD0-98FA-A17BBF39C197}"/>
+              </a:ext>
+            </a:extLst>
+          </p:cNvPr>
+          <p:cNvSpPr/>
+          <p:nvPr/>
+        </p:nvSpPr>
+        <p:spPr>
+          <a:xfrm>
+            <a:off x="1568670" y="673339"/>
+            <a:ext cx="5862644" cy="1075263"/>
+          </a:xfrm>
+          <a:prstGeom prst="roundRect">
+            <a:avLst>
+              <a:gd name="adj" fmla="val 9108"/>
+            </a:avLst>
+          </a:prstGeom>
+          <a:noFill/>
+          <a:ln>
+            <a:prstDash val="dash"/>
+          </a:ln>
+        </p:spPr>
+        <p:style>
+          <a:lnRef idx="2">
+            <a:schemeClr val="dk1"/>
+          </a:lnRef>
+          <a:fillRef idx="1">
+            <a:schemeClr val="lt1"/>
+          </a:fillRef>
+          <a:effectRef idx="0">
+            <a:schemeClr val="dk1"/>
+          </a:effectRef>
+          <a:fontRef idx="minor">
+            <a:schemeClr val="dk1"/>
+          </a:fontRef>
+        </p:style>
+        <p:txBody>
+          <a:bodyPr rtlCol="0" anchor="b"/>
+          <a:lstStyle/>
+          <a:p>
+            <a:pPr algn="ctr"/>
+            <a:r>
+              <a:rPr lang="en-US" altLang="ko-KR" sz="1400"/>
+              <a:t>Topic A</a:t>
+            </a:r>
+            <a:endParaRPr lang="ko-KR" altLang="en-US" sz="1400"/>
+          </a:p>
+        </p:txBody>
+      </p:sp>
+      <p:sp>
+        <p:nvSpPr>
+          <p:cNvPr id="13" name="사각형: 둥근 모서리 12">
+            <a:extLst>
+              <a:ext uri="{FF2B5EF4-FFF2-40B4-BE49-F238E27FC236}">
+                <a16:creationId xmlns:a16="http://schemas.microsoft.com/office/drawing/2014/main" id="{22E7F032-13ED-4575-8F3C-092CC530ABC3}"/>
+              </a:ext>
+            </a:extLst>
+          </p:cNvPr>
+          <p:cNvSpPr/>
+          <p:nvPr/>
+        </p:nvSpPr>
+        <p:spPr>
+          <a:xfrm>
+            <a:off x="1691680" y="790918"/>
+            <a:ext cx="1440160" cy="268948"/>
+          </a:xfrm>
+          <a:prstGeom prst="roundRect">
+            <a:avLst>
+              <a:gd name="adj" fmla="val 14105"/>
+            </a:avLst>
+          </a:prstGeom>
+          <a:solidFill>
+            <a:schemeClr val="accent2">
+              <a:lumMod val="20000"/>
+              <a:lumOff val="80000"/>
+            </a:schemeClr>
+          </a:solidFill>
+        </p:spPr>
+        <p:style>
+          <a:lnRef idx="2">
+            <a:schemeClr val="dk1"/>
+          </a:lnRef>
+          <a:fillRef idx="1">
+            <a:schemeClr val="lt1"/>
+          </a:fillRef>
+          <a:effectRef idx="0">
+            <a:schemeClr val="dk1"/>
+          </a:effectRef>
+          <a:fontRef idx="minor">
+            <a:schemeClr val="dk1"/>
+          </a:fontRef>
+        </p:style>
+        <p:txBody>
+          <a:bodyPr rtlCol="0" anchor="ctr"/>
+          <a:lstStyle/>
+          <a:p>
+            <a:pPr algn="ctr"/>
+            <a:r>
+              <a:rPr lang="en-US" altLang="ko-KR" sz="1100"/>
+              <a:t>Partition </a:t>
+            </a:r>
+            <a:r>
+              <a:rPr lang="en-US" altLang="ko-KR" sz="1100" dirty="0"/>
+              <a:t>0</a:t>
+            </a:r>
+            <a:endParaRPr lang="ko-KR" altLang="en-US" sz="1100" dirty="0"/>
+          </a:p>
+        </p:txBody>
+      </p:sp>
+      <p:sp>
+        <p:nvSpPr>
+          <p:cNvPr id="59" name="사각형: 둥근 모서리 58">
+            <a:extLst>
+              <a:ext uri="{FF2B5EF4-FFF2-40B4-BE49-F238E27FC236}">
+                <a16:creationId xmlns:a16="http://schemas.microsoft.com/office/drawing/2014/main" id="{864C36CA-B2B1-4C62-84BC-8CE2E6415074}"/>
+              </a:ext>
+            </a:extLst>
+          </p:cNvPr>
+          <p:cNvSpPr/>
+          <p:nvPr/>
+        </p:nvSpPr>
+        <p:spPr>
+          <a:xfrm>
+            <a:off x="3779912" y="790918"/>
+            <a:ext cx="1440160" cy="268948"/>
+          </a:xfrm>
+          <a:prstGeom prst="roundRect">
+            <a:avLst>
+              <a:gd name="adj" fmla="val 14105"/>
+            </a:avLst>
+          </a:prstGeom>
+          <a:solidFill>
+            <a:schemeClr val="accent1">
+              <a:lumMod val="20000"/>
+              <a:lumOff val="80000"/>
+            </a:schemeClr>
+          </a:solidFill>
+        </p:spPr>
+        <p:style>
+          <a:lnRef idx="2">
+            <a:schemeClr val="dk1"/>
+          </a:lnRef>
+          <a:fillRef idx="1">
+            <a:schemeClr val="lt1"/>
+          </a:fillRef>
+          <a:effectRef idx="0">
+            <a:schemeClr val="dk1"/>
+          </a:effectRef>
+          <a:fontRef idx="minor">
+            <a:schemeClr val="dk1"/>
+          </a:fontRef>
+        </p:style>
+        <p:txBody>
+          <a:bodyPr rtlCol="0" anchor="ctr"/>
+          <a:lstStyle/>
+          <a:p>
+            <a:pPr algn="ctr"/>
+            <a:r>
+              <a:rPr lang="en-US" altLang="ko-KR" sz="1100"/>
+              <a:t>Partition </a:t>
+            </a:r>
+            <a:r>
+              <a:rPr lang="en-US" altLang="ko-KR" sz="1100" dirty="0"/>
+              <a:t>0</a:t>
+            </a:r>
+            <a:endParaRPr lang="ko-KR" altLang="en-US" sz="1100" dirty="0"/>
+          </a:p>
+        </p:txBody>
+      </p:sp>
+      <p:sp>
+        <p:nvSpPr>
+          <p:cNvPr id="61" name="사각형: 둥근 모서리 60">
+            <a:extLst>
+              <a:ext uri="{FF2B5EF4-FFF2-40B4-BE49-F238E27FC236}">
+                <a16:creationId xmlns:a16="http://schemas.microsoft.com/office/drawing/2014/main" id="{8847AFD1-B7E6-4B29-BB80-578C46B9A5AC}"/>
+              </a:ext>
+            </a:extLst>
+          </p:cNvPr>
+          <p:cNvSpPr/>
+          <p:nvPr/>
+        </p:nvSpPr>
+        <p:spPr>
+          <a:xfrm>
+            <a:off x="3779912" y="1157131"/>
+            <a:ext cx="1440160" cy="268948"/>
+          </a:xfrm>
+          <a:prstGeom prst="roundRect">
+            <a:avLst>
+              <a:gd name="adj" fmla="val 14105"/>
+            </a:avLst>
+          </a:prstGeom>
+          <a:solidFill>
+            <a:schemeClr val="accent2">
+              <a:lumMod val="20000"/>
+              <a:lumOff val="80000"/>
+            </a:schemeClr>
+          </a:solidFill>
+        </p:spPr>
+        <p:style>
+          <a:lnRef idx="2">
+            <a:schemeClr val="dk1"/>
+          </a:lnRef>
+          <a:fillRef idx="1">
+            <a:schemeClr val="lt1"/>
+          </a:fillRef>
+          <a:effectRef idx="0">
+            <a:schemeClr val="dk1"/>
+          </a:effectRef>
+          <a:fontRef idx="minor">
+            <a:schemeClr val="dk1"/>
+          </a:fontRef>
+        </p:style>
+        <p:txBody>
+          <a:bodyPr rtlCol="0" anchor="ctr"/>
+          <a:lstStyle/>
+          <a:p>
+            <a:pPr algn="ctr"/>
+            <a:r>
+              <a:rPr lang="en-US" altLang="ko-KR" sz="1100"/>
+              <a:t>Partition </a:t>
+            </a:r>
+            <a:r>
+              <a:rPr lang="en-US" altLang="ko-KR" sz="1100" dirty="0"/>
+              <a:t>1</a:t>
+            </a:r>
+            <a:endParaRPr lang="ko-KR" altLang="en-US" sz="1100" dirty="0"/>
+          </a:p>
+        </p:txBody>
+      </p:sp>
+      <p:sp>
+        <p:nvSpPr>
+          <p:cNvPr id="69" name="사각형: 둥근 모서리 68">
+            <a:extLst>
+              <a:ext uri="{FF2B5EF4-FFF2-40B4-BE49-F238E27FC236}">
+                <a16:creationId xmlns:a16="http://schemas.microsoft.com/office/drawing/2014/main" id="{5CBD8317-73E4-404D-BF25-BA454EE35500}"/>
+              </a:ext>
+            </a:extLst>
+          </p:cNvPr>
+          <p:cNvSpPr/>
+          <p:nvPr/>
+        </p:nvSpPr>
+        <p:spPr>
+          <a:xfrm>
+            <a:off x="5868144" y="1157131"/>
+            <a:ext cx="1440160" cy="268948"/>
+          </a:xfrm>
+          <a:prstGeom prst="roundRect">
+            <a:avLst>
+              <a:gd name="adj" fmla="val 14105"/>
+            </a:avLst>
+          </a:prstGeom>
+          <a:solidFill>
+            <a:schemeClr val="bg1">
+              <a:lumMod val="85000"/>
+            </a:schemeClr>
+          </a:solidFill>
+        </p:spPr>
+        <p:style>
+          <a:lnRef idx="2">
+            <a:schemeClr val="dk1"/>
+          </a:lnRef>
+          <a:fillRef idx="1">
+            <a:schemeClr val="lt1"/>
+          </a:fillRef>
+          <a:effectRef idx="0">
+            <a:schemeClr val="dk1"/>
+          </a:effectRef>
+          <a:fontRef idx="minor">
+            <a:schemeClr val="dk1"/>
+          </a:fontRef>
+        </p:style>
+        <p:txBody>
+          <a:bodyPr rtlCol="0" anchor="ctr"/>
+          <a:lstStyle/>
+          <a:p>
+            <a:pPr algn="ctr"/>
+            <a:r>
+              <a:rPr lang="en-US" altLang="ko-KR" sz="1100"/>
+              <a:t>Partition </a:t>
+            </a:r>
+            <a:r>
+              <a:rPr lang="en-US" altLang="ko-KR" sz="1100" dirty="0"/>
+              <a:t>1</a:t>
+            </a:r>
+            <a:endParaRPr lang="ko-KR" altLang="en-US" sz="1100" dirty="0"/>
+          </a:p>
+        </p:txBody>
+      </p:sp>
+      <p:sp>
+        <p:nvSpPr>
+          <p:cNvPr id="31" name="사각형: 둥근 모서리 30">
+            <a:extLst>
+              <a:ext uri="{FF2B5EF4-FFF2-40B4-BE49-F238E27FC236}">
+                <a16:creationId xmlns:a16="http://schemas.microsoft.com/office/drawing/2014/main" id="{0D9F8112-227F-4F6E-A135-A2A694B0FCDB}"/>
+              </a:ext>
+            </a:extLst>
+          </p:cNvPr>
+          <p:cNvSpPr/>
+          <p:nvPr/>
+        </p:nvSpPr>
+        <p:spPr>
+          <a:xfrm>
+            <a:off x="1568670" y="1829158"/>
+            <a:ext cx="5862644" cy="633079"/>
+          </a:xfrm>
+          <a:prstGeom prst="roundRect">
+            <a:avLst>
+              <a:gd name="adj" fmla="val 9108"/>
+            </a:avLst>
+          </a:prstGeom>
+          <a:noFill/>
+          <a:ln>
+            <a:prstDash val="dash"/>
+          </a:ln>
+        </p:spPr>
+        <p:style>
+          <a:lnRef idx="2">
+            <a:schemeClr val="dk1"/>
+          </a:lnRef>
+          <a:fillRef idx="1">
+            <a:schemeClr val="lt1"/>
+          </a:fillRef>
+          <a:effectRef idx="0">
+            <a:schemeClr val="dk1"/>
+          </a:effectRef>
+          <a:fontRef idx="minor">
+            <a:schemeClr val="dk1"/>
+          </a:fontRef>
+        </p:style>
+        <p:txBody>
+          <a:bodyPr rtlCol="0" anchor="b"/>
+          <a:lstStyle/>
+          <a:p>
+            <a:pPr algn="ctr"/>
+            <a:r>
+              <a:rPr lang="en-US" altLang="ko-KR" sz="1400"/>
+              <a:t>Topic B</a:t>
+            </a:r>
+            <a:endParaRPr lang="ko-KR" altLang="en-US" sz="1400"/>
+          </a:p>
+        </p:txBody>
+      </p:sp>
+      <p:sp>
+        <p:nvSpPr>
+          <p:cNvPr id="32" name="사각형: 둥근 모서리 31">
+            <a:extLst>
+              <a:ext uri="{FF2B5EF4-FFF2-40B4-BE49-F238E27FC236}">
+                <a16:creationId xmlns:a16="http://schemas.microsoft.com/office/drawing/2014/main" id="{4E1C50CF-EB0B-4961-9D79-9F68FF1B10AD}"/>
+              </a:ext>
+            </a:extLst>
+          </p:cNvPr>
+          <p:cNvSpPr/>
+          <p:nvPr/>
+        </p:nvSpPr>
+        <p:spPr>
+          <a:xfrm>
+            <a:off x="1568670" y="2542794"/>
+            <a:ext cx="5862644" cy="1426913"/>
+          </a:xfrm>
+          <a:prstGeom prst="roundRect">
+            <a:avLst>
+              <a:gd name="adj" fmla="val 5548"/>
+            </a:avLst>
+          </a:prstGeom>
+          <a:noFill/>
+          <a:ln>
+            <a:prstDash val="dash"/>
+          </a:ln>
+        </p:spPr>
+        <p:style>
+          <a:lnRef idx="2">
+            <a:schemeClr val="dk1"/>
+          </a:lnRef>
+          <a:fillRef idx="1">
+            <a:schemeClr val="lt1"/>
+          </a:fillRef>
+          <a:effectRef idx="0">
+            <a:schemeClr val="dk1"/>
+          </a:effectRef>
+          <a:fontRef idx="minor">
+            <a:schemeClr val="dk1"/>
+          </a:fontRef>
+        </p:style>
+        <p:txBody>
+          <a:bodyPr rtlCol="0" anchor="b"/>
+          <a:lstStyle/>
+          <a:p>
+            <a:pPr algn="ctr"/>
+            <a:r>
+              <a:rPr lang="en-US" altLang="ko-KR" sz="1400"/>
+              <a:t>Topic C</a:t>
+            </a:r>
+            <a:endParaRPr lang="ko-KR" altLang="en-US" sz="1400"/>
+          </a:p>
+        </p:txBody>
+      </p:sp>
+      <p:sp>
+        <p:nvSpPr>
+          <p:cNvPr id="34" name="사각형: 둥근 모서리 33">
+            <a:extLst>
+              <a:ext uri="{FF2B5EF4-FFF2-40B4-BE49-F238E27FC236}">
+                <a16:creationId xmlns:a16="http://schemas.microsoft.com/office/drawing/2014/main" id="{886B18E4-F82A-431B-95F8-1DC0095C6A39}"/>
+              </a:ext>
+            </a:extLst>
+          </p:cNvPr>
+          <p:cNvSpPr/>
+          <p:nvPr/>
+        </p:nvSpPr>
+        <p:spPr>
+          <a:xfrm>
+            <a:off x="2627784" y="4811881"/>
+            <a:ext cx="648072" cy="246063"/>
+          </a:xfrm>
+          <a:prstGeom prst="roundRect">
+            <a:avLst>
+              <a:gd name="adj" fmla="val 14105"/>
+            </a:avLst>
+          </a:prstGeom>
+          <a:solidFill>
+            <a:schemeClr val="accent2">
+              <a:lumMod val="20000"/>
+              <a:lumOff val="80000"/>
+            </a:schemeClr>
+          </a:solidFill>
+        </p:spPr>
+        <p:style>
+          <a:lnRef idx="2">
+            <a:schemeClr val="dk1"/>
+          </a:lnRef>
+          <a:fillRef idx="1">
+            <a:schemeClr val="lt1"/>
+          </a:fillRef>
+          <a:effectRef idx="0">
+            <a:schemeClr val="dk1"/>
+          </a:effectRef>
+          <a:fontRef idx="minor">
+            <a:schemeClr val="dk1"/>
+          </a:fontRef>
+        </p:style>
+        <p:txBody>
+          <a:bodyPr rtlCol="0" anchor="ctr"/>
+          <a:lstStyle/>
+          <a:p>
+            <a:pPr algn="ctr"/>
+            <a:endParaRPr lang="ko-KR" altLang="en-US" sz="1100" dirty="0"/>
+          </a:p>
+        </p:txBody>
+      </p:sp>
+      <p:sp>
+        <p:nvSpPr>
+          <p:cNvPr id="35" name="사각형: 둥근 모서리 34">
+            <a:extLst>
+              <a:ext uri="{FF2B5EF4-FFF2-40B4-BE49-F238E27FC236}">
+                <a16:creationId xmlns:a16="http://schemas.microsoft.com/office/drawing/2014/main" id="{5552FB7B-B9C6-4993-867C-BD77AB3DB5A5}"/>
+              </a:ext>
+            </a:extLst>
+          </p:cNvPr>
+          <p:cNvSpPr/>
+          <p:nvPr/>
+        </p:nvSpPr>
+        <p:spPr>
+          <a:xfrm>
+            <a:off x="4735962" y="4811880"/>
+            <a:ext cx="648072" cy="246063"/>
+          </a:xfrm>
+          <a:prstGeom prst="roundRect">
+            <a:avLst>
+              <a:gd name="adj" fmla="val 14105"/>
+            </a:avLst>
+          </a:prstGeom>
+          <a:solidFill>
+            <a:schemeClr val="accent1">
+              <a:lumMod val="20000"/>
+              <a:lumOff val="80000"/>
+            </a:schemeClr>
+          </a:solidFill>
+        </p:spPr>
+        <p:style>
+          <a:lnRef idx="2">
+            <a:schemeClr val="dk1"/>
+          </a:lnRef>
+          <a:fillRef idx="1">
+            <a:schemeClr val="lt1"/>
+          </a:fillRef>
+          <a:effectRef idx="0">
+            <a:schemeClr val="dk1"/>
+          </a:effectRef>
+          <a:fontRef idx="minor">
+            <a:schemeClr val="dk1"/>
+          </a:fontRef>
+        </p:style>
+        <p:txBody>
+          <a:bodyPr rtlCol="0" anchor="ctr"/>
+          <a:lstStyle/>
+          <a:p>
+            <a:pPr algn="ctr"/>
+            <a:endParaRPr lang="ko-KR" altLang="en-US" sz="1100" dirty="0"/>
+          </a:p>
+        </p:txBody>
+      </p:sp>
+      <p:sp>
+        <p:nvSpPr>
+          <p:cNvPr id="5" name="TextBox 4">
+            <a:extLst>
+              <a:ext uri="{FF2B5EF4-FFF2-40B4-BE49-F238E27FC236}">
+                <a16:creationId xmlns:a16="http://schemas.microsoft.com/office/drawing/2014/main" id="{AA3D8720-8599-4976-A904-4AB34821EC41}"/>
+              </a:ext>
+            </a:extLst>
+          </p:cNvPr>
+          <p:cNvSpPr txBox="1"/>
+          <p:nvPr/>
+        </p:nvSpPr>
+        <p:spPr>
+          <a:xfrm>
+            <a:off x="3275856" y="4784253"/>
+            <a:ext cx="740026" cy="307777"/>
+          </a:xfrm>
+          <a:prstGeom prst="rect">
+            <a:avLst/>
+          </a:prstGeom>
+          <a:noFill/>
+        </p:spPr>
+        <p:txBody>
+          <a:bodyPr wrap="square" rtlCol="0" anchor="ctr">
+            <a:spAutoFit/>
+          </a:bodyPr>
+          <a:lstStyle/>
+          <a:p>
+            <a:pPr algn="ctr"/>
+            <a:r>
+              <a:rPr lang="en-US" altLang="ko-KR" sz="1400"/>
+              <a:t>Leader</a:t>
+            </a:r>
+            <a:endParaRPr lang="ko-KR" altLang="en-US" sz="1400"/>
+          </a:p>
+        </p:txBody>
+      </p:sp>
+      <p:sp>
+        <p:nvSpPr>
+          <p:cNvPr id="37" name="TextBox 36">
+            <a:extLst>
+              <a:ext uri="{FF2B5EF4-FFF2-40B4-BE49-F238E27FC236}">
+                <a16:creationId xmlns:a16="http://schemas.microsoft.com/office/drawing/2014/main" id="{138F7836-E78C-4A74-A5F9-9B87C18B1EB8}"/>
+              </a:ext>
+            </a:extLst>
+          </p:cNvPr>
+          <p:cNvSpPr txBox="1"/>
+          <p:nvPr/>
+        </p:nvSpPr>
+        <p:spPr>
+          <a:xfrm>
+            <a:off x="5384034" y="4784253"/>
+            <a:ext cx="916158" cy="307777"/>
+          </a:xfrm>
+          <a:prstGeom prst="rect">
+            <a:avLst/>
+          </a:prstGeom>
+          <a:noFill/>
+        </p:spPr>
+        <p:txBody>
+          <a:bodyPr wrap="square" rtlCol="0" anchor="ctr">
+            <a:spAutoFit/>
+          </a:bodyPr>
+          <a:lstStyle/>
+          <a:p>
+            <a:pPr algn="ctr"/>
+            <a:r>
+              <a:rPr lang="en-US" altLang="ko-KR" sz="1400"/>
+              <a:t>Follower</a:t>
+            </a:r>
+            <a:endParaRPr lang="ko-KR" altLang="en-US" sz="1400"/>
+          </a:p>
+        </p:txBody>
+      </p:sp>
+      <p:sp>
+        <p:nvSpPr>
+          <p:cNvPr id="42" name="사각형: 둥근 모서리 41">
+            <a:extLst>
+              <a:ext uri="{FF2B5EF4-FFF2-40B4-BE49-F238E27FC236}">
+                <a16:creationId xmlns:a16="http://schemas.microsoft.com/office/drawing/2014/main" id="{7926FE97-357E-4F9C-B81C-6AB1806CE577}"/>
+              </a:ext>
+            </a:extLst>
+          </p:cNvPr>
+          <p:cNvSpPr/>
+          <p:nvPr/>
+        </p:nvSpPr>
+        <p:spPr>
+          <a:xfrm>
+            <a:off x="3563888" y="4367379"/>
+            <a:ext cx="1872208" cy="307777"/>
+          </a:xfrm>
+          <a:prstGeom prst="roundRect">
+            <a:avLst>
+              <a:gd name="adj" fmla="val 25008"/>
+            </a:avLst>
+          </a:prstGeom>
+          <a:noFill/>
+        </p:spPr>
+        <p:style>
+          <a:lnRef idx="2">
+            <a:schemeClr val="dk1"/>
+          </a:lnRef>
+          <a:fillRef idx="1">
+            <a:schemeClr val="lt1"/>
+          </a:fillRef>
+          <a:effectRef idx="0">
+            <a:schemeClr val="dk1"/>
+          </a:effectRef>
+          <a:fontRef idx="minor">
+            <a:schemeClr val="dk1"/>
+          </a:fontRef>
+        </p:style>
+        <p:txBody>
+          <a:bodyPr rtlCol="0" anchor="ctr"/>
+          <a:lstStyle/>
+          <a:p>
+            <a:pPr algn="ctr"/>
+            <a:r>
+              <a:rPr lang="en-US" altLang="ko-KR" sz="1400"/>
+              <a:t>Zookeeper</a:t>
+            </a:r>
+            <a:endParaRPr lang="ko-KR" altLang="en-US" sz="1400" dirty="0"/>
+          </a:p>
+        </p:txBody>
+      </p:sp>
+      <p:sp>
+        <p:nvSpPr>
+          <p:cNvPr id="45" name="사각형: 둥근 모서리 44">
+            <a:extLst>
+              <a:ext uri="{FF2B5EF4-FFF2-40B4-BE49-F238E27FC236}">
+                <a16:creationId xmlns:a16="http://schemas.microsoft.com/office/drawing/2014/main" id="{6D7EA8E5-1AFE-4D3E-9793-FD7909C76405}"/>
+              </a:ext>
+            </a:extLst>
+          </p:cNvPr>
+          <p:cNvSpPr/>
+          <p:nvPr/>
+        </p:nvSpPr>
+        <p:spPr>
+          <a:xfrm>
+            <a:off x="5652121" y="4367379"/>
+            <a:ext cx="1872208" cy="307777"/>
+          </a:xfrm>
+          <a:prstGeom prst="roundRect">
+            <a:avLst>
+              <a:gd name="adj" fmla="val 25008"/>
+            </a:avLst>
+          </a:prstGeom>
+          <a:noFill/>
+        </p:spPr>
+        <p:style>
+          <a:lnRef idx="2">
+            <a:schemeClr val="dk1"/>
+          </a:lnRef>
+          <a:fillRef idx="1">
+            <a:schemeClr val="lt1"/>
+          </a:fillRef>
+          <a:effectRef idx="0">
+            <a:schemeClr val="dk1"/>
+          </a:effectRef>
+          <a:fontRef idx="minor">
+            <a:schemeClr val="dk1"/>
+          </a:fontRef>
+        </p:style>
+        <p:txBody>
+          <a:bodyPr rtlCol="0" anchor="ctr"/>
+          <a:lstStyle/>
+          <a:p>
+            <a:pPr algn="ctr"/>
+            <a:r>
+              <a:rPr lang="en-US" altLang="ko-KR" sz="1400"/>
+              <a:t>Zookeeper</a:t>
+            </a:r>
+            <a:endParaRPr lang="ko-KR" altLang="en-US" sz="1400" dirty="0"/>
+          </a:p>
+        </p:txBody>
+      </p:sp>
+      <p:cxnSp>
+        <p:nvCxnSpPr>
+          <p:cNvPr id="48" name="직선 화살표 연결선 47">
+            <a:extLst>
+              <a:ext uri="{FF2B5EF4-FFF2-40B4-BE49-F238E27FC236}">
+                <a16:creationId xmlns:a16="http://schemas.microsoft.com/office/drawing/2014/main" id="{CB6D47E7-F697-405F-96B3-B9D5BB94E2EE}"/>
+              </a:ext>
+            </a:extLst>
+          </p:cNvPr>
+          <p:cNvCxnSpPr>
+            <a:cxnSpLocks/>
+            <a:stCxn id="42" idx="1"/>
+            <a:endCxn id="74" idx="3"/>
+          </p:cNvCxnSpPr>
+          <p:nvPr/>
+        </p:nvCxnSpPr>
+        <p:spPr>
+          <a:xfrm flipH="1">
+            <a:off x="3332418" y="4521268"/>
+            <a:ext cx="231470" cy="0"/>
+          </a:xfrm>
+          <a:prstGeom prst="straightConnector1">
+            <a:avLst/>
+          </a:prstGeom>
+          <a:ln w="19050">
+            <a:solidFill>
+              <a:schemeClr val="tx1"/>
+            </a:solidFill>
+            <a:headEnd type="arrow" w="med" len="med"/>
+            <a:tailEnd type="arrow" w="med" len="med"/>
+          </a:ln>
+        </p:spPr>
+        <p:style>
+          <a:lnRef idx="1">
+            <a:schemeClr val="accent1"/>
+          </a:lnRef>
+          <a:fillRef idx="0">
+            <a:schemeClr val="accent1"/>
+          </a:fillRef>
+          <a:effectRef idx="0">
+            <a:schemeClr val="accent1"/>
+          </a:effectRef>
+          <a:fontRef idx="minor">
+            <a:schemeClr val="tx1"/>
+          </a:fontRef>
+        </p:style>
+      </p:cxnSp>
+      <p:sp>
+        <p:nvSpPr>
+          <p:cNvPr id="38" name="사각형: 둥근 모서리 37">
+            <a:extLst>
+              <a:ext uri="{FF2B5EF4-FFF2-40B4-BE49-F238E27FC236}">
+                <a16:creationId xmlns:a16="http://schemas.microsoft.com/office/drawing/2014/main" id="{B7B25373-50AE-467C-BEDE-1C8BBBA044B7}"/>
+              </a:ext>
+            </a:extLst>
+          </p:cNvPr>
+          <p:cNvSpPr/>
+          <p:nvPr/>
+        </p:nvSpPr>
+        <p:spPr>
+          <a:xfrm>
+            <a:off x="103008" y="1097549"/>
+            <a:ext cx="1141178" cy="416434"/>
+          </a:xfrm>
+          <a:prstGeom prst="roundRect">
+            <a:avLst/>
+          </a:prstGeom>
+        </p:spPr>
+        <p:style>
+          <a:lnRef idx="2">
+            <a:schemeClr val="dk1"/>
+          </a:lnRef>
+          <a:fillRef idx="1">
+            <a:schemeClr val="lt1"/>
+          </a:fillRef>
+          <a:effectRef idx="0">
+            <a:schemeClr val="dk1"/>
+          </a:effectRef>
+          <a:fontRef idx="minor">
+            <a:schemeClr val="dk1"/>
+          </a:fontRef>
+        </p:style>
+        <p:txBody>
+          <a:bodyPr rtlCol="0" anchor="ctr"/>
+          <a:lstStyle/>
+          <a:p>
+            <a:pPr algn="ctr"/>
+            <a:r>
+              <a:rPr lang="en-US" altLang="ko-KR" sz="1200"/>
+              <a:t>Producer </a:t>
+            </a:r>
+            <a:r>
+              <a:rPr lang="en-US" altLang="ko-KR" sz="1200" dirty="0"/>
+              <a:t>A</a:t>
+            </a:r>
+            <a:endParaRPr lang="ko-KR" altLang="en-US" sz="1200" dirty="0"/>
+          </a:p>
+        </p:txBody>
+      </p:sp>
+      <p:sp>
+        <p:nvSpPr>
+          <p:cNvPr id="78" name="사각형: 둥근 모서리 77">
+            <a:extLst>
+              <a:ext uri="{FF2B5EF4-FFF2-40B4-BE49-F238E27FC236}">
+                <a16:creationId xmlns:a16="http://schemas.microsoft.com/office/drawing/2014/main" id="{8B6FFC3F-0F73-42FC-B7A4-25773E49456F}"/>
+              </a:ext>
+            </a:extLst>
+          </p:cNvPr>
+          <p:cNvSpPr/>
+          <p:nvPr/>
+        </p:nvSpPr>
+        <p:spPr>
+          <a:xfrm>
+            <a:off x="103008" y="2170311"/>
+            <a:ext cx="1141178" cy="416434"/>
+          </a:xfrm>
+          <a:prstGeom prst="roundRect">
+            <a:avLst/>
+          </a:prstGeom>
+        </p:spPr>
+        <p:style>
+          <a:lnRef idx="2">
+            <a:schemeClr val="dk1"/>
+          </a:lnRef>
+          <a:fillRef idx="1">
+            <a:schemeClr val="lt1"/>
+          </a:fillRef>
+          <a:effectRef idx="0">
+            <a:schemeClr val="dk1"/>
+          </a:effectRef>
+          <a:fontRef idx="minor">
+            <a:schemeClr val="dk1"/>
+          </a:fontRef>
+        </p:style>
+        <p:txBody>
+          <a:bodyPr rtlCol="0" anchor="ctr"/>
+          <a:lstStyle/>
+          <a:p>
+            <a:pPr algn="ctr"/>
+            <a:r>
+              <a:rPr lang="en-US" altLang="ko-KR" sz="1200"/>
+              <a:t>Producer </a:t>
+            </a:r>
+            <a:r>
+              <a:rPr lang="en-US" altLang="ko-KR" sz="1200" dirty="0"/>
+              <a:t>B</a:t>
+            </a:r>
+            <a:endParaRPr lang="ko-KR" altLang="en-US" sz="1200" dirty="0"/>
+          </a:p>
+        </p:txBody>
+      </p:sp>
+      <p:sp>
+        <p:nvSpPr>
+          <p:cNvPr id="80" name="사각형: 둥근 모서리 79">
+            <a:extLst>
+              <a:ext uri="{FF2B5EF4-FFF2-40B4-BE49-F238E27FC236}">
+                <a16:creationId xmlns:a16="http://schemas.microsoft.com/office/drawing/2014/main" id="{6A56D844-3A39-4FAE-88C9-72BB2432EFE4}"/>
+              </a:ext>
+            </a:extLst>
+          </p:cNvPr>
+          <p:cNvSpPr/>
+          <p:nvPr/>
+        </p:nvSpPr>
+        <p:spPr>
+          <a:xfrm>
+            <a:off x="103008" y="3243073"/>
+            <a:ext cx="1141178" cy="416434"/>
+          </a:xfrm>
+          <a:prstGeom prst="roundRect">
+            <a:avLst/>
+          </a:prstGeom>
+        </p:spPr>
+        <p:style>
+          <a:lnRef idx="2">
+            <a:schemeClr val="dk1"/>
+          </a:lnRef>
+          <a:fillRef idx="1">
+            <a:schemeClr val="lt1"/>
+          </a:fillRef>
+          <a:effectRef idx="0">
+            <a:schemeClr val="dk1"/>
+          </a:effectRef>
+          <a:fontRef idx="minor">
+            <a:schemeClr val="dk1"/>
+          </a:fontRef>
+        </p:style>
+        <p:txBody>
+          <a:bodyPr rtlCol="0" anchor="ctr"/>
+          <a:lstStyle/>
+          <a:p>
+            <a:pPr algn="ctr"/>
+            <a:r>
+              <a:rPr lang="en-US" altLang="ko-KR" sz="1200"/>
+              <a:t>Producer </a:t>
+            </a:r>
+            <a:r>
+              <a:rPr lang="en-US" altLang="ko-KR" sz="1200" dirty="0"/>
+              <a:t>C</a:t>
+            </a:r>
+            <a:endParaRPr lang="ko-KR" altLang="en-US" sz="1200" dirty="0"/>
+          </a:p>
+        </p:txBody>
+      </p:sp>
+      <p:sp>
+        <p:nvSpPr>
+          <p:cNvPr id="81" name="사각형: 둥근 모서리 80">
+            <a:extLst>
+              <a:ext uri="{FF2B5EF4-FFF2-40B4-BE49-F238E27FC236}">
+                <a16:creationId xmlns:a16="http://schemas.microsoft.com/office/drawing/2014/main" id="{9F07D10F-C9DC-4075-B58E-8556A0E71E12}"/>
+              </a:ext>
+            </a:extLst>
+          </p:cNvPr>
+          <p:cNvSpPr/>
+          <p:nvPr/>
+        </p:nvSpPr>
+        <p:spPr>
+          <a:xfrm>
+            <a:off x="7740352" y="771550"/>
+            <a:ext cx="1141178" cy="416434"/>
+          </a:xfrm>
+          <a:prstGeom prst="roundRect">
+            <a:avLst/>
+          </a:prstGeom>
+        </p:spPr>
+        <p:style>
+          <a:lnRef idx="2">
+            <a:schemeClr val="dk1"/>
+          </a:lnRef>
+          <a:fillRef idx="1">
+            <a:schemeClr val="lt1"/>
+          </a:fillRef>
+          <a:effectRef idx="0">
+            <a:schemeClr val="dk1"/>
+          </a:effectRef>
+          <a:fontRef idx="minor">
+            <a:schemeClr val="dk1"/>
+          </a:fontRef>
+        </p:style>
+        <p:txBody>
+          <a:bodyPr rtlCol="0" anchor="ctr"/>
+          <a:lstStyle/>
+          <a:p>
+            <a:pPr algn="ctr"/>
+            <a:r>
+              <a:rPr lang="en-US" altLang="ko-KR" sz="1200"/>
+              <a:t>Consumer </a:t>
+            </a:r>
+            <a:r>
+              <a:rPr lang="en-US" altLang="ko-KR" sz="1200" dirty="0"/>
+              <a:t>A</a:t>
+            </a:r>
+            <a:endParaRPr lang="ko-KR" altLang="en-US" sz="1200" dirty="0"/>
+          </a:p>
+        </p:txBody>
+      </p:sp>
+      <p:sp>
+        <p:nvSpPr>
+          <p:cNvPr id="82" name="사각형: 둥근 모서리 81">
+            <a:extLst>
+              <a:ext uri="{FF2B5EF4-FFF2-40B4-BE49-F238E27FC236}">
+                <a16:creationId xmlns:a16="http://schemas.microsoft.com/office/drawing/2014/main" id="{C4D72DD1-FC8F-46BA-A10C-BF650166CC54}"/>
+              </a:ext>
+            </a:extLst>
+          </p:cNvPr>
+          <p:cNvSpPr/>
+          <p:nvPr/>
+        </p:nvSpPr>
+        <p:spPr>
+          <a:xfrm>
+            <a:off x="7740352" y="1844312"/>
+            <a:ext cx="1141178" cy="416434"/>
+          </a:xfrm>
+          <a:prstGeom prst="roundRect">
+            <a:avLst/>
+          </a:prstGeom>
+        </p:spPr>
+        <p:style>
+          <a:lnRef idx="2">
+            <a:schemeClr val="dk1"/>
+          </a:lnRef>
+          <a:fillRef idx="1">
+            <a:schemeClr val="lt1"/>
+          </a:fillRef>
+          <a:effectRef idx="0">
+            <a:schemeClr val="dk1"/>
+          </a:effectRef>
+          <a:fontRef idx="minor">
+            <a:schemeClr val="dk1"/>
+          </a:fontRef>
+        </p:style>
+        <p:txBody>
+          <a:bodyPr rtlCol="0" anchor="ctr"/>
+          <a:lstStyle/>
+          <a:p>
+            <a:pPr algn="ctr"/>
+            <a:r>
+              <a:rPr lang="en-US" altLang="ko-KR" sz="1200"/>
+              <a:t>Consumer B</a:t>
+            </a:r>
+            <a:endParaRPr lang="ko-KR" altLang="en-US" sz="1200" dirty="0"/>
+          </a:p>
+        </p:txBody>
+      </p:sp>
+      <p:sp>
+        <p:nvSpPr>
+          <p:cNvPr id="83" name="사각형: 둥근 모서리 82">
+            <a:extLst>
+              <a:ext uri="{FF2B5EF4-FFF2-40B4-BE49-F238E27FC236}">
+                <a16:creationId xmlns:a16="http://schemas.microsoft.com/office/drawing/2014/main" id="{CFB5091D-D8F5-49D3-87E6-8E7244392DF0}"/>
+              </a:ext>
+            </a:extLst>
+          </p:cNvPr>
+          <p:cNvSpPr/>
+          <p:nvPr/>
+        </p:nvSpPr>
+        <p:spPr>
+          <a:xfrm>
+            <a:off x="7740352" y="2917074"/>
+            <a:ext cx="1141178" cy="416434"/>
+          </a:xfrm>
+          <a:prstGeom prst="roundRect">
+            <a:avLst/>
+          </a:prstGeom>
+        </p:spPr>
+        <p:style>
+          <a:lnRef idx="2">
+            <a:schemeClr val="dk1"/>
+          </a:lnRef>
+          <a:fillRef idx="1">
+            <a:schemeClr val="lt1"/>
+          </a:fillRef>
+          <a:effectRef idx="0">
+            <a:schemeClr val="dk1"/>
+          </a:effectRef>
+          <a:fontRef idx="minor">
+            <a:schemeClr val="dk1"/>
+          </a:fontRef>
+        </p:style>
+        <p:txBody>
+          <a:bodyPr rtlCol="0" anchor="ctr"/>
+          <a:lstStyle/>
+          <a:p>
+            <a:pPr algn="ctr"/>
+            <a:r>
+              <a:rPr lang="en-US" altLang="ko-KR" sz="1200"/>
+              <a:t>Consumer C</a:t>
+            </a:r>
+            <a:endParaRPr lang="ko-KR" altLang="en-US" sz="1200" dirty="0"/>
+          </a:p>
+        </p:txBody>
+      </p:sp>
+      <p:sp>
+        <p:nvSpPr>
+          <p:cNvPr id="84" name="사각형: 둥근 모서리 83">
+            <a:extLst>
+              <a:ext uri="{FF2B5EF4-FFF2-40B4-BE49-F238E27FC236}">
+                <a16:creationId xmlns:a16="http://schemas.microsoft.com/office/drawing/2014/main" id="{5C76F3D5-D69D-4D9F-B170-171D7880608F}"/>
+              </a:ext>
+            </a:extLst>
+          </p:cNvPr>
+          <p:cNvSpPr/>
+          <p:nvPr/>
+        </p:nvSpPr>
+        <p:spPr>
+          <a:xfrm>
+            <a:off x="7740352" y="3435846"/>
+            <a:ext cx="1141178" cy="416434"/>
+          </a:xfrm>
+          <a:prstGeom prst="roundRect">
+            <a:avLst/>
+          </a:prstGeom>
+        </p:spPr>
+        <p:style>
+          <a:lnRef idx="2">
+            <a:schemeClr val="dk1"/>
+          </a:lnRef>
+          <a:fillRef idx="1">
+            <a:schemeClr val="lt1"/>
+          </a:fillRef>
+          <a:effectRef idx="0">
+            <a:schemeClr val="dk1"/>
+          </a:effectRef>
+          <a:fontRef idx="minor">
+            <a:schemeClr val="dk1"/>
+          </a:fontRef>
+        </p:style>
+        <p:txBody>
+          <a:bodyPr rtlCol="0" anchor="ctr"/>
+          <a:lstStyle/>
+          <a:p>
+            <a:pPr algn="ctr"/>
+            <a:r>
+              <a:rPr lang="en-US" altLang="ko-KR" sz="1200"/>
+              <a:t>Consumer D</a:t>
+            </a:r>
+            <a:endParaRPr lang="ko-KR" altLang="en-US" sz="1200" dirty="0"/>
+          </a:p>
+        </p:txBody>
+      </p:sp>
+      <p:cxnSp>
+        <p:nvCxnSpPr>
+          <p:cNvPr id="6" name="직선 화살표 연결선 5">
+            <a:extLst>
+              <a:ext uri="{FF2B5EF4-FFF2-40B4-BE49-F238E27FC236}">
+                <a16:creationId xmlns:a16="http://schemas.microsoft.com/office/drawing/2014/main" id="{EEAE1B70-5925-437E-B3CF-A9707C4A4B15}"/>
+              </a:ext>
+            </a:extLst>
+          </p:cNvPr>
+          <p:cNvCxnSpPr>
+            <a:stCxn id="38" idx="3"/>
+          </p:cNvCxnSpPr>
+          <p:nvPr/>
+        </p:nvCxnSpPr>
+        <p:spPr>
+          <a:xfrm flipV="1">
+            <a:off x="1244186" y="925392"/>
+            <a:ext cx="447494" cy="380374"/>
+          </a:xfrm>
+          <a:prstGeom prst="straightConnector1">
+            <a:avLst/>
+          </a:prstGeom>
+          <a:ln w="28575">
+            <a:solidFill>
+              <a:schemeClr val="tx2"/>
+            </a:solidFill>
+            <a:prstDash val="solid"/>
+            <a:headEnd type="none" w="med" len="med"/>
+            <a:tailEnd type="arrow" w="med" len="med"/>
+          </a:ln>
+        </p:spPr>
+        <p:style>
+          <a:lnRef idx="1">
+            <a:schemeClr val="accent1"/>
+          </a:lnRef>
+          <a:fillRef idx="0">
+            <a:schemeClr val="accent1"/>
+          </a:fillRef>
+          <a:effectRef idx="0">
+            <a:schemeClr val="accent1"/>
+          </a:effectRef>
+          <a:fontRef idx="minor">
+            <a:schemeClr val="tx1"/>
+          </a:fontRef>
+        </p:style>
+      </p:cxnSp>
+      <p:cxnSp>
+        <p:nvCxnSpPr>
+          <p:cNvPr id="85" name="직선 화살표 연결선 84">
+            <a:extLst>
+              <a:ext uri="{FF2B5EF4-FFF2-40B4-BE49-F238E27FC236}">
+                <a16:creationId xmlns:a16="http://schemas.microsoft.com/office/drawing/2014/main" id="{16B2F5D9-D4F3-4913-A76F-99B16F098429}"/>
+              </a:ext>
+            </a:extLst>
+          </p:cNvPr>
+          <p:cNvCxnSpPr>
+            <a:cxnSpLocks/>
+            <a:endCxn id="81" idx="1"/>
+          </p:cNvCxnSpPr>
+          <p:nvPr/>
+        </p:nvCxnSpPr>
+        <p:spPr>
+          <a:xfrm>
+            <a:off x="3131840" y="943675"/>
+            <a:ext cx="4608512" cy="36092"/>
+          </a:xfrm>
+          <a:prstGeom prst="straightConnector1">
+            <a:avLst/>
+          </a:prstGeom>
+          <a:ln w="28575">
+            <a:solidFill>
+              <a:schemeClr val="tx2"/>
+            </a:solidFill>
+            <a:prstDash val="solid"/>
+            <a:headEnd type="none" w="med" len="med"/>
+            <a:tailEnd type="arrow" w="med" len="med"/>
+          </a:ln>
+        </p:spPr>
+        <p:style>
+          <a:lnRef idx="1">
+            <a:schemeClr val="accent1"/>
+          </a:lnRef>
+          <a:fillRef idx="0">
+            <a:schemeClr val="accent1"/>
+          </a:fillRef>
+          <a:effectRef idx="0">
+            <a:schemeClr val="accent1"/>
+          </a:effectRef>
+          <a:fontRef idx="minor">
+            <a:schemeClr val="tx1"/>
+          </a:fontRef>
+        </p:style>
+      </p:cxnSp>
+      <p:cxnSp>
+        <p:nvCxnSpPr>
+          <p:cNvPr id="86" name="직선 화살표 연결선 85">
+            <a:extLst>
+              <a:ext uri="{FF2B5EF4-FFF2-40B4-BE49-F238E27FC236}">
+                <a16:creationId xmlns:a16="http://schemas.microsoft.com/office/drawing/2014/main" id="{CF23508B-8B5C-4448-91E4-DC33AAB63548}"/>
+              </a:ext>
+            </a:extLst>
+          </p:cNvPr>
+          <p:cNvCxnSpPr>
+            <a:cxnSpLocks/>
+            <a:stCxn id="78" idx="3"/>
+            <a:endCxn id="63" idx="1"/>
+          </p:cNvCxnSpPr>
+          <p:nvPr/>
+        </p:nvCxnSpPr>
+        <p:spPr>
+          <a:xfrm flipV="1">
+            <a:off x="1244186" y="2036081"/>
+            <a:ext cx="2535726" cy="342447"/>
+          </a:xfrm>
+          <a:prstGeom prst="straightConnector1">
+            <a:avLst/>
+          </a:prstGeom>
+          <a:ln w="28575">
+            <a:solidFill>
+              <a:schemeClr val="tx2"/>
+            </a:solidFill>
+            <a:prstDash val="solid"/>
+            <a:headEnd type="none" w="med" len="med"/>
+            <a:tailEnd type="arrow" w="med" len="med"/>
+          </a:ln>
+        </p:spPr>
+        <p:style>
+          <a:lnRef idx="1">
+            <a:schemeClr val="accent1"/>
+          </a:lnRef>
+          <a:fillRef idx="0">
+            <a:schemeClr val="accent1"/>
+          </a:fillRef>
+          <a:effectRef idx="0">
+            <a:schemeClr val="accent1"/>
+          </a:effectRef>
+          <a:fontRef idx="minor">
+            <a:schemeClr val="tx1"/>
+          </a:fontRef>
+        </p:style>
+      </p:cxnSp>
+      <p:cxnSp>
+        <p:nvCxnSpPr>
+          <p:cNvPr id="87" name="직선 화살표 연결선 86">
+            <a:extLst>
+              <a:ext uri="{FF2B5EF4-FFF2-40B4-BE49-F238E27FC236}">
+                <a16:creationId xmlns:a16="http://schemas.microsoft.com/office/drawing/2014/main" id="{F6B73E2E-C8B7-4DE1-AF83-054237B73542}"/>
+              </a:ext>
+            </a:extLst>
+          </p:cNvPr>
+          <p:cNvCxnSpPr>
+            <a:cxnSpLocks/>
+            <a:stCxn id="63" idx="3"/>
+            <a:endCxn id="82" idx="1"/>
+          </p:cNvCxnSpPr>
+          <p:nvPr/>
+        </p:nvCxnSpPr>
+        <p:spPr>
+          <a:xfrm>
+            <a:off x="5220072" y="2036081"/>
+            <a:ext cx="2520280" cy="16448"/>
+          </a:xfrm>
+          <a:prstGeom prst="straightConnector1">
+            <a:avLst/>
+          </a:prstGeom>
+          <a:ln w="28575">
+            <a:solidFill>
+              <a:schemeClr val="tx2"/>
+            </a:solidFill>
+            <a:prstDash val="solid"/>
+            <a:headEnd type="none" w="med" len="med"/>
+            <a:tailEnd type="arrow" w="med" len="med"/>
+          </a:ln>
+        </p:spPr>
+        <p:style>
+          <a:lnRef idx="1">
+            <a:schemeClr val="accent1"/>
+          </a:lnRef>
+          <a:fillRef idx="0">
+            <a:schemeClr val="accent1"/>
+          </a:fillRef>
+          <a:effectRef idx="0">
+            <a:schemeClr val="accent1"/>
+          </a:effectRef>
+          <a:fontRef idx="minor">
+            <a:schemeClr val="tx1"/>
+          </a:fontRef>
+        </p:style>
+      </p:cxnSp>
+      <p:cxnSp>
+        <p:nvCxnSpPr>
+          <p:cNvPr id="88" name="직선 화살표 연결선 87">
+            <a:extLst>
+              <a:ext uri="{FF2B5EF4-FFF2-40B4-BE49-F238E27FC236}">
+                <a16:creationId xmlns:a16="http://schemas.microsoft.com/office/drawing/2014/main" id="{170D7608-5335-4604-8903-F2580A0F999D}"/>
+              </a:ext>
+            </a:extLst>
+          </p:cNvPr>
+          <p:cNvCxnSpPr>
+            <a:cxnSpLocks/>
+            <a:stCxn id="65" idx="3"/>
+            <a:endCxn id="83" idx="1"/>
+          </p:cNvCxnSpPr>
+          <p:nvPr/>
+        </p:nvCxnSpPr>
+        <p:spPr>
+          <a:xfrm flipV="1">
+            <a:off x="5220072" y="3125291"/>
+            <a:ext cx="2520280" cy="33530"/>
+          </a:xfrm>
+          <a:prstGeom prst="straightConnector1">
+            <a:avLst/>
+          </a:prstGeom>
+          <a:ln w="28575">
+            <a:solidFill>
+              <a:schemeClr val="tx2"/>
+            </a:solidFill>
+            <a:prstDash val="solid"/>
+            <a:headEnd type="none" w="med" len="med"/>
+            <a:tailEnd type="arrow" w="med" len="med"/>
+          </a:ln>
+        </p:spPr>
+        <p:style>
+          <a:lnRef idx="1">
+            <a:schemeClr val="accent1"/>
+          </a:lnRef>
+          <a:fillRef idx="0">
+            <a:schemeClr val="accent1"/>
+          </a:fillRef>
+          <a:effectRef idx="0">
+            <a:schemeClr val="accent1"/>
+          </a:effectRef>
+          <a:fontRef idx="minor">
+            <a:schemeClr val="tx1"/>
+          </a:fontRef>
+        </p:style>
+      </p:cxnSp>
+      <p:cxnSp>
+        <p:nvCxnSpPr>
+          <p:cNvPr id="89" name="직선 화살표 연결선 88">
+            <a:extLst>
+              <a:ext uri="{FF2B5EF4-FFF2-40B4-BE49-F238E27FC236}">
+                <a16:creationId xmlns:a16="http://schemas.microsoft.com/office/drawing/2014/main" id="{6B4E168C-AEBA-46E6-B446-75CCD2E90006}"/>
+              </a:ext>
+            </a:extLst>
+          </p:cNvPr>
+          <p:cNvCxnSpPr>
+            <a:cxnSpLocks/>
+            <a:stCxn id="57" idx="3"/>
+            <a:endCxn id="84" idx="1"/>
+          </p:cNvCxnSpPr>
+          <p:nvPr/>
+        </p:nvCxnSpPr>
+        <p:spPr>
+          <a:xfrm>
+            <a:off x="3131840" y="3525033"/>
+            <a:ext cx="4608512" cy="119030"/>
+          </a:xfrm>
+          <a:prstGeom prst="straightConnector1">
+            <a:avLst/>
+          </a:prstGeom>
+          <a:ln w="28575">
+            <a:solidFill>
+              <a:schemeClr val="tx2"/>
+            </a:solidFill>
+            <a:prstDash val="solid"/>
+            <a:headEnd type="none" w="med" len="med"/>
+            <a:tailEnd type="arrow" w="med" len="med"/>
+          </a:ln>
+        </p:spPr>
+        <p:style>
+          <a:lnRef idx="1">
+            <a:schemeClr val="accent1"/>
+          </a:lnRef>
+          <a:fillRef idx="0">
+            <a:schemeClr val="accent1"/>
+          </a:fillRef>
+          <a:effectRef idx="0">
+            <a:schemeClr val="accent1"/>
+          </a:effectRef>
+          <a:fontRef idx="minor">
+            <a:schemeClr val="tx1"/>
+          </a:fontRef>
+        </p:style>
+      </p:cxnSp>
+      <p:cxnSp>
+        <p:nvCxnSpPr>
+          <p:cNvPr id="91" name="직선 화살표 연결선 90">
+            <a:extLst>
+              <a:ext uri="{FF2B5EF4-FFF2-40B4-BE49-F238E27FC236}">
+                <a16:creationId xmlns:a16="http://schemas.microsoft.com/office/drawing/2014/main" id="{71AEBCC0-223F-40D1-9805-D8C633B2C57F}"/>
+              </a:ext>
+            </a:extLst>
+          </p:cNvPr>
+          <p:cNvCxnSpPr>
+            <a:cxnSpLocks/>
+            <a:stCxn id="80" idx="3"/>
+            <a:endCxn id="57" idx="1"/>
+          </p:cNvCxnSpPr>
+          <p:nvPr/>
+        </p:nvCxnSpPr>
+        <p:spPr>
+          <a:xfrm>
+            <a:off x="1244186" y="3451290"/>
+            <a:ext cx="447494" cy="73743"/>
+          </a:xfrm>
+          <a:prstGeom prst="straightConnector1">
+            <a:avLst/>
+          </a:prstGeom>
+          <a:ln w="28575">
+            <a:solidFill>
+              <a:schemeClr val="tx2"/>
+            </a:solidFill>
+            <a:prstDash val="solid"/>
+            <a:headEnd type="none" w="med" len="med"/>
+            <a:tailEnd type="arrow" w="med" len="med"/>
+          </a:ln>
+        </p:spPr>
+        <p:style>
+          <a:lnRef idx="1">
+            <a:schemeClr val="accent1"/>
+          </a:lnRef>
+          <a:fillRef idx="0">
+            <a:schemeClr val="accent1"/>
+          </a:fillRef>
+          <a:effectRef idx="0">
+            <a:schemeClr val="accent1"/>
+          </a:effectRef>
+          <a:fontRef idx="minor">
+            <a:schemeClr val="tx1"/>
+          </a:fontRef>
+        </p:style>
+      </p:cxnSp>
+      <p:cxnSp>
+        <p:nvCxnSpPr>
+          <p:cNvPr id="95" name="직선 화살표 연결선 94">
+            <a:extLst>
+              <a:ext uri="{FF2B5EF4-FFF2-40B4-BE49-F238E27FC236}">
+                <a16:creationId xmlns:a16="http://schemas.microsoft.com/office/drawing/2014/main" id="{6C19F185-4478-453E-B72F-A49F6B802877}"/>
+              </a:ext>
+            </a:extLst>
+          </p:cNvPr>
+          <p:cNvCxnSpPr>
+            <a:cxnSpLocks/>
+            <a:stCxn id="61" idx="3"/>
+            <a:endCxn id="81" idx="1"/>
+          </p:cNvCxnSpPr>
+          <p:nvPr/>
+        </p:nvCxnSpPr>
+        <p:spPr>
+          <a:xfrm flipV="1">
+            <a:off x="5220072" y="979767"/>
+            <a:ext cx="2520280" cy="311838"/>
+          </a:xfrm>
+          <a:prstGeom prst="straightConnector1">
+            <a:avLst/>
+          </a:prstGeom>
+          <a:ln w="28575">
+            <a:solidFill>
+              <a:schemeClr val="tx2"/>
+            </a:solidFill>
+            <a:prstDash val="solid"/>
+            <a:headEnd type="none" w="med" len="med"/>
+            <a:tailEnd type="arrow" w="med" len="med"/>
+          </a:ln>
+        </p:spPr>
+        <p:style>
+          <a:lnRef idx="1">
+            <a:schemeClr val="accent1"/>
+          </a:lnRef>
+          <a:fillRef idx="0">
+            <a:schemeClr val="accent1"/>
+          </a:fillRef>
+          <a:effectRef idx="0">
+            <a:schemeClr val="accent1"/>
+          </a:effectRef>
+          <a:fontRef idx="minor">
+            <a:schemeClr val="tx1"/>
+          </a:fontRef>
+        </p:style>
+      </p:cxnSp>
+      <p:cxnSp>
+        <p:nvCxnSpPr>
+          <p:cNvPr id="97" name="직선 화살표 연결선 96">
+            <a:extLst>
+              <a:ext uri="{FF2B5EF4-FFF2-40B4-BE49-F238E27FC236}">
+                <a16:creationId xmlns:a16="http://schemas.microsoft.com/office/drawing/2014/main" id="{354D825F-17E5-4991-B901-9EC60D9D2134}"/>
+              </a:ext>
+            </a:extLst>
+          </p:cNvPr>
+          <p:cNvCxnSpPr>
+            <a:cxnSpLocks/>
+            <a:stCxn id="38" idx="3"/>
+            <a:endCxn id="61" idx="1"/>
+          </p:cNvCxnSpPr>
+          <p:nvPr/>
+        </p:nvCxnSpPr>
+        <p:spPr>
+          <a:xfrm flipV="1">
+            <a:off x="1244186" y="1291605"/>
+            <a:ext cx="2535726" cy="14161"/>
+          </a:xfrm>
+          <a:prstGeom prst="straightConnector1">
+            <a:avLst/>
+          </a:prstGeom>
+          <a:ln w="28575">
+            <a:solidFill>
+              <a:schemeClr val="tx2"/>
+            </a:solidFill>
+            <a:prstDash val="solid"/>
+            <a:headEnd type="none" w="med" len="med"/>
+            <a:tailEnd type="arrow" w="med" len="med"/>
+          </a:ln>
+        </p:spPr>
+        <p:style>
+          <a:lnRef idx="1">
+            <a:schemeClr val="accent1"/>
+          </a:lnRef>
+          <a:fillRef idx="0">
+            <a:schemeClr val="accent1"/>
+          </a:fillRef>
+          <a:effectRef idx="0">
+            <a:schemeClr val="accent1"/>
+          </a:effectRef>
+          <a:fontRef idx="minor">
+            <a:schemeClr val="tx1"/>
+          </a:fontRef>
+        </p:style>
+      </p:cxnSp>
+      <p:cxnSp>
+        <p:nvCxnSpPr>
+          <p:cNvPr id="98" name="직선 화살표 연결선 97">
+            <a:extLst>
+              <a:ext uri="{FF2B5EF4-FFF2-40B4-BE49-F238E27FC236}">
+                <a16:creationId xmlns:a16="http://schemas.microsoft.com/office/drawing/2014/main" id="{6CB5616E-2899-4C96-A38F-F0EF613B5486}"/>
+              </a:ext>
+            </a:extLst>
+          </p:cNvPr>
+          <p:cNvCxnSpPr>
+            <a:cxnSpLocks/>
+            <a:stCxn id="80" idx="3"/>
+            <a:endCxn id="65" idx="1"/>
+          </p:cNvCxnSpPr>
+          <p:nvPr/>
+        </p:nvCxnSpPr>
+        <p:spPr>
+          <a:xfrm flipV="1">
+            <a:off x="1244186" y="3158821"/>
+            <a:ext cx="2535726" cy="292469"/>
+          </a:xfrm>
+          <a:prstGeom prst="straightConnector1">
+            <a:avLst/>
+          </a:prstGeom>
+          <a:ln w="28575">
+            <a:solidFill>
+              <a:schemeClr val="tx2"/>
+            </a:solidFill>
+            <a:prstDash val="solid"/>
+            <a:headEnd type="none" w="med" len="med"/>
+            <a:tailEnd type="arrow" w="med" len="med"/>
+          </a:ln>
+        </p:spPr>
+        <p:style>
+          <a:lnRef idx="1">
+            <a:schemeClr val="accent1"/>
+          </a:lnRef>
+          <a:fillRef idx="0">
+            <a:schemeClr val="accent1"/>
+          </a:fillRef>
+          <a:effectRef idx="0">
+            <a:schemeClr val="accent1"/>
+          </a:effectRef>
+          <a:fontRef idx="minor">
+            <a:schemeClr val="tx1"/>
+          </a:fontRef>
+        </p:style>
+      </p:cxnSp>
+      <p:cxnSp>
+        <p:nvCxnSpPr>
+          <p:cNvPr id="99" name="직선 화살표 연결선 98">
+            <a:extLst>
+              <a:ext uri="{FF2B5EF4-FFF2-40B4-BE49-F238E27FC236}">
+                <a16:creationId xmlns:a16="http://schemas.microsoft.com/office/drawing/2014/main" id="{35647069-E83F-405E-AD50-37D4813294FF}"/>
+              </a:ext>
+            </a:extLst>
+          </p:cNvPr>
+          <p:cNvCxnSpPr>
+            <a:cxnSpLocks/>
+            <a:stCxn id="80" idx="3"/>
+            <a:endCxn id="55" idx="1"/>
+          </p:cNvCxnSpPr>
+          <p:nvPr/>
+        </p:nvCxnSpPr>
+        <p:spPr>
+          <a:xfrm flipV="1">
+            <a:off x="1244186" y="2792609"/>
+            <a:ext cx="447494" cy="658681"/>
+          </a:xfrm>
+          <a:prstGeom prst="straightConnector1">
+            <a:avLst/>
+          </a:prstGeom>
+          <a:ln w="28575">
+            <a:solidFill>
+              <a:schemeClr val="tx2"/>
+            </a:solidFill>
+            <a:prstDash val="solid"/>
+            <a:headEnd type="none" w="med" len="med"/>
+            <a:tailEnd type="arrow" w="med" len="med"/>
+          </a:ln>
+        </p:spPr>
+        <p:style>
+          <a:lnRef idx="1">
+            <a:schemeClr val="accent1"/>
+          </a:lnRef>
+          <a:fillRef idx="0">
+            <a:schemeClr val="accent1"/>
+          </a:fillRef>
+          <a:effectRef idx="0">
+            <a:schemeClr val="accent1"/>
+          </a:effectRef>
+          <a:fontRef idx="minor">
+            <a:schemeClr val="tx1"/>
+          </a:fontRef>
+        </p:style>
+      </p:cxnSp>
+      <p:cxnSp>
+        <p:nvCxnSpPr>
+          <p:cNvPr id="101" name="직선 화살표 연결선 100">
+            <a:extLst>
+              <a:ext uri="{FF2B5EF4-FFF2-40B4-BE49-F238E27FC236}">
+                <a16:creationId xmlns:a16="http://schemas.microsoft.com/office/drawing/2014/main" id="{FECA8B0C-1C50-410E-B833-FE364F07E4CC}"/>
+              </a:ext>
+            </a:extLst>
+          </p:cNvPr>
+          <p:cNvCxnSpPr>
+            <a:cxnSpLocks/>
+            <a:stCxn id="55" idx="3"/>
+            <a:endCxn id="83" idx="1"/>
+          </p:cNvCxnSpPr>
+          <p:nvPr/>
+        </p:nvCxnSpPr>
+        <p:spPr>
+          <a:xfrm>
+            <a:off x="3131840" y="2792609"/>
+            <a:ext cx="4608512" cy="332682"/>
+          </a:xfrm>
+          <a:prstGeom prst="straightConnector1">
+            <a:avLst/>
+          </a:prstGeom>
+          <a:ln w="28575">
+            <a:solidFill>
+              <a:schemeClr val="tx2"/>
+            </a:solidFill>
+            <a:prstDash val="solid"/>
+            <a:headEnd type="none" w="med" len="med"/>
+            <a:tailEnd type="arrow" w="med" len="med"/>
+          </a:ln>
+        </p:spPr>
+        <p:style>
+          <a:lnRef idx="1">
+            <a:schemeClr val="accent1"/>
+          </a:lnRef>
+          <a:fillRef idx="0">
+            <a:schemeClr val="accent1"/>
+          </a:fillRef>
+          <a:effectRef idx="0">
+            <a:schemeClr val="accent1"/>
+          </a:effectRef>
+          <a:fontRef idx="minor">
+            <a:schemeClr val="tx1"/>
+          </a:fontRef>
+        </p:style>
+      </p:cxnSp>
+    </p:spTree>
+    <p:extLst>
+      <p:ext uri="{BB962C8B-B14F-4D97-AF65-F5344CB8AC3E}">
+        <p14:creationId xmlns:p14="http://schemas.microsoft.com/office/powerpoint/2010/main" val="3244961577"/>
+      </p:ext>
+    </p:extLst>
+  </p:cSld>
+  <p:clrMapOvr>
+    <a:masterClrMapping/>
+  </p:clrMapOvr>
+</p:sld>
+</file>
+
+<file path=ppt/slides/slide4.xml><?xml version="1.0" encoding="utf-8"?>
+<p:sld xmlns:a="http://schemas.openxmlformats.org/drawingml/2006/main" xmlns:r="http://schemas.openxmlformats.org/officeDocument/2006/relationships" xmlns:p="http://schemas.openxmlformats.org/presentationml/2006/main">
+  <p:cSld>
+    <p:spTree>
+      <p:nvGrpSpPr>
+        <p:cNvPr id="1" name=""/>
+        <p:cNvGrpSpPr/>
+        <p:nvPr/>
+      </p:nvGrpSpPr>
+      <p:grpSpPr>
+        <a:xfrm>
+          <a:off x="0" y="0"/>
+          <a:ext cx="0" cy="0"/>
+          <a:chOff x="0" y="0"/>
+          <a:chExt cx="0" cy="0"/>
+        </a:xfrm>
+      </p:grpSpPr>
+      <p:sp>
+        <p:nvSpPr>
+          <p:cNvPr id="2" name="제목 1">
+            <a:extLst>
+              <a:ext uri="{FF2B5EF4-FFF2-40B4-BE49-F238E27FC236}">
+                <a16:creationId xmlns:a16="http://schemas.microsoft.com/office/drawing/2014/main" id="{22E8B363-F2B6-40BD-B3C0-2DE050DE8B83}"/>
+              </a:ext>
+            </a:extLst>
+          </p:cNvPr>
+          <p:cNvSpPr>
+            <a:spLocks noGrp="1"/>
+          </p:cNvSpPr>
+          <p:nvPr>
+            <p:ph type="title"/>
+          </p:nvPr>
+        </p:nvSpPr>
         <p:spPr/>
         <p:txBody>
           <a:bodyPr/>
@@ -8431,6 +11371,2780 @@
     <p:extLst>
       <p:ext uri="{BB962C8B-B14F-4D97-AF65-F5344CB8AC3E}">
         <p14:creationId xmlns:p14="http://schemas.microsoft.com/office/powerpoint/2010/main" val="2610233994"/>
+      </p:ext>
+    </p:extLst>
+  </p:cSld>
+  <p:clrMapOvr>
+    <a:masterClrMapping/>
+  </p:clrMapOvr>
+</p:sld>
+</file>
+
+<file path=ppt/slides/slide5.xml><?xml version="1.0" encoding="utf-8"?>
+<p:sld xmlns:a="http://schemas.openxmlformats.org/drawingml/2006/main" xmlns:r="http://schemas.openxmlformats.org/officeDocument/2006/relationships" xmlns:p="http://schemas.openxmlformats.org/presentationml/2006/main">
+  <p:cSld>
+    <p:spTree>
+      <p:nvGrpSpPr>
+        <p:cNvPr id="1" name=""/>
+        <p:cNvGrpSpPr/>
+        <p:nvPr/>
+      </p:nvGrpSpPr>
+      <p:grpSpPr>
+        <a:xfrm>
+          <a:off x="0" y="0"/>
+          <a:ext cx="0" cy="0"/>
+          <a:chOff x="0" y="0"/>
+          <a:chExt cx="0" cy="0"/>
+        </a:xfrm>
+      </p:grpSpPr>
+      <p:sp>
+        <p:nvSpPr>
+          <p:cNvPr id="94" name="사각형: 둥근 모서리 93">
+            <a:extLst>
+              <a:ext uri="{FF2B5EF4-FFF2-40B4-BE49-F238E27FC236}">
+                <a16:creationId xmlns:a16="http://schemas.microsoft.com/office/drawing/2014/main" id="{BF102B77-80E1-470A-864F-4A3D5DED6D2C}"/>
+              </a:ext>
+            </a:extLst>
+          </p:cNvPr>
+          <p:cNvSpPr/>
+          <p:nvPr/>
+        </p:nvSpPr>
+        <p:spPr>
+          <a:xfrm>
+            <a:off x="7647338" y="2835283"/>
+            <a:ext cx="1321402" cy="1508117"/>
+          </a:xfrm>
+          <a:prstGeom prst="roundRect">
+            <a:avLst>
+              <a:gd name="adj" fmla="val 8229"/>
+            </a:avLst>
+          </a:prstGeom>
+          <a:ln>
+            <a:prstDash val="dash"/>
+          </a:ln>
+        </p:spPr>
+        <p:style>
+          <a:lnRef idx="2">
+            <a:schemeClr val="dk1"/>
+          </a:lnRef>
+          <a:fillRef idx="1">
+            <a:schemeClr val="lt1"/>
+          </a:fillRef>
+          <a:effectRef idx="0">
+            <a:schemeClr val="dk1"/>
+          </a:effectRef>
+          <a:fontRef idx="minor">
+            <a:schemeClr val="dk1"/>
+          </a:fontRef>
+        </p:style>
+        <p:txBody>
+          <a:bodyPr rtlCol="0" anchor="b"/>
+          <a:lstStyle/>
+          <a:p>
+            <a:pPr algn="ctr"/>
+            <a:r>
+              <a:rPr lang="en-US" altLang="ko-KR" sz="1200" dirty="0"/>
+              <a:t>Consumer </a:t>
+            </a:r>
+            <a:r>
+              <a:rPr lang="en-US" altLang="ko-KR" sz="1200"/>
+              <a:t>Group C</a:t>
+            </a:r>
+            <a:endParaRPr lang="ko-KR" altLang="en-US" sz="1200" dirty="0"/>
+          </a:p>
+        </p:txBody>
+      </p:sp>
+      <p:sp>
+        <p:nvSpPr>
+          <p:cNvPr id="93" name="사각형: 둥근 모서리 92">
+            <a:extLst>
+              <a:ext uri="{FF2B5EF4-FFF2-40B4-BE49-F238E27FC236}">
+                <a16:creationId xmlns:a16="http://schemas.microsoft.com/office/drawing/2014/main" id="{563C859A-DBF8-4424-941C-3B4279BE759E}"/>
+              </a:ext>
+            </a:extLst>
+          </p:cNvPr>
+          <p:cNvSpPr/>
+          <p:nvPr/>
+        </p:nvSpPr>
+        <p:spPr>
+          <a:xfrm>
+            <a:off x="7647338" y="1762629"/>
+            <a:ext cx="1321402" cy="996450"/>
+          </a:xfrm>
+          <a:prstGeom prst="roundRect">
+            <a:avLst>
+              <a:gd name="adj" fmla="val 12843"/>
+            </a:avLst>
+          </a:prstGeom>
+          <a:ln>
+            <a:prstDash val="dash"/>
+          </a:ln>
+        </p:spPr>
+        <p:style>
+          <a:lnRef idx="2">
+            <a:schemeClr val="dk1"/>
+          </a:lnRef>
+          <a:fillRef idx="1">
+            <a:schemeClr val="lt1"/>
+          </a:fillRef>
+          <a:effectRef idx="0">
+            <a:schemeClr val="dk1"/>
+          </a:effectRef>
+          <a:fontRef idx="minor">
+            <a:schemeClr val="dk1"/>
+          </a:fontRef>
+        </p:style>
+        <p:txBody>
+          <a:bodyPr rtlCol="0" anchor="b"/>
+          <a:lstStyle/>
+          <a:p>
+            <a:pPr algn="ctr"/>
+            <a:r>
+              <a:rPr lang="en-US" altLang="ko-KR" sz="1200" dirty="0"/>
+              <a:t>Consumer </a:t>
+            </a:r>
+            <a:r>
+              <a:rPr lang="en-US" altLang="ko-KR" sz="1200"/>
+              <a:t>Group B</a:t>
+            </a:r>
+            <a:endParaRPr lang="ko-KR" altLang="en-US" sz="1200" dirty="0"/>
+          </a:p>
+        </p:txBody>
+      </p:sp>
+      <p:sp>
+        <p:nvSpPr>
+          <p:cNvPr id="92" name="사각형: 둥근 모서리 91">
+            <a:extLst>
+              <a:ext uri="{FF2B5EF4-FFF2-40B4-BE49-F238E27FC236}">
+                <a16:creationId xmlns:a16="http://schemas.microsoft.com/office/drawing/2014/main" id="{CF2B3B12-DFBC-4126-BD35-F2B269976506}"/>
+              </a:ext>
+            </a:extLst>
+          </p:cNvPr>
+          <p:cNvSpPr/>
+          <p:nvPr/>
+        </p:nvSpPr>
+        <p:spPr>
+          <a:xfrm>
+            <a:off x="7647338" y="680492"/>
+            <a:ext cx="1321402" cy="996450"/>
+          </a:xfrm>
+          <a:prstGeom prst="roundRect">
+            <a:avLst>
+              <a:gd name="adj" fmla="val 12843"/>
+            </a:avLst>
+          </a:prstGeom>
+          <a:ln>
+            <a:prstDash val="dash"/>
+          </a:ln>
+        </p:spPr>
+        <p:style>
+          <a:lnRef idx="2">
+            <a:schemeClr val="dk1"/>
+          </a:lnRef>
+          <a:fillRef idx="1">
+            <a:schemeClr val="lt1"/>
+          </a:fillRef>
+          <a:effectRef idx="0">
+            <a:schemeClr val="dk1"/>
+          </a:effectRef>
+          <a:fontRef idx="minor">
+            <a:schemeClr val="dk1"/>
+          </a:fontRef>
+        </p:style>
+        <p:txBody>
+          <a:bodyPr rtlCol="0" anchor="b"/>
+          <a:lstStyle/>
+          <a:p>
+            <a:pPr algn="ctr"/>
+            <a:r>
+              <a:rPr lang="en-US" altLang="ko-KR" sz="1200" dirty="0"/>
+              <a:t>Consumer Group A</a:t>
+            </a:r>
+            <a:endParaRPr lang="ko-KR" altLang="en-US" sz="1200" dirty="0"/>
+          </a:p>
+        </p:txBody>
+      </p:sp>
+      <p:sp>
+        <p:nvSpPr>
+          <p:cNvPr id="7" name="사각형: 둥근 모서리 6">
+            <a:extLst>
+              <a:ext uri="{FF2B5EF4-FFF2-40B4-BE49-F238E27FC236}">
+                <a16:creationId xmlns:a16="http://schemas.microsoft.com/office/drawing/2014/main" id="{43605E7C-158D-49F1-8506-CEF09E8CC589}"/>
+              </a:ext>
+            </a:extLst>
+          </p:cNvPr>
+          <p:cNvSpPr/>
+          <p:nvPr/>
+        </p:nvSpPr>
+        <p:spPr>
+          <a:xfrm>
+            <a:off x="1460210" y="605910"/>
+            <a:ext cx="1872208" cy="3761469"/>
+          </a:xfrm>
+          <a:prstGeom prst="roundRect">
+            <a:avLst>
+              <a:gd name="adj" fmla="val 4353"/>
+            </a:avLst>
+          </a:prstGeom>
+        </p:spPr>
+        <p:style>
+          <a:lnRef idx="2">
+            <a:schemeClr val="dk1"/>
+          </a:lnRef>
+          <a:fillRef idx="1">
+            <a:schemeClr val="lt1"/>
+          </a:fillRef>
+          <a:effectRef idx="0">
+            <a:schemeClr val="dk1"/>
+          </a:effectRef>
+          <a:fontRef idx="minor">
+            <a:schemeClr val="dk1"/>
+          </a:fontRef>
+        </p:style>
+        <p:txBody>
+          <a:bodyPr rtlCol="0" anchor="b"/>
+          <a:lstStyle/>
+          <a:p>
+            <a:pPr algn="ctr"/>
+            <a:r>
+              <a:rPr lang="en-US" altLang="ko-KR" sz="1400" dirty="0"/>
+              <a:t>Kafka Broker A</a:t>
+            </a:r>
+            <a:endParaRPr lang="ko-KR" altLang="en-US" sz="1400" dirty="0"/>
+          </a:p>
+        </p:txBody>
+      </p:sp>
+      <p:sp>
+        <p:nvSpPr>
+          <p:cNvPr id="58" name="사각형: 둥근 모서리 57">
+            <a:extLst>
+              <a:ext uri="{FF2B5EF4-FFF2-40B4-BE49-F238E27FC236}">
+                <a16:creationId xmlns:a16="http://schemas.microsoft.com/office/drawing/2014/main" id="{364F566C-AAA1-4C72-9FB2-52671A2E3589}"/>
+              </a:ext>
+            </a:extLst>
+          </p:cNvPr>
+          <p:cNvSpPr/>
+          <p:nvPr/>
+        </p:nvSpPr>
+        <p:spPr>
+          <a:xfrm>
+            <a:off x="3563888" y="592091"/>
+            <a:ext cx="1872208" cy="3775288"/>
+          </a:xfrm>
+          <a:prstGeom prst="roundRect">
+            <a:avLst>
+              <a:gd name="adj" fmla="val 5697"/>
+            </a:avLst>
+          </a:prstGeom>
+        </p:spPr>
+        <p:style>
+          <a:lnRef idx="2">
+            <a:schemeClr val="dk1"/>
+          </a:lnRef>
+          <a:fillRef idx="1">
+            <a:schemeClr val="lt1"/>
+          </a:fillRef>
+          <a:effectRef idx="0">
+            <a:schemeClr val="dk1"/>
+          </a:effectRef>
+          <a:fontRef idx="minor">
+            <a:schemeClr val="dk1"/>
+          </a:fontRef>
+        </p:style>
+        <p:txBody>
+          <a:bodyPr rtlCol="0" anchor="b"/>
+          <a:lstStyle/>
+          <a:p>
+            <a:pPr algn="ctr"/>
+            <a:r>
+              <a:rPr lang="en-US" altLang="ko-KR" sz="1400" dirty="0"/>
+              <a:t>Kafka Broker B</a:t>
+            </a:r>
+            <a:endParaRPr lang="ko-KR" altLang="en-US" sz="1400" dirty="0"/>
+          </a:p>
+        </p:txBody>
+      </p:sp>
+      <p:sp>
+        <p:nvSpPr>
+          <p:cNvPr id="67" name="사각형: 둥근 모서리 66">
+            <a:extLst>
+              <a:ext uri="{FF2B5EF4-FFF2-40B4-BE49-F238E27FC236}">
+                <a16:creationId xmlns:a16="http://schemas.microsoft.com/office/drawing/2014/main" id="{10A8E561-0D52-48A1-A8B6-9F42DD083DD7}"/>
+              </a:ext>
+            </a:extLst>
+          </p:cNvPr>
+          <p:cNvSpPr/>
+          <p:nvPr/>
+        </p:nvSpPr>
+        <p:spPr>
+          <a:xfrm>
+            <a:off x="5652120" y="592091"/>
+            <a:ext cx="1872208" cy="3775288"/>
+          </a:xfrm>
+          <a:prstGeom prst="roundRect">
+            <a:avLst>
+              <a:gd name="adj" fmla="val 5249"/>
+            </a:avLst>
+          </a:prstGeom>
+        </p:spPr>
+        <p:style>
+          <a:lnRef idx="2">
+            <a:schemeClr val="dk1"/>
+          </a:lnRef>
+          <a:fillRef idx="1">
+            <a:schemeClr val="lt1"/>
+          </a:fillRef>
+          <a:effectRef idx="0">
+            <a:schemeClr val="dk1"/>
+          </a:effectRef>
+          <a:fontRef idx="minor">
+            <a:schemeClr val="dk1"/>
+          </a:fontRef>
+        </p:style>
+        <p:txBody>
+          <a:bodyPr rtlCol="0" anchor="b"/>
+          <a:lstStyle/>
+          <a:p>
+            <a:pPr algn="ctr"/>
+            <a:r>
+              <a:rPr lang="en-US" altLang="ko-KR" sz="1400" dirty="0"/>
+              <a:t>Kafka Broker C</a:t>
+            </a:r>
+            <a:endParaRPr lang="ko-KR" altLang="en-US" sz="1400" dirty="0"/>
+          </a:p>
+        </p:txBody>
+      </p:sp>
+      <p:sp>
+        <p:nvSpPr>
+          <p:cNvPr id="2" name="제목 1"/>
+          <p:cNvSpPr>
+            <a:spLocks noGrp="1"/>
+          </p:cNvSpPr>
+          <p:nvPr>
+            <p:ph type="title"/>
+          </p:nvPr>
+        </p:nvSpPr>
+        <p:spPr>
+          <a:xfrm>
+            <a:off x="377332" y="-236562"/>
+            <a:ext cx="8229600" cy="857250"/>
+          </a:xfrm>
+        </p:spPr>
+        <p:txBody>
+          <a:bodyPr/>
+          <a:lstStyle/>
+          <a:p>
+            <a:r>
+              <a:rPr lang="en-US" altLang="ko-KR"/>
+              <a:t>Replication</a:t>
+            </a:r>
+            <a:endParaRPr lang="ko-KR" altLang="en-US" dirty="0"/>
+          </a:p>
+        </p:txBody>
+      </p:sp>
+      <p:sp>
+        <p:nvSpPr>
+          <p:cNvPr id="55" name="사각형: 둥근 모서리 54">
+            <a:extLst>
+              <a:ext uri="{FF2B5EF4-FFF2-40B4-BE49-F238E27FC236}">
+                <a16:creationId xmlns:a16="http://schemas.microsoft.com/office/drawing/2014/main" id="{9B510882-3AD7-4A8A-ACA7-B7996494A18E}"/>
+              </a:ext>
+            </a:extLst>
+          </p:cNvPr>
+          <p:cNvSpPr/>
+          <p:nvPr/>
+        </p:nvSpPr>
+        <p:spPr>
+          <a:xfrm>
+            <a:off x="1691680" y="2658135"/>
+            <a:ext cx="1440160" cy="268948"/>
+          </a:xfrm>
+          <a:prstGeom prst="roundRect">
+            <a:avLst>
+              <a:gd name="adj" fmla="val 14105"/>
+            </a:avLst>
+          </a:prstGeom>
+          <a:solidFill>
+            <a:schemeClr val="accent2">
+              <a:lumMod val="20000"/>
+              <a:lumOff val="80000"/>
+            </a:schemeClr>
+          </a:solidFill>
+        </p:spPr>
+        <p:style>
+          <a:lnRef idx="2">
+            <a:schemeClr val="dk1"/>
+          </a:lnRef>
+          <a:fillRef idx="1">
+            <a:schemeClr val="lt1"/>
+          </a:fillRef>
+          <a:effectRef idx="0">
+            <a:schemeClr val="dk1"/>
+          </a:effectRef>
+          <a:fontRef idx="minor">
+            <a:schemeClr val="dk1"/>
+          </a:fontRef>
+        </p:style>
+        <p:txBody>
+          <a:bodyPr rtlCol="0" anchor="ctr"/>
+          <a:lstStyle/>
+          <a:p>
+            <a:pPr algn="ctr"/>
+            <a:r>
+              <a:rPr lang="en-US" altLang="ko-KR" sz="1100"/>
+              <a:t>Partition </a:t>
+            </a:r>
+            <a:r>
+              <a:rPr lang="en-US" altLang="ko-KR" sz="1100" dirty="0"/>
+              <a:t>0</a:t>
+            </a:r>
+            <a:endParaRPr lang="ko-KR" altLang="en-US" sz="1100" dirty="0"/>
+          </a:p>
+        </p:txBody>
+      </p:sp>
+      <p:sp>
+        <p:nvSpPr>
+          <p:cNvPr id="56" name="사각형: 둥근 모서리 55">
+            <a:extLst>
+              <a:ext uri="{FF2B5EF4-FFF2-40B4-BE49-F238E27FC236}">
+                <a16:creationId xmlns:a16="http://schemas.microsoft.com/office/drawing/2014/main" id="{F8EDAA14-A89A-489B-B003-40355A4D2500}"/>
+              </a:ext>
+            </a:extLst>
+          </p:cNvPr>
+          <p:cNvSpPr/>
+          <p:nvPr/>
+        </p:nvSpPr>
+        <p:spPr>
+          <a:xfrm>
+            <a:off x="1691680" y="3024347"/>
+            <a:ext cx="1440160" cy="268948"/>
+          </a:xfrm>
+          <a:prstGeom prst="roundRect">
+            <a:avLst>
+              <a:gd name="adj" fmla="val 14105"/>
+            </a:avLst>
+          </a:prstGeom>
+          <a:solidFill>
+            <a:schemeClr val="accent1">
+              <a:lumMod val="20000"/>
+              <a:lumOff val="80000"/>
+            </a:schemeClr>
+          </a:solidFill>
+        </p:spPr>
+        <p:style>
+          <a:lnRef idx="2">
+            <a:schemeClr val="dk1"/>
+          </a:lnRef>
+          <a:fillRef idx="1">
+            <a:schemeClr val="lt1"/>
+          </a:fillRef>
+          <a:effectRef idx="0">
+            <a:schemeClr val="dk1"/>
+          </a:effectRef>
+          <a:fontRef idx="minor">
+            <a:schemeClr val="dk1"/>
+          </a:fontRef>
+        </p:style>
+        <p:txBody>
+          <a:bodyPr rtlCol="0" anchor="ctr"/>
+          <a:lstStyle/>
+          <a:p>
+            <a:pPr algn="ctr"/>
+            <a:r>
+              <a:rPr lang="en-US" altLang="ko-KR" sz="1100"/>
+              <a:t>Partition </a:t>
+            </a:r>
+            <a:r>
+              <a:rPr lang="en-US" altLang="ko-KR" sz="1100" dirty="0"/>
+              <a:t>1</a:t>
+            </a:r>
+            <a:endParaRPr lang="ko-KR" altLang="en-US" sz="1100" dirty="0"/>
+          </a:p>
+        </p:txBody>
+      </p:sp>
+      <p:sp>
+        <p:nvSpPr>
+          <p:cNvPr id="57" name="사각형: 둥근 모서리 56">
+            <a:extLst>
+              <a:ext uri="{FF2B5EF4-FFF2-40B4-BE49-F238E27FC236}">
+                <a16:creationId xmlns:a16="http://schemas.microsoft.com/office/drawing/2014/main" id="{D0081DD2-33FA-46B1-8ABB-C5E63737BABF}"/>
+              </a:ext>
+            </a:extLst>
+          </p:cNvPr>
+          <p:cNvSpPr/>
+          <p:nvPr/>
+        </p:nvSpPr>
+        <p:spPr>
+          <a:xfrm>
+            <a:off x="1691680" y="3390559"/>
+            <a:ext cx="1440160" cy="268948"/>
+          </a:xfrm>
+          <a:prstGeom prst="roundRect">
+            <a:avLst>
+              <a:gd name="adj" fmla="val 14105"/>
+            </a:avLst>
+          </a:prstGeom>
+          <a:solidFill>
+            <a:schemeClr val="accent1">
+              <a:lumMod val="20000"/>
+              <a:lumOff val="80000"/>
+            </a:schemeClr>
+          </a:solidFill>
+        </p:spPr>
+        <p:style>
+          <a:lnRef idx="2">
+            <a:schemeClr val="dk1"/>
+          </a:lnRef>
+          <a:fillRef idx="1">
+            <a:schemeClr val="lt1"/>
+          </a:fillRef>
+          <a:effectRef idx="0">
+            <a:schemeClr val="dk1"/>
+          </a:effectRef>
+          <a:fontRef idx="minor">
+            <a:schemeClr val="dk1"/>
+          </a:fontRef>
+        </p:style>
+        <p:txBody>
+          <a:bodyPr rtlCol="0" anchor="ctr"/>
+          <a:lstStyle/>
+          <a:p>
+            <a:pPr algn="ctr"/>
+            <a:r>
+              <a:rPr lang="en-US" altLang="ko-KR" sz="1100"/>
+              <a:t>Partition </a:t>
+            </a:r>
+            <a:r>
+              <a:rPr lang="en-US" altLang="ko-KR" sz="1100" dirty="0"/>
+              <a:t>2</a:t>
+            </a:r>
+            <a:endParaRPr lang="ko-KR" altLang="en-US" sz="1100" dirty="0"/>
+          </a:p>
+        </p:txBody>
+      </p:sp>
+      <p:sp>
+        <p:nvSpPr>
+          <p:cNvPr id="63" name="사각형: 둥근 모서리 62">
+            <a:extLst>
+              <a:ext uri="{FF2B5EF4-FFF2-40B4-BE49-F238E27FC236}">
+                <a16:creationId xmlns:a16="http://schemas.microsoft.com/office/drawing/2014/main" id="{1D930AF3-C251-4D74-827F-DC86C862B00C}"/>
+              </a:ext>
+            </a:extLst>
+          </p:cNvPr>
+          <p:cNvSpPr/>
+          <p:nvPr/>
+        </p:nvSpPr>
+        <p:spPr>
+          <a:xfrm>
+            <a:off x="3779912" y="1901607"/>
+            <a:ext cx="1440160" cy="268948"/>
+          </a:xfrm>
+          <a:prstGeom prst="roundRect">
+            <a:avLst>
+              <a:gd name="adj" fmla="val 14105"/>
+            </a:avLst>
+          </a:prstGeom>
+          <a:solidFill>
+            <a:schemeClr val="accent1">
+              <a:lumMod val="20000"/>
+              <a:lumOff val="80000"/>
+            </a:schemeClr>
+          </a:solidFill>
+        </p:spPr>
+        <p:style>
+          <a:lnRef idx="2">
+            <a:schemeClr val="dk1"/>
+          </a:lnRef>
+          <a:fillRef idx="1">
+            <a:schemeClr val="lt1"/>
+          </a:fillRef>
+          <a:effectRef idx="0">
+            <a:schemeClr val="dk1"/>
+          </a:effectRef>
+          <a:fontRef idx="minor">
+            <a:schemeClr val="dk1"/>
+          </a:fontRef>
+        </p:style>
+        <p:txBody>
+          <a:bodyPr rtlCol="0" anchor="ctr"/>
+          <a:lstStyle/>
+          <a:p>
+            <a:pPr algn="ctr"/>
+            <a:r>
+              <a:rPr lang="en-US" altLang="ko-KR" sz="1100"/>
+              <a:t>Partition </a:t>
+            </a:r>
+            <a:r>
+              <a:rPr lang="en-US" altLang="ko-KR" sz="1100" dirty="0"/>
+              <a:t>0</a:t>
+            </a:r>
+            <a:endParaRPr lang="ko-KR" altLang="en-US" sz="1100" dirty="0"/>
+          </a:p>
+        </p:txBody>
+      </p:sp>
+      <p:sp>
+        <p:nvSpPr>
+          <p:cNvPr id="64" name="사각형: 둥근 모서리 63">
+            <a:extLst>
+              <a:ext uri="{FF2B5EF4-FFF2-40B4-BE49-F238E27FC236}">
+                <a16:creationId xmlns:a16="http://schemas.microsoft.com/office/drawing/2014/main" id="{C093F3AF-A4D5-42A7-93F0-6BCBA9A55EF7}"/>
+              </a:ext>
+            </a:extLst>
+          </p:cNvPr>
+          <p:cNvSpPr/>
+          <p:nvPr/>
+        </p:nvSpPr>
+        <p:spPr>
+          <a:xfrm>
+            <a:off x="3779912" y="2658135"/>
+            <a:ext cx="1440160" cy="268948"/>
+          </a:xfrm>
+          <a:prstGeom prst="roundRect">
+            <a:avLst>
+              <a:gd name="adj" fmla="val 14105"/>
+            </a:avLst>
+          </a:prstGeom>
+          <a:solidFill>
+            <a:schemeClr val="accent1">
+              <a:lumMod val="20000"/>
+              <a:lumOff val="80000"/>
+            </a:schemeClr>
+          </a:solidFill>
+        </p:spPr>
+        <p:style>
+          <a:lnRef idx="2">
+            <a:schemeClr val="dk1"/>
+          </a:lnRef>
+          <a:fillRef idx="1">
+            <a:schemeClr val="lt1"/>
+          </a:fillRef>
+          <a:effectRef idx="0">
+            <a:schemeClr val="dk1"/>
+          </a:effectRef>
+          <a:fontRef idx="minor">
+            <a:schemeClr val="dk1"/>
+          </a:fontRef>
+        </p:style>
+        <p:txBody>
+          <a:bodyPr rtlCol="0" anchor="ctr"/>
+          <a:lstStyle/>
+          <a:p>
+            <a:pPr algn="ctr"/>
+            <a:r>
+              <a:rPr lang="en-US" altLang="ko-KR" sz="1100"/>
+              <a:t>Partition 0</a:t>
+            </a:r>
+            <a:endParaRPr lang="ko-KR" altLang="en-US" sz="1100" dirty="0"/>
+          </a:p>
+        </p:txBody>
+      </p:sp>
+      <p:sp>
+        <p:nvSpPr>
+          <p:cNvPr id="65" name="사각형: 둥근 모서리 64">
+            <a:extLst>
+              <a:ext uri="{FF2B5EF4-FFF2-40B4-BE49-F238E27FC236}">
+                <a16:creationId xmlns:a16="http://schemas.microsoft.com/office/drawing/2014/main" id="{CE7BAF05-2759-4F3B-9CFD-1F237A1F8B70}"/>
+              </a:ext>
+            </a:extLst>
+          </p:cNvPr>
+          <p:cNvSpPr/>
+          <p:nvPr/>
+        </p:nvSpPr>
+        <p:spPr>
+          <a:xfrm>
+            <a:off x="3779912" y="3024347"/>
+            <a:ext cx="1440160" cy="268948"/>
+          </a:xfrm>
+          <a:prstGeom prst="roundRect">
+            <a:avLst>
+              <a:gd name="adj" fmla="val 14105"/>
+            </a:avLst>
+          </a:prstGeom>
+          <a:solidFill>
+            <a:schemeClr val="accent2">
+              <a:lumMod val="20000"/>
+              <a:lumOff val="80000"/>
+            </a:schemeClr>
+          </a:solidFill>
+        </p:spPr>
+        <p:style>
+          <a:lnRef idx="2">
+            <a:schemeClr val="dk1"/>
+          </a:lnRef>
+          <a:fillRef idx="1">
+            <a:schemeClr val="lt1"/>
+          </a:fillRef>
+          <a:effectRef idx="0">
+            <a:schemeClr val="dk1"/>
+          </a:effectRef>
+          <a:fontRef idx="minor">
+            <a:schemeClr val="dk1"/>
+          </a:fontRef>
+        </p:style>
+        <p:txBody>
+          <a:bodyPr rtlCol="0" anchor="ctr"/>
+          <a:lstStyle/>
+          <a:p>
+            <a:pPr algn="ctr"/>
+            <a:r>
+              <a:rPr lang="en-US" altLang="ko-KR" sz="1100"/>
+              <a:t>Partition 1</a:t>
+            </a:r>
+            <a:endParaRPr lang="ko-KR" altLang="en-US" sz="1100" dirty="0"/>
+          </a:p>
+        </p:txBody>
+      </p:sp>
+      <p:sp>
+        <p:nvSpPr>
+          <p:cNvPr id="66" name="사각형: 둥근 모서리 65">
+            <a:extLst>
+              <a:ext uri="{FF2B5EF4-FFF2-40B4-BE49-F238E27FC236}">
+                <a16:creationId xmlns:a16="http://schemas.microsoft.com/office/drawing/2014/main" id="{1CA0F0DF-F771-45A7-AE6F-EA0C6999E419}"/>
+              </a:ext>
+            </a:extLst>
+          </p:cNvPr>
+          <p:cNvSpPr/>
+          <p:nvPr/>
+        </p:nvSpPr>
+        <p:spPr>
+          <a:xfrm>
+            <a:off x="3779912" y="3390559"/>
+            <a:ext cx="1440160" cy="268948"/>
+          </a:xfrm>
+          <a:prstGeom prst="roundRect">
+            <a:avLst>
+              <a:gd name="adj" fmla="val 14105"/>
+            </a:avLst>
+          </a:prstGeom>
+          <a:solidFill>
+            <a:schemeClr val="accent1">
+              <a:lumMod val="20000"/>
+              <a:lumOff val="80000"/>
+            </a:schemeClr>
+          </a:solidFill>
+        </p:spPr>
+        <p:style>
+          <a:lnRef idx="2">
+            <a:schemeClr val="dk1"/>
+          </a:lnRef>
+          <a:fillRef idx="1">
+            <a:schemeClr val="lt1"/>
+          </a:fillRef>
+          <a:effectRef idx="0">
+            <a:schemeClr val="dk1"/>
+          </a:effectRef>
+          <a:fontRef idx="minor">
+            <a:schemeClr val="dk1"/>
+          </a:fontRef>
+        </p:style>
+        <p:txBody>
+          <a:bodyPr rtlCol="0" anchor="ctr"/>
+          <a:lstStyle/>
+          <a:p>
+            <a:pPr algn="ctr"/>
+            <a:r>
+              <a:rPr lang="en-US" altLang="ko-KR" sz="1100"/>
+              <a:t>Partition </a:t>
+            </a:r>
+            <a:r>
+              <a:rPr lang="en-US" altLang="ko-KR" sz="1100" dirty="0"/>
+              <a:t>2</a:t>
+            </a:r>
+            <a:endParaRPr lang="ko-KR" altLang="en-US" sz="1100" dirty="0"/>
+          </a:p>
+        </p:txBody>
+      </p:sp>
+      <p:sp>
+        <p:nvSpPr>
+          <p:cNvPr id="70" name="사각형: 둥근 모서리 69">
+            <a:extLst>
+              <a:ext uri="{FF2B5EF4-FFF2-40B4-BE49-F238E27FC236}">
+                <a16:creationId xmlns:a16="http://schemas.microsoft.com/office/drawing/2014/main" id="{84D930EB-BC46-471C-A7B6-A6B0BC36B737}"/>
+              </a:ext>
+            </a:extLst>
+          </p:cNvPr>
+          <p:cNvSpPr/>
+          <p:nvPr/>
+        </p:nvSpPr>
+        <p:spPr>
+          <a:xfrm>
+            <a:off x="5868144" y="1901607"/>
+            <a:ext cx="1440160" cy="268948"/>
+          </a:xfrm>
+          <a:prstGeom prst="roundRect">
+            <a:avLst>
+              <a:gd name="adj" fmla="val 14105"/>
+            </a:avLst>
+          </a:prstGeom>
+          <a:solidFill>
+            <a:schemeClr val="accent2">
+              <a:lumMod val="20000"/>
+              <a:lumOff val="80000"/>
+            </a:schemeClr>
+          </a:solidFill>
+        </p:spPr>
+        <p:style>
+          <a:lnRef idx="2">
+            <a:schemeClr val="dk1"/>
+          </a:lnRef>
+          <a:fillRef idx="1">
+            <a:schemeClr val="lt1"/>
+          </a:fillRef>
+          <a:effectRef idx="0">
+            <a:schemeClr val="dk1"/>
+          </a:effectRef>
+          <a:fontRef idx="minor">
+            <a:schemeClr val="dk1"/>
+          </a:fontRef>
+        </p:style>
+        <p:txBody>
+          <a:bodyPr rtlCol="0" anchor="ctr"/>
+          <a:lstStyle/>
+          <a:p>
+            <a:pPr algn="ctr"/>
+            <a:r>
+              <a:rPr lang="en-US" altLang="ko-KR" sz="1100"/>
+              <a:t>Partition </a:t>
+            </a:r>
+            <a:r>
+              <a:rPr lang="en-US" altLang="ko-KR" sz="1100" dirty="0"/>
+              <a:t>0</a:t>
+            </a:r>
+            <a:endParaRPr lang="ko-KR" altLang="en-US" sz="1100" dirty="0"/>
+          </a:p>
+        </p:txBody>
+      </p:sp>
+      <p:sp>
+        <p:nvSpPr>
+          <p:cNvPr id="71" name="사각형: 둥근 모서리 70">
+            <a:extLst>
+              <a:ext uri="{FF2B5EF4-FFF2-40B4-BE49-F238E27FC236}">
+                <a16:creationId xmlns:a16="http://schemas.microsoft.com/office/drawing/2014/main" id="{8CB55B9F-1769-4742-9626-EA91B55F9CD0}"/>
+              </a:ext>
+            </a:extLst>
+          </p:cNvPr>
+          <p:cNvSpPr/>
+          <p:nvPr/>
+        </p:nvSpPr>
+        <p:spPr>
+          <a:xfrm>
+            <a:off x="5868144" y="2658135"/>
+            <a:ext cx="1440160" cy="268948"/>
+          </a:xfrm>
+          <a:prstGeom prst="roundRect">
+            <a:avLst>
+              <a:gd name="adj" fmla="val 14105"/>
+            </a:avLst>
+          </a:prstGeom>
+          <a:solidFill>
+            <a:schemeClr val="accent1">
+              <a:lumMod val="20000"/>
+              <a:lumOff val="80000"/>
+            </a:schemeClr>
+          </a:solidFill>
+        </p:spPr>
+        <p:style>
+          <a:lnRef idx="2">
+            <a:schemeClr val="dk1"/>
+          </a:lnRef>
+          <a:fillRef idx="1">
+            <a:schemeClr val="lt1"/>
+          </a:fillRef>
+          <a:effectRef idx="0">
+            <a:schemeClr val="dk1"/>
+          </a:effectRef>
+          <a:fontRef idx="minor">
+            <a:schemeClr val="dk1"/>
+          </a:fontRef>
+        </p:style>
+        <p:txBody>
+          <a:bodyPr rtlCol="0" anchor="ctr"/>
+          <a:lstStyle/>
+          <a:p>
+            <a:pPr algn="ctr"/>
+            <a:r>
+              <a:rPr lang="en-US" altLang="ko-KR" sz="1100"/>
+              <a:t>Partition 0</a:t>
+            </a:r>
+            <a:endParaRPr lang="ko-KR" altLang="en-US" sz="1100" dirty="0"/>
+          </a:p>
+        </p:txBody>
+      </p:sp>
+      <p:sp>
+        <p:nvSpPr>
+          <p:cNvPr id="72" name="사각형: 둥근 모서리 71">
+            <a:extLst>
+              <a:ext uri="{FF2B5EF4-FFF2-40B4-BE49-F238E27FC236}">
+                <a16:creationId xmlns:a16="http://schemas.microsoft.com/office/drawing/2014/main" id="{E617FFBB-A175-4D87-8F62-AFE2F1679458}"/>
+              </a:ext>
+            </a:extLst>
+          </p:cNvPr>
+          <p:cNvSpPr/>
+          <p:nvPr/>
+        </p:nvSpPr>
+        <p:spPr>
+          <a:xfrm>
+            <a:off x="5868144" y="3024347"/>
+            <a:ext cx="1440160" cy="268948"/>
+          </a:xfrm>
+          <a:prstGeom prst="roundRect">
+            <a:avLst>
+              <a:gd name="adj" fmla="val 14105"/>
+            </a:avLst>
+          </a:prstGeom>
+          <a:solidFill>
+            <a:schemeClr val="accent1">
+              <a:lumMod val="20000"/>
+              <a:lumOff val="80000"/>
+            </a:schemeClr>
+          </a:solidFill>
+        </p:spPr>
+        <p:style>
+          <a:lnRef idx="2">
+            <a:schemeClr val="dk1"/>
+          </a:lnRef>
+          <a:fillRef idx="1">
+            <a:schemeClr val="lt1"/>
+          </a:fillRef>
+          <a:effectRef idx="0">
+            <a:schemeClr val="dk1"/>
+          </a:effectRef>
+          <a:fontRef idx="minor">
+            <a:schemeClr val="dk1"/>
+          </a:fontRef>
+        </p:style>
+        <p:txBody>
+          <a:bodyPr rtlCol="0" anchor="ctr"/>
+          <a:lstStyle/>
+          <a:p>
+            <a:pPr algn="ctr"/>
+            <a:r>
+              <a:rPr lang="en-US" altLang="ko-KR" sz="1100"/>
+              <a:t>Partition </a:t>
+            </a:r>
+            <a:r>
+              <a:rPr lang="en-US" altLang="ko-KR" sz="1100" dirty="0"/>
+              <a:t>1</a:t>
+            </a:r>
+            <a:endParaRPr lang="ko-KR" altLang="en-US" sz="1100" dirty="0"/>
+          </a:p>
+        </p:txBody>
+      </p:sp>
+      <p:sp>
+        <p:nvSpPr>
+          <p:cNvPr id="73" name="사각형: 둥근 모서리 72">
+            <a:extLst>
+              <a:ext uri="{FF2B5EF4-FFF2-40B4-BE49-F238E27FC236}">
+                <a16:creationId xmlns:a16="http://schemas.microsoft.com/office/drawing/2014/main" id="{050D8438-7982-4C6D-A88B-7801CD2300FE}"/>
+              </a:ext>
+            </a:extLst>
+          </p:cNvPr>
+          <p:cNvSpPr/>
+          <p:nvPr/>
+        </p:nvSpPr>
+        <p:spPr>
+          <a:xfrm>
+            <a:off x="5868144" y="3390559"/>
+            <a:ext cx="1440160" cy="268948"/>
+          </a:xfrm>
+          <a:prstGeom prst="roundRect">
+            <a:avLst>
+              <a:gd name="adj" fmla="val 14105"/>
+            </a:avLst>
+          </a:prstGeom>
+          <a:solidFill>
+            <a:schemeClr val="accent2">
+              <a:lumMod val="20000"/>
+              <a:lumOff val="80000"/>
+            </a:schemeClr>
+          </a:solidFill>
+        </p:spPr>
+        <p:style>
+          <a:lnRef idx="2">
+            <a:schemeClr val="dk1"/>
+          </a:lnRef>
+          <a:fillRef idx="1">
+            <a:schemeClr val="lt1"/>
+          </a:fillRef>
+          <a:effectRef idx="0">
+            <a:schemeClr val="dk1"/>
+          </a:effectRef>
+          <a:fontRef idx="minor">
+            <a:schemeClr val="dk1"/>
+          </a:fontRef>
+        </p:style>
+        <p:txBody>
+          <a:bodyPr rtlCol="0" anchor="ctr"/>
+          <a:lstStyle/>
+          <a:p>
+            <a:pPr algn="ctr"/>
+            <a:r>
+              <a:rPr lang="en-US" altLang="ko-KR" sz="1100"/>
+              <a:t>Partition </a:t>
+            </a:r>
+            <a:r>
+              <a:rPr lang="en-US" altLang="ko-KR" sz="1100" dirty="0"/>
+              <a:t>2</a:t>
+            </a:r>
+            <a:endParaRPr lang="ko-KR" altLang="en-US" sz="1100" dirty="0"/>
+          </a:p>
+        </p:txBody>
+      </p:sp>
+      <p:sp>
+        <p:nvSpPr>
+          <p:cNvPr id="74" name="사각형: 둥근 모서리 73">
+            <a:extLst>
+              <a:ext uri="{FF2B5EF4-FFF2-40B4-BE49-F238E27FC236}">
+                <a16:creationId xmlns:a16="http://schemas.microsoft.com/office/drawing/2014/main" id="{310FF450-E455-4CDD-9246-557B0E07B241}"/>
+              </a:ext>
+            </a:extLst>
+          </p:cNvPr>
+          <p:cNvSpPr/>
+          <p:nvPr/>
+        </p:nvSpPr>
+        <p:spPr>
+          <a:xfrm>
+            <a:off x="1460210" y="4367379"/>
+            <a:ext cx="1872208" cy="307777"/>
+          </a:xfrm>
+          <a:prstGeom prst="roundRect">
+            <a:avLst>
+              <a:gd name="adj" fmla="val 25008"/>
+            </a:avLst>
+          </a:prstGeom>
+          <a:noFill/>
+        </p:spPr>
+        <p:style>
+          <a:lnRef idx="2">
+            <a:schemeClr val="dk1"/>
+          </a:lnRef>
+          <a:fillRef idx="1">
+            <a:schemeClr val="lt1"/>
+          </a:fillRef>
+          <a:effectRef idx="0">
+            <a:schemeClr val="dk1"/>
+          </a:effectRef>
+          <a:fontRef idx="minor">
+            <a:schemeClr val="dk1"/>
+          </a:fontRef>
+        </p:style>
+        <p:txBody>
+          <a:bodyPr rtlCol="0" anchor="ctr"/>
+          <a:lstStyle/>
+          <a:p>
+            <a:pPr algn="ctr"/>
+            <a:r>
+              <a:rPr lang="en-US" altLang="ko-KR" sz="1400"/>
+              <a:t>Zookeeper</a:t>
+            </a:r>
+            <a:endParaRPr lang="ko-KR" altLang="en-US" sz="1400" dirty="0"/>
+          </a:p>
+        </p:txBody>
+      </p:sp>
+      <p:cxnSp>
+        <p:nvCxnSpPr>
+          <p:cNvPr id="79" name="직선 화살표 연결선 78">
+            <a:extLst>
+              <a:ext uri="{FF2B5EF4-FFF2-40B4-BE49-F238E27FC236}">
+                <a16:creationId xmlns:a16="http://schemas.microsoft.com/office/drawing/2014/main" id="{2A1AECB2-35D2-425D-A059-8CED21029DBB}"/>
+              </a:ext>
+            </a:extLst>
+          </p:cNvPr>
+          <p:cNvCxnSpPr>
+            <a:cxnSpLocks/>
+            <a:stCxn id="45" idx="1"/>
+            <a:endCxn id="42" idx="3"/>
+          </p:cNvCxnSpPr>
+          <p:nvPr/>
+        </p:nvCxnSpPr>
+        <p:spPr>
+          <a:xfrm flipH="1">
+            <a:off x="5436096" y="4521268"/>
+            <a:ext cx="216025" cy="0"/>
+          </a:xfrm>
+          <a:prstGeom prst="straightConnector1">
+            <a:avLst/>
+          </a:prstGeom>
+          <a:ln w="19050">
+            <a:solidFill>
+              <a:schemeClr val="tx1"/>
+            </a:solidFill>
+            <a:headEnd type="arrow" w="med" len="med"/>
+            <a:tailEnd type="arrow" w="med" len="med"/>
+          </a:ln>
+        </p:spPr>
+        <p:style>
+          <a:lnRef idx="1">
+            <a:schemeClr val="accent1"/>
+          </a:lnRef>
+          <a:fillRef idx="0">
+            <a:schemeClr val="accent1"/>
+          </a:fillRef>
+          <a:effectRef idx="0">
+            <a:schemeClr val="accent1"/>
+          </a:effectRef>
+          <a:fontRef idx="minor">
+            <a:schemeClr val="tx1"/>
+          </a:fontRef>
+        </p:style>
+      </p:cxnSp>
+      <p:sp>
+        <p:nvSpPr>
+          <p:cNvPr id="3" name="사각형: 둥근 모서리 2">
+            <a:extLst>
+              <a:ext uri="{FF2B5EF4-FFF2-40B4-BE49-F238E27FC236}">
+                <a16:creationId xmlns:a16="http://schemas.microsoft.com/office/drawing/2014/main" id="{A0251F74-49B2-4DD0-98FA-A17BBF39C197}"/>
+              </a:ext>
+            </a:extLst>
+          </p:cNvPr>
+          <p:cNvSpPr/>
+          <p:nvPr/>
+        </p:nvSpPr>
+        <p:spPr>
+          <a:xfrm>
+            <a:off x="1568670" y="673339"/>
+            <a:ext cx="5862644" cy="1075263"/>
+          </a:xfrm>
+          <a:prstGeom prst="roundRect">
+            <a:avLst>
+              <a:gd name="adj" fmla="val 9108"/>
+            </a:avLst>
+          </a:prstGeom>
+          <a:noFill/>
+          <a:ln>
+            <a:prstDash val="dash"/>
+          </a:ln>
+        </p:spPr>
+        <p:style>
+          <a:lnRef idx="2">
+            <a:schemeClr val="dk1"/>
+          </a:lnRef>
+          <a:fillRef idx="1">
+            <a:schemeClr val="lt1"/>
+          </a:fillRef>
+          <a:effectRef idx="0">
+            <a:schemeClr val="dk1"/>
+          </a:effectRef>
+          <a:fontRef idx="minor">
+            <a:schemeClr val="dk1"/>
+          </a:fontRef>
+        </p:style>
+        <p:txBody>
+          <a:bodyPr rtlCol="0" anchor="b"/>
+          <a:lstStyle/>
+          <a:p>
+            <a:pPr algn="ctr"/>
+            <a:r>
+              <a:rPr lang="en-US" altLang="ko-KR" sz="1400"/>
+              <a:t>Topic A</a:t>
+            </a:r>
+            <a:endParaRPr lang="ko-KR" altLang="en-US" sz="1400"/>
+          </a:p>
+        </p:txBody>
+      </p:sp>
+      <p:sp>
+        <p:nvSpPr>
+          <p:cNvPr id="13" name="사각형: 둥근 모서리 12">
+            <a:extLst>
+              <a:ext uri="{FF2B5EF4-FFF2-40B4-BE49-F238E27FC236}">
+                <a16:creationId xmlns:a16="http://schemas.microsoft.com/office/drawing/2014/main" id="{22E7F032-13ED-4575-8F3C-092CC530ABC3}"/>
+              </a:ext>
+            </a:extLst>
+          </p:cNvPr>
+          <p:cNvSpPr/>
+          <p:nvPr/>
+        </p:nvSpPr>
+        <p:spPr>
+          <a:xfrm>
+            <a:off x="1691680" y="790918"/>
+            <a:ext cx="1440160" cy="268948"/>
+          </a:xfrm>
+          <a:prstGeom prst="roundRect">
+            <a:avLst>
+              <a:gd name="adj" fmla="val 14105"/>
+            </a:avLst>
+          </a:prstGeom>
+          <a:solidFill>
+            <a:schemeClr val="accent2">
+              <a:lumMod val="20000"/>
+              <a:lumOff val="80000"/>
+            </a:schemeClr>
+          </a:solidFill>
+        </p:spPr>
+        <p:style>
+          <a:lnRef idx="2">
+            <a:schemeClr val="dk1"/>
+          </a:lnRef>
+          <a:fillRef idx="1">
+            <a:schemeClr val="lt1"/>
+          </a:fillRef>
+          <a:effectRef idx="0">
+            <a:schemeClr val="dk1"/>
+          </a:effectRef>
+          <a:fontRef idx="minor">
+            <a:schemeClr val="dk1"/>
+          </a:fontRef>
+        </p:style>
+        <p:txBody>
+          <a:bodyPr rtlCol="0" anchor="ctr"/>
+          <a:lstStyle/>
+          <a:p>
+            <a:pPr algn="ctr"/>
+            <a:r>
+              <a:rPr lang="en-US" altLang="ko-KR" sz="1100"/>
+              <a:t>Partition </a:t>
+            </a:r>
+            <a:r>
+              <a:rPr lang="en-US" altLang="ko-KR" sz="1100" dirty="0"/>
+              <a:t>0</a:t>
+            </a:r>
+            <a:endParaRPr lang="ko-KR" altLang="en-US" sz="1100" dirty="0"/>
+          </a:p>
+        </p:txBody>
+      </p:sp>
+      <p:sp>
+        <p:nvSpPr>
+          <p:cNvPr id="59" name="사각형: 둥근 모서리 58">
+            <a:extLst>
+              <a:ext uri="{FF2B5EF4-FFF2-40B4-BE49-F238E27FC236}">
+                <a16:creationId xmlns:a16="http://schemas.microsoft.com/office/drawing/2014/main" id="{864C36CA-B2B1-4C62-84BC-8CE2E6415074}"/>
+              </a:ext>
+            </a:extLst>
+          </p:cNvPr>
+          <p:cNvSpPr/>
+          <p:nvPr/>
+        </p:nvSpPr>
+        <p:spPr>
+          <a:xfrm>
+            <a:off x="3779912" y="790918"/>
+            <a:ext cx="1440160" cy="268948"/>
+          </a:xfrm>
+          <a:prstGeom prst="roundRect">
+            <a:avLst>
+              <a:gd name="adj" fmla="val 14105"/>
+            </a:avLst>
+          </a:prstGeom>
+          <a:solidFill>
+            <a:schemeClr val="accent1">
+              <a:lumMod val="20000"/>
+              <a:lumOff val="80000"/>
+            </a:schemeClr>
+          </a:solidFill>
+        </p:spPr>
+        <p:style>
+          <a:lnRef idx="2">
+            <a:schemeClr val="dk1"/>
+          </a:lnRef>
+          <a:fillRef idx="1">
+            <a:schemeClr val="lt1"/>
+          </a:fillRef>
+          <a:effectRef idx="0">
+            <a:schemeClr val="dk1"/>
+          </a:effectRef>
+          <a:fontRef idx="minor">
+            <a:schemeClr val="dk1"/>
+          </a:fontRef>
+        </p:style>
+        <p:txBody>
+          <a:bodyPr rtlCol="0" anchor="ctr"/>
+          <a:lstStyle/>
+          <a:p>
+            <a:pPr algn="ctr"/>
+            <a:r>
+              <a:rPr lang="en-US" altLang="ko-KR" sz="1100"/>
+              <a:t>Partition </a:t>
+            </a:r>
+            <a:r>
+              <a:rPr lang="en-US" altLang="ko-KR" sz="1100" dirty="0"/>
+              <a:t>0</a:t>
+            </a:r>
+            <a:endParaRPr lang="ko-KR" altLang="en-US" sz="1100" dirty="0"/>
+          </a:p>
+        </p:txBody>
+      </p:sp>
+      <p:sp>
+        <p:nvSpPr>
+          <p:cNvPr id="61" name="사각형: 둥근 모서리 60">
+            <a:extLst>
+              <a:ext uri="{FF2B5EF4-FFF2-40B4-BE49-F238E27FC236}">
+                <a16:creationId xmlns:a16="http://schemas.microsoft.com/office/drawing/2014/main" id="{8847AFD1-B7E6-4B29-BB80-578C46B9A5AC}"/>
+              </a:ext>
+            </a:extLst>
+          </p:cNvPr>
+          <p:cNvSpPr/>
+          <p:nvPr/>
+        </p:nvSpPr>
+        <p:spPr>
+          <a:xfrm>
+            <a:off x="3779912" y="1157131"/>
+            <a:ext cx="1440160" cy="268948"/>
+          </a:xfrm>
+          <a:prstGeom prst="roundRect">
+            <a:avLst>
+              <a:gd name="adj" fmla="val 14105"/>
+            </a:avLst>
+          </a:prstGeom>
+          <a:solidFill>
+            <a:schemeClr val="accent2">
+              <a:lumMod val="20000"/>
+              <a:lumOff val="80000"/>
+            </a:schemeClr>
+          </a:solidFill>
+        </p:spPr>
+        <p:style>
+          <a:lnRef idx="2">
+            <a:schemeClr val="dk1"/>
+          </a:lnRef>
+          <a:fillRef idx="1">
+            <a:schemeClr val="lt1"/>
+          </a:fillRef>
+          <a:effectRef idx="0">
+            <a:schemeClr val="dk1"/>
+          </a:effectRef>
+          <a:fontRef idx="minor">
+            <a:schemeClr val="dk1"/>
+          </a:fontRef>
+        </p:style>
+        <p:txBody>
+          <a:bodyPr rtlCol="0" anchor="ctr"/>
+          <a:lstStyle/>
+          <a:p>
+            <a:pPr algn="ctr"/>
+            <a:r>
+              <a:rPr lang="en-US" altLang="ko-KR" sz="1100"/>
+              <a:t>Partition </a:t>
+            </a:r>
+            <a:r>
+              <a:rPr lang="en-US" altLang="ko-KR" sz="1100" dirty="0"/>
+              <a:t>1</a:t>
+            </a:r>
+            <a:endParaRPr lang="ko-KR" altLang="en-US" sz="1100" dirty="0"/>
+          </a:p>
+        </p:txBody>
+      </p:sp>
+      <p:sp>
+        <p:nvSpPr>
+          <p:cNvPr id="69" name="사각형: 둥근 모서리 68">
+            <a:extLst>
+              <a:ext uri="{FF2B5EF4-FFF2-40B4-BE49-F238E27FC236}">
+                <a16:creationId xmlns:a16="http://schemas.microsoft.com/office/drawing/2014/main" id="{5CBD8317-73E4-404D-BF25-BA454EE35500}"/>
+              </a:ext>
+            </a:extLst>
+          </p:cNvPr>
+          <p:cNvSpPr/>
+          <p:nvPr/>
+        </p:nvSpPr>
+        <p:spPr>
+          <a:xfrm>
+            <a:off x="5868144" y="1157131"/>
+            <a:ext cx="1440160" cy="268948"/>
+          </a:xfrm>
+          <a:prstGeom prst="roundRect">
+            <a:avLst>
+              <a:gd name="adj" fmla="val 14105"/>
+            </a:avLst>
+          </a:prstGeom>
+          <a:solidFill>
+            <a:schemeClr val="accent1">
+              <a:lumMod val="20000"/>
+              <a:lumOff val="80000"/>
+            </a:schemeClr>
+          </a:solidFill>
+        </p:spPr>
+        <p:style>
+          <a:lnRef idx="2">
+            <a:schemeClr val="dk1"/>
+          </a:lnRef>
+          <a:fillRef idx="1">
+            <a:schemeClr val="lt1"/>
+          </a:fillRef>
+          <a:effectRef idx="0">
+            <a:schemeClr val="dk1"/>
+          </a:effectRef>
+          <a:fontRef idx="minor">
+            <a:schemeClr val="dk1"/>
+          </a:fontRef>
+        </p:style>
+        <p:txBody>
+          <a:bodyPr rtlCol="0" anchor="ctr"/>
+          <a:lstStyle/>
+          <a:p>
+            <a:pPr algn="ctr"/>
+            <a:r>
+              <a:rPr lang="en-US" altLang="ko-KR" sz="1100"/>
+              <a:t>Partition </a:t>
+            </a:r>
+            <a:r>
+              <a:rPr lang="en-US" altLang="ko-KR" sz="1100" dirty="0"/>
+              <a:t>1</a:t>
+            </a:r>
+            <a:endParaRPr lang="ko-KR" altLang="en-US" sz="1100" dirty="0"/>
+          </a:p>
+        </p:txBody>
+      </p:sp>
+      <p:sp>
+        <p:nvSpPr>
+          <p:cNvPr id="31" name="사각형: 둥근 모서리 30">
+            <a:extLst>
+              <a:ext uri="{FF2B5EF4-FFF2-40B4-BE49-F238E27FC236}">
+                <a16:creationId xmlns:a16="http://schemas.microsoft.com/office/drawing/2014/main" id="{0D9F8112-227F-4F6E-A135-A2A694B0FCDB}"/>
+              </a:ext>
+            </a:extLst>
+          </p:cNvPr>
+          <p:cNvSpPr/>
+          <p:nvPr/>
+        </p:nvSpPr>
+        <p:spPr>
+          <a:xfrm>
+            <a:off x="1568670" y="1829158"/>
+            <a:ext cx="5862644" cy="633079"/>
+          </a:xfrm>
+          <a:prstGeom prst="roundRect">
+            <a:avLst>
+              <a:gd name="adj" fmla="val 9108"/>
+            </a:avLst>
+          </a:prstGeom>
+          <a:noFill/>
+          <a:ln>
+            <a:prstDash val="dash"/>
+          </a:ln>
+        </p:spPr>
+        <p:style>
+          <a:lnRef idx="2">
+            <a:schemeClr val="dk1"/>
+          </a:lnRef>
+          <a:fillRef idx="1">
+            <a:schemeClr val="lt1"/>
+          </a:fillRef>
+          <a:effectRef idx="0">
+            <a:schemeClr val="dk1"/>
+          </a:effectRef>
+          <a:fontRef idx="minor">
+            <a:schemeClr val="dk1"/>
+          </a:fontRef>
+        </p:style>
+        <p:txBody>
+          <a:bodyPr rtlCol="0" anchor="b"/>
+          <a:lstStyle/>
+          <a:p>
+            <a:pPr algn="ctr"/>
+            <a:r>
+              <a:rPr lang="en-US" altLang="ko-KR" sz="1400"/>
+              <a:t>Topic B</a:t>
+            </a:r>
+            <a:endParaRPr lang="ko-KR" altLang="en-US" sz="1400"/>
+          </a:p>
+        </p:txBody>
+      </p:sp>
+      <p:sp>
+        <p:nvSpPr>
+          <p:cNvPr id="32" name="사각형: 둥근 모서리 31">
+            <a:extLst>
+              <a:ext uri="{FF2B5EF4-FFF2-40B4-BE49-F238E27FC236}">
+                <a16:creationId xmlns:a16="http://schemas.microsoft.com/office/drawing/2014/main" id="{4E1C50CF-EB0B-4961-9D79-9F68FF1B10AD}"/>
+              </a:ext>
+            </a:extLst>
+          </p:cNvPr>
+          <p:cNvSpPr/>
+          <p:nvPr/>
+        </p:nvSpPr>
+        <p:spPr>
+          <a:xfrm>
+            <a:off x="1568670" y="2542794"/>
+            <a:ext cx="5862644" cy="1426913"/>
+          </a:xfrm>
+          <a:prstGeom prst="roundRect">
+            <a:avLst>
+              <a:gd name="adj" fmla="val 5548"/>
+            </a:avLst>
+          </a:prstGeom>
+          <a:noFill/>
+          <a:ln>
+            <a:prstDash val="dash"/>
+          </a:ln>
+        </p:spPr>
+        <p:style>
+          <a:lnRef idx="2">
+            <a:schemeClr val="dk1"/>
+          </a:lnRef>
+          <a:fillRef idx="1">
+            <a:schemeClr val="lt1"/>
+          </a:fillRef>
+          <a:effectRef idx="0">
+            <a:schemeClr val="dk1"/>
+          </a:effectRef>
+          <a:fontRef idx="minor">
+            <a:schemeClr val="dk1"/>
+          </a:fontRef>
+        </p:style>
+        <p:txBody>
+          <a:bodyPr rtlCol="0" anchor="b"/>
+          <a:lstStyle/>
+          <a:p>
+            <a:pPr algn="ctr"/>
+            <a:r>
+              <a:rPr lang="en-US" altLang="ko-KR" sz="1400"/>
+              <a:t>Topic C</a:t>
+            </a:r>
+            <a:endParaRPr lang="ko-KR" altLang="en-US" sz="1400"/>
+          </a:p>
+        </p:txBody>
+      </p:sp>
+      <p:sp>
+        <p:nvSpPr>
+          <p:cNvPr id="34" name="사각형: 둥근 모서리 33">
+            <a:extLst>
+              <a:ext uri="{FF2B5EF4-FFF2-40B4-BE49-F238E27FC236}">
+                <a16:creationId xmlns:a16="http://schemas.microsoft.com/office/drawing/2014/main" id="{886B18E4-F82A-431B-95F8-1DC0095C6A39}"/>
+              </a:ext>
+            </a:extLst>
+          </p:cNvPr>
+          <p:cNvSpPr/>
+          <p:nvPr/>
+        </p:nvSpPr>
+        <p:spPr>
+          <a:xfrm>
+            <a:off x="2627784" y="4811881"/>
+            <a:ext cx="648072" cy="246063"/>
+          </a:xfrm>
+          <a:prstGeom prst="roundRect">
+            <a:avLst>
+              <a:gd name="adj" fmla="val 14105"/>
+            </a:avLst>
+          </a:prstGeom>
+          <a:solidFill>
+            <a:schemeClr val="accent2">
+              <a:lumMod val="20000"/>
+              <a:lumOff val="80000"/>
+            </a:schemeClr>
+          </a:solidFill>
+        </p:spPr>
+        <p:style>
+          <a:lnRef idx="2">
+            <a:schemeClr val="dk1"/>
+          </a:lnRef>
+          <a:fillRef idx="1">
+            <a:schemeClr val="lt1"/>
+          </a:fillRef>
+          <a:effectRef idx="0">
+            <a:schemeClr val="dk1"/>
+          </a:effectRef>
+          <a:fontRef idx="minor">
+            <a:schemeClr val="dk1"/>
+          </a:fontRef>
+        </p:style>
+        <p:txBody>
+          <a:bodyPr rtlCol="0" anchor="ctr"/>
+          <a:lstStyle/>
+          <a:p>
+            <a:pPr algn="ctr"/>
+            <a:endParaRPr lang="ko-KR" altLang="en-US" sz="1100" dirty="0"/>
+          </a:p>
+        </p:txBody>
+      </p:sp>
+      <p:sp>
+        <p:nvSpPr>
+          <p:cNvPr id="35" name="사각형: 둥근 모서리 34">
+            <a:extLst>
+              <a:ext uri="{FF2B5EF4-FFF2-40B4-BE49-F238E27FC236}">
+                <a16:creationId xmlns:a16="http://schemas.microsoft.com/office/drawing/2014/main" id="{5552FB7B-B9C6-4993-867C-BD77AB3DB5A5}"/>
+              </a:ext>
+            </a:extLst>
+          </p:cNvPr>
+          <p:cNvSpPr/>
+          <p:nvPr/>
+        </p:nvSpPr>
+        <p:spPr>
+          <a:xfrm>
+            <a:off x="4735962" y="4811880"/>
+            <a:ext cx="648072" cy="246063"/>
+          </a:xfrm>
+          <a:prstGeom prst="roundRect">
+            <a:avLst>
+              <a:gd name="adj" fmla="val 14105"/>
+            </a:avLst>
+          </a:prstGeom>
+          <a:solidFill>
+            <a:schemeClr val="accent1">
+              <a:lumMod val="20000"/>
+              <a:lumOff val="80000"/>
+            </a:schemeClr>
+          </a:solidFill>
+        </p:spPr>
+        <p:style>
+          <a:lnRef idx="2">
+            <a:schemeClr val="dk1"/>
+          </a:lnRef>
+          <a:fillRef idx="1">
+            <a:schemeClr val="lt1"/>
+          </a:fillRef>
+          <a:effectRef idx="0">
+            <a:schemeClr val="dk1"/>
+          </a:effectRef>
+          <a:fontRef idx="minor">
+            <a:schemeClr val="dk1"/>
+          </a:fontRef>
+        </p:style>
+        <p:txBody>
+          <a:bodyPr rtlCol="0" anchor="ctr"/>
+          <a:lstStyle/>
+          <a:p>
+            <a:pPr algn="ctr"/>
+            <a:endParaRPr lang="ko-KR" altLang="en-US" sz="1100" dirty="0"/>
+          </a:p>
+        </p:txBody>
+      </p:sp>
+      <p:sp>
+        <p:nvSpPr>
+          <p:cNvPr id="5" name="TextBox 4">
+            <a:extLst>
+              <a:ext uri="{FF2B5EF4-FFF2-40B4-BE49-F238E27FC236}">
+                <a16:creationId xmlns:a16="http://schemas.microsoft.com/office/drawing/2014/main" id="{AA3D8720-8599-4976-A904-4AB34821EC41}"/>
+              </a:ext>
+            </a:extLst>
+          </p:cNvPr>
+          <p:cNvSpPr txBox="1"/>
+          <p:nvPr/>
+        </p:nvSpPr>
+        <p:spPr>
+          <a:xfrm>
+            <a:off x="3275856" y="4784253"/>
+            <a:ext cx="740026" cy="307777"/>
+          </a:xfrm>
+          <a:prstGeom prst="rect">
+            <a:avLst/>
+          </a:prstGeom>
+          <a:noFill/>
+        </p:spPr>
+        <p:txBody>
+          <a:bodyPr wrap="square" rtlCol="0" anchor="ctr">
+            <a:spAutoFit/>
+          </a:bodyPr>
+          <a:lstStyle/>
+          <a:p>
+            <a:pPr algn="ctr"/>
+            <a:r>
+              <a:rPr lang="en-US" altLang="ko-KR" sz="1400"/>
+              <a:t>Leader</a:t>
+            </a:r>
+            <a:endParaRPr lang="ko-KR" altLang="en-US" sz="1400"/>
+          </a:p>
+        </p:txBody>
+      </p:sp>
+      <p:sp>
+        <p:nvSpPr>
+          <p:cNvPr id="37" name="TextBox 36">
+            <a:extLst>
+              <a:ext uri="{FF2B5EF4-FFF2-40B4-BE49-F238E27FC236}">
+                <a16:creationId xmlns:a16="http://schemas.microsoft.com/office/drawing/2014/main" id="{138F7836-E78C-4A74-A5F9-9B87C18B1EB8}"/>
+              </a:ext>
+            </a:extLst>
+          </p:cNvPr>
+          <p:cNvSpPr txBox="1"/>
+          <p:nvPr/>
+        </p:nvSpPr>
+        <p:spPr>
+          <a:xfrm>
+            <a:off x="5384034" y="4784253"/>
+            <a:ext cx="916158" cy="307777"/>
+          </a:xfrm>
+          <a:prstGeom prst="rect">
+            <a:avLst/>
+          </a:prstGeom>
+          <a:noFill/>
+        </p:spPr>
+        <p:txBody>
+          <a:bodyPr wrap="square" rtlCol="0" anchor="ctr">
+            <a:spAutoFit/>
+          </a:bodyPr>
+          <a:lstStyle/>
+          <a:p>
+            <a:pPr algn="ctr"/>
+            <a:r>
+              <a:rPr lang="en-US" altLang="ko-KR" sz="1400"/>
+              <a:t>Follower</a:t>
+            </a:r>
+            <a:endParaRPr lang="ko-KR" altLang="en-US" sz="1400"/>
+          </a:p>
+        </p:txBody>
+      </p:sp>
+      <p:sp>
+        <p:nvSpPr>
+          <p:cNvPr id="42" name="사각형: 둥근 모서리 41">
+            <a:extLst>
+              <a:ext uri="{FF2B5EF4-FFF2-40B4-BE49-F238E27FC236}">
+                <a16:creationId xmlns:a16="http://schemas.microsoft.com/office/drawing/2014/main" id="{7926FE97-357E-4F9C-B81C-6AB1806CE577}"/>
+              </a:ext>
+            </a:extLst>
+          </p:cNvPr>
+          <p:cNvSpPr/>
+          <p:nvPr/>
+        </p:nvSpPr>
+        <p:spPr>
+          <a:xfrm>
+            <a:off x="3563888" y="4367379"/>
+            <a:ext cx="1872208" cy="307777"/>
+          </a:xfrm>
+          <a:prstGeom prst="roundRect">
+            <a:avLst>
+              <a:gd name="adj" fmla="val 25008"/>
+            </a:avLst>
+          </a:prstGeom>
+          <a:noFill/>
+        </p:spPr>
+        <p:style>
+          <a:lnRef idx="2">
+            <a:schemeClr val="dk1"/>
+          </a:lnRef>
+          <a:fillRef idx="1">
+            <a:schemeClr val="lt1"/>
+          </a:fillRef>
+          <a:effectRef idx="0">
+            <a:schemeClr val="dk1"/>
+          </a:effectRef>
+          <a:fontRef idx="minor">
+            <a:schemeClr val="dk1"/>
+          </a:fontRef>
+        </p:style>
+        <p:txBody>
+          <a:bodyPr rtlCol="0" anchor="ctr"/>
+          <a:lstStyle/>
+          <a:p>
+            <a:pPr algn="ctr"/>
+            <a:r>
+              <a:rPr lang="en-US" altLang="ko-KR" sz="1400"/>
+              <a:t>Zookeeper</a:t>
+            </a:r>
+            <a:endParaRPr lang="ko-KR" altLang="en-US" sz="1400" dirty="0"/>
+          </a:p>
+        </p:txBody>
+      </p:sp>
+      <p:sp>
+        <p:nvSpPr>
+          <p:cNvPr id="45" name="사각형: 둥근 모서리 44">
+            <a:extLst>
+              <a:ext uri="{FF2B5EF4-FFF2-40B4-BE49-F238E27FC236}">
+                <a16:creationId xmlns:a16="http://schemas.microsoft.com/office/drawing/2014/main" id="{6D7EA8E5-1AFE-4D3E-9793-FD7909C76405}"/>
+              </a:ext>
+            </a:extLst>
+          </p:cNvPr>
+          <p:cNvSpPr/>
+          <p:nvPr/>
+        </p:nvSpPr>
+        <p:spPr>
+          <a:xfrm>
+            <a:off x="5652121" y="4367379"/>
+            <a:ext cx="1872208" cy="307777"/>
+          </a:xfrm>
+          <a:prstGeom prst="roundRect">
+            <a:avLst>
+              <a:gd name="adj" fmla="val 25008"/>
+            </a:avLst>
+          </a:prstGeom>
+          <a:noFill/>
+        </p:spPr>
+        <p:style>
+          <a:lnRef idx="2">
+            <a:schemeClr val="dk1"/>
+          </a:lnRef>
+          <a:fillRef idx="1">
+            <a:schemeClr val="lt1"/>
+          </a:fillRef>
+          <a:effectRef idx="0">
+            <a:schemeClr val="dk1"/>
+          </a:effectRef>
+          <a:fontRef idx="minor">
+            <a:schemeClr val="dk1"/>
+          </a:fontRef>
+        </p:style>
+        <p:txBody>
+          <a:bodyPr rtlCol="0" anchor="ctr"/>
+          <a:lstStyle/>
+          <a:p>
+            <a:pPr algn="ctr"/>
+            <a:r>
+              <a:rPr lang="en-US" altLang="ko-KR" sz="1400"/>
+              <a:t>Zookeeper</a:t>
+            </a:r>
+            <a:endParaRPr lang="ko-KR" altLang="en-US" sz="1400" dirty="0"/>
+          </a:p>
+        </p:txBody>
+      </p:sp>
+      <p:cxnSp>
+        <p:nvCxnSpPr>
+          <p:cNvPr id="48" name="직선 화살표 연결선 47">
+            <a:extLst>
+              <a:ext uri="{FF2B5EF4-FFF2-40B4-BE49-F238E27FC236}">
+                <a16:creationId xmlns:a16="http://schemas.microsoft.com/office/drawing/2014/main" id="{CB6D47E7-F697-405F-96B3-B9D5BB94E2EE}"/>
+              </a:ext>
+            </a:extLst>
+          </p:cNvPr>
+          <p:cNvCxnSpPr>
+            <a:cxnSpLocks/>
+            <a:stCxn id="42" idx="1"/>
+            <a:endCxn id="74" idx="3"/>
+          </p:cNvCxnSpPr>
+          <p:nvPr/>
+        </p:nvCxnSpPr>
+        <p:spPr>
+          <a:xfrm flipH="1">
+            <a:off x="3332418" y="4521268"/>
+            <a:ext cx="231470" cy="0"/>
+          </a:xfrm>
+          <a:prstGeom prst="straightConnector1">
+            <a:avLst/>
+          </a:prstGeom>
+          <a:ln w="19050">
+            <a:solidFill>
+              <a:schemeClr val="tx1"/>
+            </a:solidFill>
+            <a:headEnd type="arrow" w="med" len="med"/>
+            <a:tailEnd type="arrow" w="med" len="med"/>
+          </a:ln>
+        </p:spPr>
+        <p:style>
+          <a:lnRef idx="1">
+            <a:schemeClr val="accent1"/>
+          </a:lnRef>
+          <a:fillRef idx="0">
+            <a:schemeClr val="accent1"/>
+          </a:fillRef>
+          <a:effectRef idx="0">
+            <a:schemeClr val="accent1"/>
+          </a:effectRef>
+          <a:fontRef idx="minor">
+            <a:schemeClr val="tx1"/>
+          </a:fontRef>
+        </p:style>
+      </p:cxnSp>
+      <p:sp>
+        <p:nvSpPr>
+          <p:cNvPr id="38" name="사각형: 둥근 모서리 37">
+            <a:extLst>
+              <a:ext uri="{FF2B5EF4-FFF2-40B4-BE49-F238E27FC236}">
+                <a16:creationId xmlns:a16="http://schemas.microsoft.com/office/drawing/2014/main" id="{B7B25373-50AE-467C-BEDE-1C8BBBA044B7}"/>
+              </a:ext>
+            </a:extLst>
+          </p:cNvPr>
+          <p:cNvSpPr/>
+          <p:nvPr/>
+        </p:nvSpPr>
+        <p:spPr>
+          <a:xfrm>
+            <a:off x="103008" y="1097549"/>
+            <a:ext cx="1141178" cy="416434"/>
+          </a:xfrm>
+          <a:prstGeom prst="roundRect">
+            <a:avLst/>
+          </a:prstGeom>
+        </p:spPr>
+        <p:style>
+          <a:lnRef idx="2">
+            <a:schemeClr val="dk1"/>
+          </a:lnRef>
+          <a:fillRef idx="1">
+            <a:schemeClr val="lt1"/>
+          </a:fillRef>
+          <a:effectRef idx="0">
+            <a:schemeClr val="dk1"/>
+          </a:effectRef>
+          <a:fontRef idx="minor">
+            <a:schemeClr val="dk1"/>
+          </a:fontRef>
+        </p:style>
+        <p:txBody>
+          <a:bodyPr rtlCol="0" anchor="ctr"/>
+          <a:lstStyle/>
+          <a:p>
+            <a:pPr algn="ctr"/>
+            <a:r>
+              <a:rPr lang="en-US" altLang="ko-KR" sz="1200"/>
+              <a:t>Producer </a:t>
+            </a:r>
+            <a:r>
+              <a:rPr lang="en-US" altLang="ko-KR" sz="1200" dirty="0"/>
+              <a:t>A</a:t>
+            </a:r>
+            <a:endParaRPr lang="ko-KR" altLang="en-US" sz="1200" dirty="0"/>
+          </a:p>
+        </p:txBody>
+      </p:sp>
+      <p:sp>
+        <p:nvSpPr>
+          <p:cNvPr id="78" name="사각형: 둥근 모서리 77">
+            <a:extLst>
+              <a:ext uri="{FF2B5EF4-FFF2-40B4-BE49-F238E27FC236}">
+                <a16:creationId xmlns:a16="http://schemas.microsoft.com/office/drawing/2014/main" id="{8B6FFC3F-0F73-42FC-B7A4-25773E49456F}"/>
+              </a:ext>
+            </a:extLst>
+          </p:cNvPr>
+          <p:cNvSpPr/>
+          <p:nvPr/>
+        </p:nvSpPr>
+        <p:spPr>
+          <a:xfrm>
+            <a:off x="103008" y="2170311"/>
+            <a:ext cx="1141178" cy="416434"/>
+          </a:xfrm>
+          <a:prstGeom prst="roundRect">
+            <a:avLst/>
+          </a:prstGeom>
+        </p:spPr>
+        <p:style>
+          <a:lnRef idx="2">
+            <a:schemeClr val="dk1"/>
+          </a:lnRef>
+          <a:fillRef idx="1">
+            <a:schemeClr val="lt1"/>
+          </a:fillRef>
+          <a:effectRef idx="0">
+            <a:schemeClr val="dk1"/>
+          </a:effectRef>
+          <a:fontRef idx="minor">
+            <a:schemeClr val="dk1"/>
+          </a:fontRef>
+        </p:style>
+        <p:txBody>
+          <a:bodyPr rtlCol="0" anchor="ctr"/>
+          <a:lstStyle/>
+          <a:p>
+            <a:pPr algn="ctr"/>
+            <a:r>
+              <a:rPr lang="en-US" altLang="ko-KR" sz="1200"/>
+              <a:t>Producer </a:t>
+            </a:r>
+            <a:r>
+              <a:rPr lang="en-US" altLang="ko-KR" sz="1200" dirty="0"/>
+              <a:t>B</a:t>
+            </a:r>
+            <a:endParaRPr lang="ko-KR" altLang="en-US" sz="1200" dirty="0"/>
+          </a:p>
+        </p:txBody>
+      </p:sp>
+      <p:sp>
+        <p:nvSpPr>
+          <p:cNvPr id="80" name="사각형: 둥근 모서리 79">
+            <a:extLst>
+              <a:ext uri="{FF2B5EF4-FFF2-40B4-BE49-F238E27FC236}">
+                <a16:creationId xmlns:a16="http://schemas.microsoft.com/office/drawing/2014/main" id="{6A56D844-3A39-4FAE-88C9-72BB2432EFE4}"/>
+              </a:ext>
+            </a:extLst>
+          </p:cNvPr>
+          <p:cNvSpPr/>
+          <p:nvPr/>
+        </p:nvSpPr>
+        <p:spPr>
+          <a:xfrm>
+            <a:off x="103008" y="3243073"/>
+            <a:ext cx="1141178" cy="416434"/>
+          </a:xfrm>
+          <a:prstGeom prst="roundRect">
+            <a:avLst/>
+          </a:prstGeom>
+        </p:spPr>
+        <p:style>
+          <a:lnRef idx="2">
+            <a:schemeClr val="dk1"/>
+          </a:lnRef>
+          <a:fillRef idx="1">
+            <a:schemeClr val="lt1"/>
+          </a:fillRef>
+          <a:effectRef idx="0">
+            <a:schemeClr val="dk1"/>
+          </a:effectRef>
+          <a:fontRef idx="minor">
+            <a:schemeClr val="dk1"/>
+          </a:fontRef>
+        </p:style>
+        <p:txBody>
+          <a:bodyPr rtlCol="0" anchor="ctr"/>
+          <a:lstStyle/>
+          <a:p>
+            <a:pPr algn="ctr"/>
+            <a:r>
+              <a:rPr lang="en-US" altLang="ko-KR" sz="1200"/>
+              <a:t>Producer </a:t>
+            </a:r>
+            <a:r>
+              <a:rPr lang="en-US" altLang="ko-KR" sz="1200" dirty="0"/>
+              <a:t>C</a:t>
+            </a:r>
+            <a:endParaRPr lang="ko-KR" altLang="en-US" sz="1200" dirty="0"/>
+          </a:p>
+        </p:txBody>
+      </p:sp>
+      <p:sp>
+        <p:nvSpPr>
+          <p:cNvPr id="81" name="사각형: 둥근 모서리 80">
+            <a:extLst>
+              <a:ext uri="{FF2B5EF4-FFF2-40B4-BE49-F238E27FC236}">
+                <a16:creationId xmlns:a16="http://schemas.microsoft.com/office/drawing/2014/main" id="{9F07D10F-C9DC-4075-B58E-8556A0E71E12}"/>
+              </a:ext>
+            </a:extLst>
+          </p:cNvPr>
+          <p:cNvSpPr/>
+          <p:nvPr/>
+        </p:nvSpPr>
+        <p:spPr>
+          <a:xfrm>
+            <a:off x="7740352" y="771550"/>
+            <a:ext cx="1141178" cy="416434"/>
+          </a:xfrm>
+          <a:prstGeom prst="roundRect">
+            <a:avLst/>
+          </a:prstGeom>
+        </p:spPr>
+        <p:style>
+          <a:lnRef idx="2">
+            <a:schemeClr val="dk1"/>
+          </a:lnRef>
+          <a:fillRef idx="1">
+            <a:schemeClr val="lt1"/>
+          </a:fillRef>
+          <a:effectRef idx="0">
+            <a:schemeClr val="dk1"/>
+          </a:effectRef>
+          <a:fontRef idx="minor">
+            <a:schemeClr val="dk1"/>
+          </a:fontRef>
+        </p:style>
+        <p:txBody>
+          <a:bodyPr rtlCol="0" anchor="ctr"/>
+          <a:lstStyle/>
+          <a:p>
+            <a:pPr algn="ctr"/>
+            <a:r>
+              <a:rPr lang="en-US" altLang="ko-KR" sz="1200"/>
+              <a:t>Consumer </a:t>
+            </a:r>
+            <a:r>
+              <a:rPr lang="en-US" altLang="ko-KR" sz="1200" dirty="0"/>
+              <a:t>A</a:t>
+            </a:r>
+            <a:endParaRPr lang="ko-KR" altLang="en-US" sz="1200" dirty="0"/>
+          </a:p>
+        </p:txBody>
+      </p:sp>
+      <p:sp>
+        <p:nvSpPr>
+          <p:cNvPr id="82" name="사각형: 둥근 모서리 81">
+            <a:extLst>
+              <a:ext uri="{FF2B5EF4-FFF2-40B4-BE49-F238E27FC236}">
+                <a16:creationId xmlns:a16="http://schemas.microsoft.com/office/drawing/2014/main" id="{C4D72DD1-FC8F-46BA-A10C-BF650166CC54}"/>
+              </a:ext>
+            </a:extLst>
+          </p:cNvPr>
+          <p:cNvSpPr/>
+          <p:nvPr/>
+        </p:nvSpPr>
+        <p:spPr>
+          <a:xfrm>
+            <a:off x="7740352" y="1844312"/>
+            <a:ext cx="1141178" cy="416434"/>
+          </a:xfrm>
+          <a:prstGeom prst="roundRect">
+            <a:avLst/>
+          </a:prstGeom>
+        </p:spPr>
+        <p:style>
+          <a:lnRef idx="2">
+            <a:schemeClr val="dk1"/>
+          </a:lnRef>
+          <a:fillRef idx="1">
+            <a:schemeClr val="lt1"/>
+          </a:fillRef>
+          <a:effectRef idx="0">
+            <a:schemeClr val="dk1"/>
+          </a:effectRef>
+          <a:fontRef idx="minor">
+            <a:schemeClr val="dk1"/>
+          </a:fontRef>
+        </p:style>
+        <p:txBody>
+          <a:bodyPr rtlCol="0" anchor="ctr"/>
+          <a:lstStyle/>
+          <a:p>
+            <a:pPr algn="ctr"/>
+            <a:r>
+              <a:rPr lang="en-US" altLang="ko-KR" sz="1200"/>
+              <a:t>Consumer B</a:t>
+            </a:r>
+            <a:endParaRPr lang="ko-KR" altLang="en-US" sz="1200" dirty="0"/>
+          </a:p>
+        </p:txBody>
+      </p:sp>
+      <p:sp>
+        <p:nvSpPr>
+          <p:cNvPr id="83" name="사각형: 둥근 모서리 82">
+            <a:extLst>
+              <a:ext uri="{FF2B5EF4-FFF2-40B4-BE49-F238E27FC236}">
+                <a16:creationId xmlns:a16="http://schemas.microsoft.com/office/drawing/2014/main" id="{CFB5091D-D8F5-49D3-87E6-8E7244392DF0}"/>
+              </a:ext>
+            </a:extLst>
+          </p:cNvPr>
+          <p:cNvSpPr/>
+          <p:nvPr/>
+        </p:nvSpPr>
+        <p:spPr>
+          <a:xfrm>
+            <a:off x="7740352" y="2917074"/>
+            <a:ext cx="1141178" cy="416434"/>
+          </a:xfrm>
+          <a:prstGeom prst="roundRect">
+            <a:avLst/>
+          </a:prstGeom>
+        </p:spPr>
+        <p:style>
+          <a:lnRef idx="2">
+            <a:schemeClr val="dk1"/>
+          </a:lnRef>
+          <a:fillRef idx="1">
+            <a:schemeClr val="lt1"/>
+          </a:fillRef>
+          <a:effectRef idx="0">
+            <a:schemeClr val="dk1"/>
+          </a:effectRef>
+          <a:fontRef idx="minor">
+            <a:schemeClr val="dk1"/>
+          </a:fontRef>
+        </p:style>
+        <p:txBody>
+          <a:bodyPr rtlCol="0" anchor="ctr"/>
+          <a:lstStyle/>
+          <a:p>
+            <a:pPr algn="ctr"/>
+            <a:r>
+              <a:rPr lang="en-US" altLang="ko-KR" sz="1200"/>
+              <a:t>Consumer C</a:t>
+            </a:r>
+            <a:endParaRPr lang="ko-KR" altLang="en-US" sz="1200" dirty="0"/>
+          </a:p>
+        </p:txBody>
+      </p:sp>
+      <p:sp>
+        <p:nvSpPr>
+          <p:cNvPr id="84" name="사각형: 둥근 모서리 83">
+            <a:extLst>
+              <a:ext uri="{FF2B5EF4-FFF2-40B4-BE49-F238E27FC236}">
+                <a16:creationId xmlns:a16="http://schemas.microsoft.com/office/drawing/2014/main" id="{5C76F3D5-D69D-4D9F-B170-171D7880608F}"/>
+              </a:ext>
+            </a:extLst>
+          </p:cNvPr>
+          <p:cNvSpPr/>
+          <p:nvPr/>
+        </p:nvSpPr>
+        <p:spPr>
+          <a:xfrm>
+            <a:off x="7740352" y="3435846"/>
+            <a:ext cx="1141178" cy="416434"/>
+          </a:xfrm>
+          <a:prstGeom prst="roundRect">
+            <a:avLst/>
+          </a:prstGeom>
+        </p:spPr>
+        <p:style>
+          <a:lnRef idx="2">
+            <a:schemeClr val="dk1"/>
+          </a:lnRef>
+          <a:fillRef idx="1">
+            <a:schemeClr val="lt1"/>
+          </a:fillRef>
+          <a:effectRef idx="0">
+            <a:schemeClr val="dk1"/>
+          </a:effectRef>
+          <a:fontRef idx="minor">
+            <a:schemeClr val="dk1"/>
+          </a:fontRef>
+        </p:style>
+        <p:txBody>
+          <a:bodyPr rtlCol="0" anchor="ctr"/>
+          <a:lstStyle/>
+          <a:p>
+            <a:pPr algn="ctr"/>
+            <a:r>
+              <a:rPr lang="en-US" altLang="ko-KR" sz="1200"/>
+              <a:t>Consumer D</a:t>
+            </a:r>
+            <a:endParaRPr lang="ko-KR" altLang="en-US" sz="1200" dirty="0"/>
+          </a:p>
+        </p:txBody>
+      </p:sp>
+      <p:cxnSp>
+        <p:nvCxnSpPr>
+          <p:cNvPr id="6" name="직선 화살표 연결선 5">
+            <a:extLst>
+              <a:ext uri="{FF2B5EF4-FFF2-40B4-BE49-F238E27FC236}">
+                <a16:creationId xmlns:a16="http://schemas.microsoft.com/office/drawing/2014/main" id="{EEAE1B70-5925-437E-B3CF-A9707C4A4B15}"/>
+              </a:ext>
+            </a:extLst>
+          </p:cNvPr>
+          <p:cNvCxnSpPr>
+            <a:stCxn id="38" idx="3"/>
+          </p:cNvCxnSpPr>
+          <p:nvPr/>
+        </p:nvCxnSpPr>
+        <p:spPr>
+          <a:xfrm flipV="1">
+            <a:off x="1244186" y="925392"/>
+            <a:ext cx="447494" cy="380374"/>
+          </a:xfrm>
+          <a:prstGeom prst="straightConnector1">
+            <a:avLst/>
+          </a:prstGeom>
+          <a:ln w="28575">
+            <a:solidFill>
+              <a:schemeClr val="tx2"/>
+            </a:solidFill>
+            <a:prstDash val="solid"/>
+            <a:headEnd type="none" w="med" len="med"/>
+            <a:tailEnd type="arrow" w="med" len="med"/>
+          </a:ln>
+        </p:spPr>
+        <p:style>
+          <a:lnRef idx="1">
+            <a:schemeClr val="accent1"/>
+          </a:lnRef>
+          <a:fillRef idx="0">
+            <a:schemeClr val="accent1"/>
+          </a:fillRef>
+          <a:effectRef idx="0">
+            <a:schemeClr val="accent1"/>
+          </a:effectRef>
+          <a:fontRef idx="minor">
+            <a:schemeClr val="tx1"/>
+          </a:fontRef>
+        </p:style>
+      </p:cxnSp>
+      <p:cxnSp>
+        <p:nvCxnSpPr>
+          <p:cNvPr id="85" name="직선 화살표 연결선 84">
+            <a:extLst>
+              <a:ext uri="{FF2B5EF4-FFF2-40B4-BE49-F238E27FC236}">
+                <a16:creationId xmlns:a16="http://schemas.microsoft.com/office/drawing/2014/main" id="{16B2F5D9-D4F3-4913-A76F-99B16F098429}"/>
+              </a:ext>
+            </a:extLst>
+          </p:cNvPr>
+          <p:cNvCxnSpPr>
+            <a:cxnSpLocks/>
+            <a:endCxn id="81" idx="1"/>
+          </p:cNvCxnSpPr>
+          <p:nvPr/>
+        </p:nvCxnSpPr>
+        <p:spPr>
+          <a:xfrm>
+            <a:off x="3131840" y="943675"/>
+            <a:ext cx="4608512" cy="36092"/>
+          </a:xfrm>
+          <a:prstGeom prst="straightConnector1">
+            <a:avLst/>
+          </a:prstGeom>
+          <a:ln w="28575">
+            <a:solidFill>
+              <a:schemeClr val="tx2"/>
+            </a:solidFill>
+            <a:prstDash val="solid"/>
+            <a:headEnd type="none" w="med" len="med"/>
+            <a:tailEnd type="arrow" w="med" len="med"/>
+          </a:ln>
+        </p:spPr>
+        <p:style>
+          <a:lnRef idx="1">
+            <a:schemeClr val="accent1"/>
+          </a:lnRef>
+          <a:fillRef idx="0">
+            <a:schemeClr val="accent1"/>
+          </a:fillRef>
+          <a:effectRef idx="0">
+            <a:schemeClr val="accent1"/>
+          </a:effectRef>
+          <a:fontRef idx="minor">
+            <a:schemeClr val="tx1"/>
+          </a:fontRef>
+        </p:style>
+      </p:cxnSp>
+      <p:cxnSp>
+        <p:nvCxnSpPr>
+          <p:cNvPr id="86" name="직선 화살표 연결선 85">
+            <a:extLst>
+              <a:ext uri="{FF2B5EF4-FFF2-40B4-BE49-F238E27FC236}">
+                <a16:creationId xmlns:a16="http://schemas.microsoft.com/office/drawing/2014/main" id="{CF23508B-8B5C-4448-91E4-DC33AAB63548}"/>
+              </a:ext>
+            </a:extLst>
+          </p:cNvPr>
+          <p:cNvCxnSpPr>
+            <a:cxnSpLocks/>
+            <a:stCxn id="78" idx="3"/>
+          </p:cNvCxnSpPr>
+          <p:nvPr/>
+        </p:nvCxnSpPr>
+        <p:spPr>
+          <a:xfrm flipV="1">
+            <a:off x="1244186" y="2047404"/>
+            <a:ext cx="4597927" cy="331124"/>
+          </a:xfrm>
+          <a:prstGeom prst="straightConnector1">
+            <a:avLst/>
+          </a:prstGeom>
+          <a:ln w="28575">
+            <a:solidFill>
+              <a:schemeClr val="tx2"/>
+            </a:solidFill>
+            <a:prstDash val="solid"/>
+            <a:headEnd type="none" w="med" len="med"/>
+            <a:tailEnd type="arrow" w="med" len="med"/>
+          </a:ln>
+        </p:spPr>
+        <p:style>
+          <a:lnRef idx="1">
+            <a:schemeClr val="accent1"/>
+          </a:lnRef>
+          <a:fillRef idx="0">
+            <a:schemeClr val="accent1"/>
+          </a:fillRef>
+          <a:effectRef idx="0">
+            <a:schemeClr val="accent1"/>
+          </a:effectRef>
+          <a:fontRef idx="minor">
+            <a:schemeClr val="tx1"/>
+          </a:fontRef>
+        </p:style>
+      </p:cxnSp>
+      <p:cxnSp>
+        <p:nvCxnSpPr>
+          <p:cNvPr id="87" name="직선 화살표 연결선 86">
+            <a:extLst>
+              <a:ext uri="{FF2B5EF4-FFF2-40B4-BE49-F238E27FC236}">
+                <a16:creationId xmlns:a16="http://schemas.microsoft.com/office/drawing/2014/main" id="{F6B73E2E-C8B7-4DE1-AF83-054237B73542}"/>
+              </a:ext>
+            </a:extLst>
+          </p:cNvPr>
+          <p:cNvCxnSpPr>
+            <a:cxnSpLocks/>
+            <a:stCxn id="70" idx="3"/>
+            <a:endCxn id="82" idx="1"/>
+          </p:cNvCxnSpPr>
+          <p:nvPr/>
+        </p:nvCxnSpPr>
+        <p:spPr>
+          <a:xfrm>
+            <a:off x="7308304" y="2036081"/>
+            <a:ext cx="432048" cy="16448"/>
+          </a:xfrm>
+          <a:prstGeom prst="straightConnector1">
+            <a:avLst/>
+          </a:prstGeom>
+          <a:ln w="28575">
+            <a:solidFill>
+              <a:schemeClr val="tx2"/>
+            </a:solidFill>
+            <a:prstDash val="solid"/>
+            <a:headEnd type="none" w="med" len="med"/>
+            <a:tailEnd type="arrow" w="med" len="med"/>
+          </a:ln>
+        </p:spPr>
+        <p:style>
+          <a:lnRef idx="1">
+            <a:schemeClr val="accent1"/>
+          </a:lnRef>
+          <a:fillRef idx="0">
+            <a:schemeClr val="accent1"/>
+          </a:fillRef>
+          <a:effectRef idx="0">
+            <a:schemeClr val="accent1"/>
+          </a:effectRef>
+          <a:fontRef idx="minor">
+            <a:schemeClr val="tx1"/>
+          </a:fontRef>
+        </p:style>
+      </p:cxnSp>
+      <p:cxnSp>
+        <p:nvCxnSpPr>
+          <p:cNvPr id="88" name="직선 화살표 연결선 87">
+            <a:extLst>
+              <a:ext uri="{FF2B5EF4-FFF2-40B4-BE49-F238E27FC236}">
+                <a16:creationId xmlns:a16="http://schemas.microsoft.com/office/drawing/2014/main" id="{170D7608-5335-4604-8903-F2580A0F999D}"/>
+              </a:ext>
+            </a:extLst>
+          </p:cNvPr>
+          <p:cNvCxnSpPr>
+            <a:cxnSpLocks/>
+            <a:stCxn id="65" idx="3"/>
+            <a:endCxn id="83" idx="1"/>
+          </p:cNvCxnSpPr>
+          <p:nvPr/>
+        </p:nvCxnSpPr>
+        <p:spPr>
+          <a:xfrm flipV="1">
+            <a:off x="5220072" y="3125291"/>
+            <a:ext cx="2520280" cy="33530"/>
+          </a:xfrm>
+          <a:prstGeom prst="straightConnector1">
+            <a:avLst/>
+          </a:prstGeom>
+          <a:ln w="28575">
+            <a:solidFill>
+              <a:schemeClr val="tx2"/>
+            </a:solidFill>
+            <a:prstDash val="solid"/>
+            <a:headEnd type="none" w="med" len="med"/>
+            <a:tailEnd type="arrow" w="med" len="med"/>
+          </a:ln>
+        </p:spPr>
+        <p:style>
+          <a:lnRef idx="1">
+            <a:schemeClr val="accent1"/>
+          </a:lnRef>
+          <a:fillRef idx="0">
+            <a:schemeClr val="accent1"/>
+          </a:fillRef>
+          <a:effectRef idx="0">
+            <a:schemeClr val="accent1"/>
+          </a:effectRef>
+          <a:fontRef idx="minor">
+            <a:schemeClr val="tx1"/>
+          </a:fontRef>
+        </p:style>
+      </p:cxnSp>
+      <p:cxnSp>
+        <p:nvCxnSpPr>
+          <p:cNvPr id="89" name="직선 화살표 연결선 88">
+            <a:extLst>
+              <a:ext uri="{FF2B5EF4-FFF2-40B4-BE49-F238E27FC236}">
+                <a16:creationId xmlns:a16="http://schemas.microsoft.com/office/drawing/2014/main" id="{6B4E168C-AEBA-46E6-B446-75CCD2E90006}"/>
+              </a:ext>
+            </a:extLst>
+          </p:cNvPr>
+          <p:cNvCxnSpPr>
+            <a:cxnSpLocks/>
+            <a:stCxn id="73" idx="3"/>
+            <a:endCxn id="84" idx="1"/>
+          </p:cNvCxnSpPr>
+          <p:nvPr/>
+        </p:nvCxnSpPr>
+        <p:spPr>
+          <a:xfrm>
+            <a:off x="7308304" y="3525033"/>
+            <a:ext cx="432048" cy="119030"/>
+          </a:xfrm>
+          <a:prstGeom prst="straightConnector1">
+            <a:avLst/>
+          </a:prstGeom>
+          <a:ln w="28575">
+            <a:solidFill>
+              <a:schemeClr val="tx2"/>
+            </a:solidFill>
+            <a:prstDash val="solid"/>
+            <a:headEnd type="none" w="med" len="med"/>
+            <a:tailEnd type="arrow" w="med" len="med"/>
+          </a:ln>
+        </p:spPr>
+        <p:style>
+          <a:lnRef idx="1">
+            <a:schemeClr val="accent1"/>
+          </a:lnRef>
+          <a:fillRef idx="0">
+            <a:schemeClr val="accent1"/>
+          </a:fillRef>
+          <a:effectRef idx="0">
+            <a:schemeClr val="accent1"/>
+          </a:effectRef>
+          <a:fontRef idx="minor">
+            <a:schemeClr val="tx1"/>
+          </a:fontRef>
+        </p:style>
+      </p:cxnSp>
+      <p:cxnSp>
+        <p:nvCxnSpPr>
+          <p:cNvPr id="91" name="직선 화살표 연결선 90">
+            <a:extLst>
+              <a:ext uri="{FF2B5EF4-FFF2-40B4-BE49-F238E27FC236}">
+                <a16:creationId xmlns:a16="http://schemas.microsoft.com/office/drawing/2014/main" id="{71AEBCC0-223F-40D1-9805-D8C633B2C57F}"/>
+              </a:ext>
+            </a:extLst>
+          </p:cNvPr>
+          <p:cNvCxnSpPr>
+            <a:cxnSpLocks/>
+            <a:stCxn id="80" idx="3"/>
+            <a:endCxn id="73" idx="1"/>
+          </p:cNvCxnSpPr>
+          <p:nvPr/>
+        </p:nvCxnSpPr>
+        <p:spPr>
+          <a:xfrm>
+            <a:off x="1244186" y="3451290"/>
+            <a:ext cx="4623958" cy="73743"/>
+          </a:xfrm>
+          <a:prstGeom prst="straightConnector1">
+            <a:avLst/>
+          </a:prstGeom>
+          <a:ln w="28575">
+            <a:solidFill>
+              <a:schemeClr val="tx2"/>
+            </a:solidFill>
+            <a:prstDash val="solid"/>
+            <a:headEnd type="none" w="med" len="med"/>
+            <a:tailEnd type="arrow" w="med" len="med"/>
+          </a:ln>
+        </p:spPr>
+        <p:style>
+          <a:lnRef idx="1">
+            <a:schemeClr val="accent1"/>
+          </a:lnRef>
+          <a:fillRef idx="0">
+            <a:schemeClr val="accent1"/>
+          </a:fillRef>
+          <a:effectRef idx="0">
+            <a:schemeClr val="accent1"/>
+          </a:effectRef>
+          <a:fontRef idx="minor">
+            <a:schemeClr val="tx1"/>
+          </a:fontRef>
+        </p:style>
+      </p:cxnSp>
+      <p:cxnSp>
+        <p:nvCxnSpPr>
+          <p:cNvPr id="95" name="직선 화살표 연결선 94">
+            <a:extLst>
+              <a:ext uri="{FF2B5EF4-FFF2-40B4-BE49-F238E27FC236}">
+                <a16:creationId xmlns:a16="http://schemas.microsoft.com/office/drawing/2014/main" id="{6C19F185-4478-453E-B72F-A49F6B802877}"/>
+              </a:ext>
+            </a:extLst>
+          </p:cNvPr>
+          <p:cNvCxnSpPr>
+            <a:cxnSpLocks/>
+            <a:stCxn id="61" idx="3"/>
+            <a:endCxn id="81" idx="1"/>
+          </p:cNvCxnSpPr>
+          <p:nvPr/>
+        </p:nvCxnSpPr>
+        <p:spPr>
+          <a:xfrm flipV="1">
+            <a:off x="5220072" y="979767"/>
+            <a:ext cx="2520280" cy="311838"/>
+          </a:xfrm>
+          <a:prstGeom prst="straightConnector1">
+            <a:avLst/>
+          </a:prstGeom>
+          <a:ln w="28575">
+            <a:solidFill>
+              <a:schemeClr val="tx2"/>
+            </a:solidFill>
+            <a:prstDash val="solid"/>
+            <a:headEnd type="none" w="med" len="med"/>
+            <a:tailEnd type="arrow" w="med" len="med"/>
+          </a:ln>
+        </p:spPr>
+        <p:style>
+          <a:lnRef idx="1">
+            <a:schemeClr val="accent1"/>
+          </a:lnRef>
+          <a:fillRef idx="0">
+            <a:schemeClr val="accent1"/>
+          </a:fillRef>
+          <a:effectRef idx="0">
+            <a:schemeClr val="accent1"/>
+          </a:effectRef>
+          <a:fontRef idx="minor">
+            <a:schemeClr val="tx1"/>
+          </a:fontRef>
+        </p:style>
+      </p:cxnSp>
+      <p:cxnSp>
+        <p:nvCxnSpPr>
+          <p:cNvPr id="97" name="직선 화살표 연결선 96">
+            <a:extLst>
+              <a:ext uri="{FF2B5EF4-FFF2-40B4-BE49-F238E27FC236}">
+                <a16:creationId xmlns:a16="http://schemas.microsoft.com/office/drawing/2014/main" id="{354D825F-17E5-4991-B901-9EC60D9D2134}"/>
+              </a:ext>
+            </a:extLst>
+          </p:cNvPr>
+          <p:cNvCxnSpPr>
+            <a:cxnSpLocks/>
+            <a:stCxn id="38" idx="3"/>
+            <a:endCxn id="61" idx="1"/>
+          </p:cNvCxnSpPr>
+          <p:nvPr/>
+        </p:nvCxnSpPr>
+        <p:spPr>
+          <a:xfrm flipV="1">
+            <a:off x="1244186" y="1291605"/>
+            <a:ext cx="2535726" cy="14161"/>
+          </a:xfrm>
+          <a:prstGeom prst="straightConnector1">
+            <a:avLst/>
+          </a:prstGeom>
+          <a:ln w="28575">
+            <a:solidFill>
+              <a:schemeClr val="tx2"/>
+            </a:solidFill>
+            <a:prstDash val="solid"/>
+            <a:headEnd type="none" w="med" len="med"/>
+            <a:tailEnd type="arrow" w="med" len="med"/>
+          </a:ln>
+        </p:spPr>
+        <p:style>
+          <a:lnRef idx="1">
+            <a:schemeClr val="accent1"/>
+          </a:lnRef>
+          <a:fillRef idx="0">
+            <a:schemeClr val="accent1"/>
+          </a:fillRef>
+          <a:effectRef idx="0">
+            <a:schemeClr val="accent1"/>
+          </a:effectRef>
+          <a:fontRef idx="minor">
+            <a:schemeClr val="tx1"/>
+          </a:fontRef>
+        </p:style>
+      </p:cxnSp>
+      <p:cxnSp>
+        <p:nvCxnSpPr>
+          <p:cNvPr id="98" name="직선 화살표 연결선 97">
+            <a:extLst>
+              <a:ext uri="{FF2B5EF4-FFF2-40B4-BE49-F238E27FC236}">
+                <a16:creationId xmlns:a16="http://schemas.microsoft.com/office/drawing/2014/main" id="{6CB5616E-2899-4C96-A38F-F0EF613B5486}"/>
+              </a:ext>
+            </a:extLst>
+          </p:cNvPr>
+          <p:cNvCxnSpPr>
+            <a:cxnSpLocks/>
+            <a:stCxn id="80" idx="3"/>
+            <a:endCxn id="65" idx="1"/>
+          </p:cNvCxnSpPr>
+          <p:nvPr/>
+        </p:nvCxnSpPr>
+        <p:spPr>
+          <a:xfrm flipV="1">
+            <a:off x="1244186" y="3158821"/>
+            <a:ext cx="2535726" cy="292469"/>
+          </a:xfrm>
+          <a:prstGeom prst="straightConnector1">
+            <a:avLst/>
+          </a:prstGeom>
+          <a:ln w="28575">
+            <a:solidFill>
+              <a:schemeClr val="tx2"/>
+            </a:solidFill>
+            <a:prstDash val="solid"/>
+            <a:headEnd type="none" w="med" len="med"/>
+            <a:tailEnd type="arrow" w="med" len="med"/>
+          </a:ln>
+        </p:spPr>
+        <p:style>
+          <a:lnRef idx="1">
+            <a:schemeClr val="accent1"/>
+          </a:lnRef>
+          <a:fillRef idx="0">
+            <a:schemeClr val="accent1"/>
+          </a:fillRef>
+          <a:effectRef idx="0">
+            <a:schemeClr val="accent1"/>
+          </a:effectRef>
+          <a:fontRef idx="minor">
+            <a:schemeClr val="tx1"/>
+          </a:fontRef>
+        </p:style>
+      </p:cxnSp>
+      <p:cxnSp>
+        <p:nvCxnSpPr>
+          <p:cNvPr id="99" name="직선 화살표 연결선 98">
+            <a:extLst>
+              <a:ext uri="{FF2B5EF4-FFF2-40B4-BE49-F238E27FC236}">
+                <a16:creationId xmlns:a16="http://schemas.microsoft.com/office/drawing/2014/main" id="{35647069-E83F-405E-AD50-37D4813294FF}"/>
+              </a:ext>
+            </a:extLst>
+          </p:cNvPr>
+          <p:cNvCxnSpPr>
+            <a:cxnSpLocks/>
+            <a:stCxn id="80" idx="3"/>
+            <a:endCxn id="55" idx="1"/>
+          </p:cNvCxnSpPr>
+          <p:nvPr/>
+        </p:nvCxnSpPr>
+        <p:spPr>
+          <a:xfrm flipV="1">
+            <a:off x="1244186" y="2792609"/>
+            <a:ext cx="447494" cy="658681"/>
+          </a:xfrm>
+          <a:prstGeom prst="straightConnector1">
+            <a:avLst/>
+          </a:prstGeom>
+          <a:ln w="28575">
+            <a:solidFill>
+              <a:schemeClr val="tx2"/>
+            </a:solidFill>
+            <a:prstDash val="solid"/>
+            <a:headEnd type="none" w="med" len="med"/>
+            <a:tailEnd type="arrow" w="med" len="med"/>
+          </a:ln>
+        </p:spPr>
+        <p:style>
+          <a:lnRef idx="1">
+            <a:schemeClr val="accent1"/>
+          </a:lnRef>
+          <a:fillRef idx="0">
+            <a:schemeClr val="accent1"/>
+          </a:fillRef>
+          <a:effectRef idx="0">
+            <a:schemeClr val="accent1"/>
+          </a:effectRef>
+          <a:fontRef idx="minor">
+            <a:schemeClr val="tx1"/>
+          </a:fontRef>
+        </p:style>
+      </p:cxnSp>
+      <p:cxnSp>
+        <p:nvCxnSpPr>
+          <p:cNvPr id="101" name="직선 화살표 연결선 100">
+            <a:extLst>
+              <a:ext uri="{FF2B5EF4-FFF2-40B4-BE49-F238E27FC236}">
+                <a16:creationId xmlns:a16="http://schemas.microsoft.com/office/drawing/2014/main" id="{FECA8B0C-1C50-410E-B833-FE364F07E4CC}"/>
+              </a:ext>
+            </a:extLst>
+          </p:cNvPr>
+          <p:cNvCxnSpPr>
+            <a:cxnSpLocks/>
+            <a:stCxn id="55" idx="3"/>
+            <a:endCxn id="83" idx="1"/>
+          </p:cNvCxnSpPr>
+          <p:nvPr/>
+        </p:nvCxnSpPr>
+        <p:spPr>
+          <a:xfrm>
+            <a:off x="3131840" y="2792609"/>
+            <a:ext cx="4608512" cy="332682"/>
+          </a:xfrm>
+          <a:prstGeom prst="straightConnector1">
+            <a:avLst/>
+          </a:prstGeom>
+          <a:ln w="28575">
+            <a:solidFill>
+              <a:schemeClr val="tx2"/>
+            </a:solidFill>
+            <a:prstDash val="solid"/>
+            <a:headEnd type="none" w="med" len="med"/>
+            <a:tailEnd type="arrow" w="med" len="med"/>
+          </a:ln>
+        </p:spPr>
+        <p:style>
+          <a:lnRef idx="1">
+            <a:schemeClr val="accent1"/>
+          </a:lnRef>
+          <a:fillRef idx="0">
+            <a:schemeClr val="accent1"/>
+          </a:fillRef>
+          <a:effectRef idx="0">
+            <a:schemeClr val="accent1"/>
+          </a:effectRef>
+          <a:fontRef idx="minor">
+            <a:schemeClr val="tx1"/>
+          </a:fontRef>
+        </p:style>
+      </p:cxnSp>
+    </p:spTree>
+    <p:extLst>
+      <p:ext uri="{BB962C8B-B14F-4D97-AF65-F5344CB8AC3E}">
+        <p14:creationId xmlns:p14="http://schemas.microsoft.com/office/powerpoint/2010/main" val="366766789"/>
       </p:ext>
     </p:extLst>
   </p:cSld>
